--- a/Презентація.pptx
+++ b/Презентація.pptx
@@ -5,7 +5,7 @@
     <p:sldMasterId id="2147483680" r:id="rId1"/>
   </p:sldMasterIdLst>
   <p:notesMasterIdLst>
-    <p:notesMasterId r:id="rId25"/>
+    <p:notesMasterId r:id="rId20"/>
   </p:notesMasterIdLst>
   <p:sldIdLst>
     <p:sldId id="256" r:id="rId2"/>
@@ -17,47 +17,42 @@
     <p:sldId id="312" r:id="rId8"/>
     <p:sldId id="313" r:id="rId9"/>
     <p:sldId id="314" r:id="rId10"/>
-    <p:sldId id="315" r:id="rId11"/>
-    <p:sldId id="316" r:id="rId12"/>
-    <p:sldId id="317" r:id="rId13"/>
-    <p:sldId id="318" r:id="rId14"/>
-    <p:sldId id="320" r:id="rId15"/>
-    <p:sldId id="263" r:id="rId16"/>
-    <p:sldId id="321" r:id="rId17"/>
-    <p:sldId id="322" r:id="rId18"/>
-    <p:sldId id="323" r:id="rId19"/>
-    <p:sldId id="324" r:id="rId20"/>
-    <p:sldId id="325" r:id="rId21"/>
-    <p:sldId id="326" r:id="rId22"/>
-    <p:sldId id="327" r:id="rId23"/>
-    <p:sldId id="328" r:id="rId24"/>
+    <p:sldId id="316" r:id="rId11"/>
+    <p:sldId id="263" r:id="rId12"/>
+    <p:sldId id="322" r:id="rId13"/>
+    <p:sldId id="324" r:id="rId14"/>
+    <p:sldId id="323" r:id="rId15"/>
+    <p:sldId id="326" r:id="rId16"/>
+    <p:sldId id="325" r:id="rId17"/>
+    <p:sldId id="327" r:id="rId18"/>
+    <p:sldId id="328" r:id="rId19"/>
   </p:sldIdLst>
   <p:sldSz cx="9144000" cy="5143500" type="screen16x9"/>
   <p:notesSz cx="6858000" cy="9144000"/>
   <p:embeddedFontLst>
     <p:embeddedFont>
       <p:font typeface="Albert Sans" panose="020B0604020202020204" charset="0"/>
-      <p:regular r:id="rId26"/>
-      <p:bold r:id="rId27"/>
-      <p:italic r:id="rId28"/>
-      <p:boldItalic r:id="rId29"/>
+      <p:regular r:id="rId21"/>
+      <p:bold r:id="rId22"/>
+      <p:italic r:id="rId23"/>
+      <p:boldItalic r:id="rId24"/>
     </p:embeddedFont>
     <p:embeddedFont>
       <p:font typeface="Alexandria Medium" panose="020B0604020202020204" charset="-78"/>
-      <p:regular r:id="rId30"/>
-      <p:bold r:id="rId31"/>
+      <p:regular r:id="rId25"/>
+      <p:bold r:id="rId26"/>
     </p:embeddedFont>
     <p:embeddedFont>
       <p:font typeface="Manrope" pitchFamily="2" charset="0"/>
-      <p:regular r:id="rId32"/>
-      <p:bold r:id="rId33"/>
+      <p:regular r:id="rId27"/>
+      <p:bold r:id="rId28"/>
     </p:embeddedFont>
     <p:embeddedFont>
       <p:font typeface="Roboto" panose="02000000000000000000" pitchFamily="2" charset="0"/>
-      <p:regular r:id="rId34"/>
-      <p:bold r:id="rId35"/>
-      <p:italic r:id="rId36"/>
-      <p:boldItalic r:id="rId37"/>
+      <p:regular r:id="rId29"/>
+      <p:bold r:id="rId30"/>
+      <p:italic r:id="rId31"/>
+      <p:boldItalic r:id="rId32"/>
     </p:embeddedFont>
   </p:embeddedFontLst>
   <p:defaultTextStyle>
@@ -847,7 +842,7 @@
   <p:cSld>
     <p:spTree>
       <p:nvGrpSpPr>
-        <p:cNvPr id="1" name="Shape 374"/>
+        <p:cNvPr id="1" name="Shape 252"/>
         <p:cNvGrpSpPr/>
         <p:nvPr/>
       </p:nvGrpSpPr>
@@ -861,7 +856,7 @@
       </p:grpSpPr>
       <p:sp>
         <p:nvSpPr>
-          <p:cNvPr id="375" name="Google Shape;375;g2572bee519d_0_205:notes"/>
+          <p:cNvPr id="253" name="Google Shape;253;g25703cb3a7b_0_39:notes"/>
           <p:cNvSpPr>
             <a:spLocks noGrp="1" noRot="1" noChangeAspect="1"/>
           </p:cNvSpPr>
@@ -902,7 +897,7 @@
       </p:sp>
       <p:sp>
         <p:nvSpPr>
-          <p:cNvPr id="376" name="Google Shape;376;g2572bee519d_0_205:notes"/>
+          <p:cNvPr id="254" name="Google Shape;254;g25703cb3a7b_0_39:notes"/>
           <p:cNvSpPr txBox="1">
             <a:spLocks noGrp="1"/>
           </p:cNvSpPr>
@@ -936,18 +931,21 @@
             </a:pPr>
             <a:r>
               <a:rPr lang="uk-UA" dirty="0"/>
-              <a:t>Це дозволяє безпечно та віддалено виконувати на стороні машини та отримувати й інтерпретувати її відповідь на стороні користувача. Що надає змогу деповсам постаратися виправити неполадку, що виникла, не перебуваючи на робочому місці, якщо це сталося не в робочий час</a:t>
+              <a:t>Оскільки додаток має бути доступним майже з кожного девайсу та з будь-якого місця, то було вирішено в якості графічного інтерфейсу використати </a:t>
+            </a:r>
+            <a:r>
+              <a:rPr lang="en-US" dirty="0"/>
+              <a:t>Telegram </a:t>
+            </a:r>
+            <a:r>
+              <a:rPr lang="uk-UA" dirty="0"/>
+              <a:t>бота</a:t>
             </a:r>
             <a:endParaRPr dirty="0"/>
           </a:p>
         </p:txBody>
       </p:sp>
     </p:spTree>
-    <p:extLst>
-      <p:ext uri="{BB962C8B-B14F-4D97-AF65-F5344CB8AC3E}">
-        <p14:creationId xmlns:p14="http://schemas.microsoft.com/office/powerpoint/2010/main" val="2344957860"/>
-      </p:ext>
-    </p:extLst>
   </p:cSld>
   <p:clrMapOvr>
     <a:masterClrMapping/>
@@ -956,369 +954,6 @@
 </file>
 
 <file path=ppt/notesSlides/notesSlide11.xml><?xml version="1.0" encoding="utf-8"?>
-<p:notes xmlns:a="http://schemas.openxmlformats.org/drawingml/2006/main" xmlns:r="http://schemas.openxmlformats.org/officeDocument/2006/relationships" xmlns:p="http://schemas.openxmlformats.org/presentationml/2006/main" showMasterSp="0" showMasterPhAnim="0">
-  <p:cSld>
-    <p:spTree>
-      <p:nvGrpSpPr>
-        <p:cNvPr id="1" name="Shape 245"/>
-        <p:cNvGrpSpPr/>
-        <p:nvPr/>
-      </p:nvGrpSpPr>
-      <p:grpSpPr>
-        <a:xfrm>
-          <a:off x="0" y="0"/>
-          <a:ext cx="0" cy="0"/>
-          <a:chOff x="0" y="0"/>
-          <a:chExt cx="0" cy="0"/>
-        </a:xfrm>
-      </p:grpSpPr>
-      <p:sp>
-        <p:nvSpPr>
-          <p:cNvPr id="246" name="Google Shape;246;g2558abb5fb3_0_46:notes"/>
-          <p:cNvSpPr>
-            <a:spLocks noGrp="1" noRot="1" noChangeAspect="1"/>
-          </p:cNvSpPr>
-          <p:nvPr>
-            <p:ph type="sldImg" idx="2"/>
-          </p:nvPr>
-        </p:nvSpPr>
-        <p:spPr>
-          <a:xfrm>
-            <a:off x="381000" y="685800"/>
-            <a:ext cx="6096000" cy="3429000"/>
-          </a:xfrm>
-          <a:custGeom>
-            <a:avLst/>
-            <a:gdLst/>
-            <a:ahLst/>
-            <a:cxnLst/>
-            <a:rect l="l" t="t" r="r" b="b"/>
-            <a:pathLst>
-              <a:path w="120000" h="120000" extrusionOk="0">
-                <a:moveTo>
-                  <a:pt x="0" y="0"/>
-                </a:moveTo>
-                <a:lnTo>
-                  <a:pt x="120000" y="0"/>
-                </a:lnTo>
-                <a:lnTo>
-                  <a:pt x="120000" y="120000"/>
-                </a:lnTo>
-                <a:lnTo>
-                  <a:pt x="0" y="120000"/>
-                </a:lnTo>
-                <a:close/>
-              </a:path>
-            </a:pathLst>
-          </a:custGeom>
-        </p:spPr>
-      </p:sp>
-      <p:sp>
-        <p:nvSpPr>
-          <p:cNvPr id="247" name="Google Shape;247;g2558abb5fb3_0_46:notes"/>
-          <p:cNvSpPr txBox="1">
-            <a:spLocks noGrp="1"/>
-          </p:cNvSpPr>
-          <p:nvPr>
-            <p:ph type="body" idx="1"/>
-          </p:nvPr>
-        </p:nvSpPr>
-        <p:spPr>
-          <a:xfrm>
-            <a:off x="685800" y="4343400"/>
-            <a:ext cx="5486400" cy="4114800"/>
-          </a:xfrm>
-          <a:prstGeom prst="rect">
-            <a:avLst/>
-          </a:prstGeom>
-        </p:spPr>
-        <p:txBody>
-          <a:bodyPr spcFirstLastPara="1" wrap="square" lIns="91425" tIns="91425" rIns="91425" bIns="91425" anchor="t" anchorCtr="0">
-            <a:noAutofit/>
-          </a:bodyPr>
-          <a:lstStyle/>
-          <a:p>
-            <a:pPr marL="0" lvl="0" indent="0" algn="l" rtl="0">
-              <a:spcBef>
-                <a:spcPts val="0"/>
-              </a:spcBef>
-              <a:spcAft>
-                <a:spcPts val="0"/>
-              </a:spcAft>
-              <a:buNone/>
-            </a:pPr>
-            <a:r>
-              <a:rPr lang="uk-UA" dirty="0"/>
-              <a:t>Це означає, що користувач отримує майже повний, дуже гнучкий і при цьому віддалений доступ до віртуальної машини. І за потреби він може завантажити якийсь скрипт на машину, після чого одразу його виконати. Або навпаки швидко завантажити файл із машини та виконати над ним будь-які дії, наприклад, поділитися із колегою. Користувач перебуваючи вдома забезпечений системою дуже широким спектром функціоналу, що дуже полегшує його роботу та дозволяє вчасно реагувати на проблеми, що виникають</a:t>
-            </a:r>
-            <a:endParaRPr dirty="0"/>
-          </a:p>
-        </p:txBody>
-      </p:sp>
-    </p:spTree>
-    <p:extLst>
-      <p:ext uri="{BB962C8B-B14F-4D97-AF65-F5344CB8AC3E}">
-        <p14:creationId xmlns:p14="http://schemas.microsoft.com/office/powerpoint/2010/main" val="3015814953"/>
-      </p:ext>
-    </p:extLst>
-  </p:cSld>
-  <p:clrMapOvr>
-    <a:masterClrMapping/>
-  </p:clrMapOvr>
-</p:notes>
-</file>
-
-<file path=ppt/notesSlides/notesSlide12.xml><?xml version="1.0" encoding="utf-8"?>
-<p:notes xmlns:a="http://schemas.openxmlformats.org/drawingml/2006/main" xmlns:r="http://schemas.openxmlformats.org/officeDocument/2006/relationships" xmlns:p="http://schemas.openxmlformats.org/presentationml/2006/main" showMasterSp="0" showMasterPhAnim="0">
-  <p:cSld>
-    <p:spTree>
-      <p:nvGrpSpPr>
-        <p:cNvPr id="1" name="Shape 374"/>
-        <p:cNvGrpSpPr/>
-        <p:nvPr/>
-      </p:nvGrpSpPr>
-      <p:grpSpPr>
-        <a:xfrm>
-          <a:off x="0" y="0"/>
-          <a:ext cx="0" cy="0"/>
-          <a:chOff x="0" y="0"/>
-          <a:chExt cx="0" cy="0"/>
-        </a:xfrm>
-      </p:grpSpPr>
-      <p:sp>
-        <p:nvSpPr>
-          <p:cNvPr id="375" name="Google Shape;375;g2572bee519d_0_205:notes"/>
-          <p:cNvSpPr>
-            <a:spLocks noGrp="1" noRot="1" noChangeAspect="1"/>
-          </p:cNvSpPr>
-          <p:nvPr>
-            <p:ph type="sldImg" idx="2"/>
-          </p:nvPr>
-        </p:nvSpPr>
-        <p:spPr>
-          <a:xfrm>
-            <a:off x="381000" y="685800"/>
-            <a:ext cx="6096000" cy="3429000"/>
-          </a:xfrm>
-          <a:custGeom>
-            <a:avLst/>
-            <a:gdLst/>
-            <a:ahLst/>
-            <a:cxnLst/>
-            <a:rect l="l" t="t" r="r" b="b"/>
-            <a:pathLst>
-              <a:path w="120000" h="120000" extrusionOk="0">
-                <a:moveTo>
-                  <a:pt x="0" y="0"/>
-                </a:moveTo>
-                <a:lnTo>
-                  <a:pt x="120000" y="0"/>
-                </a:lnTo>
-                <a:lnTo>
-                  <a:pt x="120000" y="120000"/>
-                </a:lnTo>
-                <a:lnTo>
-                  <a:pt x="0" y="120000"/>
-                </a:lnTo>
-                <a:close/>
-              </a:path>
-            </a:pathLst>
-          </a:custGeom>
-        </p:spPr>
-      </p:sp>
-      <p:sp>
-        <p:nvSpPr>
-          <p:cNvPr id="376" name="Google Shape;376;g2572bee519d_0_205:notes"/>
-          <p:cNvSpPr txBox="1">
-            <a:spLocks noGrp="1"/>
-          </p:cNvSpPr>
-          <p:nvPr>
-            <p:ph type="body" idx="1"/>
-          </p:nvPr>
-        </p:nvSpPr>
-        <p:spPr>
-          <a:xfrm>
-            <a:off x="685800" y="4343400"/>
-            <a:ext cx="5486400" cy="4114800"/>
-          </a:xfrm>
-          <a:prstGeom prst="rect">
-            <a:avLst/>
-          </a:prstGeom>
-        </p:spPr>
-        <p:txBody>
-          <a:bodyPr spcFirstLastPara="1" wrap="square" lIns="91425" tIns="91425" rIns="91425" bIns="91425" anchor="t" anchorCtr="0">
-            <a:noAutofit/>
-          </a:bodyPr>
-          <a:lstStyle/>
-          <a:p>
-            <a:pPr marL="0" lvl="0" indent="0" algn="l" rtl="0">
-              <a:spcBef>
-                <a:spcPts val="0"/>
-              </a:spcBef>
-              <a:spcAft>
-                <a:spcPts val="0"/>
-              </a:spcAft>
-              <a:buNone/>
-            </a:pPr>
-            <a:r>
-              <a:rPr lang="uk-UA" dirty="0"/>
-              <a:t>В системи є свій клієнт для збору метрик, який вона завантажує на віртуальну машину. Клієнт є </a:t>
-            </a:r>
-            <a:r>
-              <a:rPr lang="en-US" dirty="0"/>
-              <a:t>python</a:t>
-            </a:r>
-            <a:r>
-              <a:rPr lang="uk-UA" dirty="0"/>
-              <a:t>-скриптом, який збирає метрики та повертає їх системі, яка переводить дані у графіки та надсилає їх користувачу. Також в користувача є можливість отримати метрики в «сирому» вигляді </a:t>
-            </a:r>
-            <a:r>
-              <a:rPr lang="en-US" dirty="0"/>
-              <a:t>json</a:t>
-            </a:r>
-            <a:r>
-              <a:rPr lang="uk-UA" dirty="0"/>
-              <a:t>-об</a:t>
-            </a:r>
-            <a:r>
-              <a:rPr lang="en-US" dirty="0"/>
-              <a:t>’</a:t>
-            </a:r>
-            <a:r>
-              <a:rPr lang="uk-UA" dirty="0"/>
-              <a:t>єкта</a:t>
-            </a:r>
-            <a:endParaRPr dirty="0"/>
-          </a:p>
-        </p:txBody>
-      </p:sp>
-    </p:spTree>
-    <p:extLst>
-      <p:ext uri="{BB962C8B-B14F-4D97-AF65-F5344CB8AC3E}">
-        <p14:creationId xmlns:p14="http://schemas.microsoft.com/office/powerpoint/2010/main" val="3991149282"/>
-      </p:ext>
-    </p:extLst>
-  </p:cSld>
-  <p:clrMapOvr>
-    <a:masterClrMapping/>
-  </p:clrMapOvr>
-</p:notes>
-</file>
-
-<file path=ppt/notesSlides/notesSlide13.xml><?xml version="1.0" encoding="utf-8"?>
-<p:notes xmlns:a="http://schemas.openxmlformats.org/drawingml/2006/main" xmlns:r="http://schemas.openxmlformats.org/officeDocument/2006/relationships" xmlns:p="http://schemas.openxmlformats.org/presentationml/2006/main" showMasterSp="0" showMasterPhAnim="0">
-  <p:cSld>
-    <p:spTree>
-      <p:nvGrpSpPr>
-        <p:cNvPr id="1" name="Shape 245"/>
-        <p:cNvGrpSpPr/>
-        <p:nvPr/>
-      </p:nvGrpSpPr>
-      <p:grpSpPr>
-        <a:xfrm>
-          <a:off x="0" y="0"/>
-          <a:ext cx="0" cy="0"/>
-          <a:chOff x="0" y="0"/>
-          <a:chExt cx="0" cy="0"/>
-        </a:xfrm>
-      </p:grpSpPr>
-      <p:sp>
-        <p:nvSpPr>
-          <p:cNvPr id="246" name="Google Shape;246;g2558abb5fb3_0_46:notes"/>
-          <p:cNvSpPr>
-            <a:spLocks noGrp="1" noRot="1" noChangeAspect="1"/>
-          </p:cNvSpPr>
-          <p:nvPr>
-            <p:ph type="sldImg" idx="2"/>
-          </p:nvPr>
-        </p:nvSpPr>
-        <p:spPr>
-          <a:xfrm>
-            <a:off x="381000" y="685800"/>
-            <a:ext cx="6096000" cy="3429000"/>
-          </a:xfrm>
-          <a:custGeom>
-            <a:avLst/>
-            <a:gdLst/>
-            <a:ahLst/>
-            <a:cxnLst/>
-            <a:rect l="l" t="t" r="r" b="b"/>
-            <a:pathLst>
-              <a:path w="120000" h="120000" extrusionOk="0">
-                <a:moveTo>
-                  <a:pt x="0" y="0"/>
-                </a:moveTo>
-                <a:lnTo>
-                  <a:pt x="120000" y="0"/>
-                </a:lnTo>
-                <a:lnTo>
-                  <a:pt x="120000" y="120000"/>
-                </a:lnTo>
-                <a:lnTo>
-                  <a:pt x="0" y="120000"/>
-                </a:lnTo>
-                <a:close/>
-              </a:path>
-            </a:pathLst>
-          </a:custGeom>
-        </p:spPr>
-      </p:sp>
-      <p:sp>
-        <p:nvSpPr>
-          <p:cNvPr id="247" name="Google Shape;247;g2558abb5fb3_0_46:notes"/>
-          <p:cNvSpPr txBox="1">
-            <a:spLocks noGrp="1"/>
-          </p:cNvSpPr>
-          <p:nvPr>
-            <p:ph type="body" idx="1"/>
-          </p:nvPr>
-        </p:nvSpPr>
-        <p:spPr>
-          <a:xfrm>
-            <a:off x="685800" y="4343400"/>
-            <a:ext cx="5486400" cy="4114800"/>
-          </a:xfrm>
-          <a:prstGeom prst="rect">
-            <a:avLst/>
-          </a:prstGeom>
-        </p:spPr>
-        <p:txBody>
-          <a:bodyPr spcFirstLastPara="1" wrap="square" lIns="91425" tIns="91425" rIns="91425" bIns="91425" anchor="t" anchorCtr="0">
-            <a:noAutofit/>
-          </a:bodyPr>
-          <a:lstStyle/>
-          <a:p>
-            <a:pPr marL="0" lvl="0" indent="0" algn="l" rtl="0">
-              <a:spcBef>
-                <a:spcPts val="0"/>
-              </a:spcBef>
-              <a:spcAft>
-                <a:spcPts val="0"/>
-              </a:spcAft>
-              <a:buNone/>
-            </a:pPr>
-            <a:r>
-              <a:rPr lang="uk-UA" dirty="0"/>
-              <a:t>Це дозволить йому розділити віртуальні машини за скопами роботи, наприклад, на робочі та власні</a:t>
-            </a:r>
-            <a:endParaRPr dirty="0"/>
-          </a:p>
-        </p:txBody>
-      </p:sp>
-    </p:spTree>
-    <p:extLst>
-      <p:ext uri="{BB962C8B-B14F-4D97-AF65-F5344CB8AC3E}">
-        <p14:creationId xmlns:p14="http://schemas.microsoft.com/office/powerpoint/2010/main" val="2705784235"/>
-      </p:ext>
-    </p:extLst>
-  </p:cSld>
-  <p:clrMapOvr>
-    <a:masterClrMapping/>
-  </p:clrMapOvr>
-</p:notes>
-</file>
-
-<file path=ppt/notesSlides/notesSlide14.xml><?xml version="1.0" encoding="utf-8"?>
 <p:notes xmlns:a="http://schemas.openxmlformats.org/drawingml/2006/main" xmlns:r="http://schemas.openxmlformats.org/officeDocument/2006/relationships" xmlns:p="http://schemas.openxmlformats.org/presentationml/2006/main" showMasterSp="0" showMasterPhAnim="0">
   <p:cSld>
     <p:spTree>
@@ -1412,21 +1047,17 @@
             </a:pPr>
             <a:r>
               <a:rPr lang="uk-UA" dirty="0"/>
-              <a:t>Оскільки додаток має бути доступним майже з кожного девайсу та з будь-якого місця, то було вирішено в якості графічного інтерфейсу використати </a:t>
+              <a:t>На відміну від клавіатури девайсу, з якого відбувається взаємодія, у клавіатурах ботів наперед визначені команди, на які повинен реагувати бот. Клавіатури дозволяють надавати користувачу тільки той функціонал, який йому зараз потрібен та моделювати необхідні сценарії взаємодії між ним та системою. Вони знаходяться в нижній частині інтерфейсу</a:t>
             </a:r>
-            <a:r>
-              <a:rPr lang="en-US" dirty="0"/>
-              <a:t>Telegram </a:t>
-            </a:r>
-            <a:r>
-              <a:rPr lang="uk-UA" dirty="0"/>
-              <a:t>бота</a:t>
-            </a:r>
-            <a:endParaRPr dirty="0"/>
           </a:p>
         </p:txBody>
       </p:sp>
     </p:spTree>
+    <p:extLst>
+      <p:ext uri="{BB962C8B-B14F-4D97-AF65-F5344CB8AC3E}">
+        <p14:creationId xmlns:p14="http://schemas.microsoft.com/office/powerpoint/2010/main" val="1907664650"/>
+      </p:ext>
+    </p:extLst>
   </p:cSld>
   <p:clrMapOvr>
     <a:masterClrMapping/>
@@ -1434,7 +1065,7 @@
 </p:notes>
 </file>
 
-<file path=ppt/notesSlides/notesSlide15.xml><?xml version="1.0" encoding="utf-8"?>
+<file path=ppt/notesSlides/notesSlide12.xml><?xml version="1.0" encoding="utf-8"?>
 <p:notes xmlns:a="http://schemas.openxmlformats.org/drawingml/2006/main" xmlns:r="http://schemas.openxmlformats.org/officeDocument/2006/relationships" xmlns:p="http://schemas.openxmlformats.org/presentationml/2006/main" showMasterSp="0" showMasterPhAnim="0">
   <p:cSld>
     <p:spTree>
@@ -1526,18 +1157,14 @@
               </a:spcAft>
               <a:buNone/>
             </a:pPr>
-            <a:r>
-              <a:rPr lang="uk-UA" dirty="0"/>
-              <a:t>Система вміє розпізнавати дію, яку користувач хоче виконати за ключовими словами в його повідомленнях. Користувач використовуючи додаток просто віддає команди, які система розпізнає та виконує</a:t>
-            </a:r>
-            <a:endParaRPr dirty="0"/>
+            <a:endParaRPr lang="uk-UA" dirty="0"/>
           </a:p>
         </p:txBody>
       </p:sp>
     </p:spTree>
     <p:extLst>
       <p:ext uri="{BB962C8B-B14F-4D97-AF65-F5344CB8AC3E}">
-        <p14:creationId xmlns:p14="http://schemas.microsoft.com/office/powerpoint/2010/main" val="3306171256"/>
+        <p14:creationId xmlns:p14="http://schemas.microsoft.com/office/powerpoint/2010/main" val="4118722458"/>
       </p:ext>
     </p:extLst>
   </p:cSld>
@@ -1547,119 +1174,7 @@
 </p:notes>
 </file>
 
-<file path=ppt/notesSlides/notesSlide16.xml><?xml version="1.0" encoding="utf-8"?>
-<p:notes xmlns:a="http://schemas.openxmlformats.org/drawingml/2006/main" xmlns:r="http://schemas.openxmlformats.org/officeDocument/2006/relationships" xmlns:p="http://schemas.openxmlformats.org/presentationml/2006/main" showMasterSp="0" showMasterPhAnim="0">
-  <p:cSld>
-    <p:spTree>
-      <p:nvGrpSpPr>
-        <p:cNvPr id="1" name="Shape 252"/>
-        <p:cNvGrpSpPr/>
-        <p:nvPr/>
-      </p:nvGrpSpPr>
-      <p:grpSpPr>
-        <a:xfrm>
-          <a:off x="0" y="0"/>
-          <a:ext cx="0" cy="0"/>
-          <a:chOff x="0" y="0"/>
-          <a:chExt cx="0" cy="0"/>
-        </a:xfrm>
-      </p:grpSpPr>
-      <p:sp>
-        <p:nvSpPr>
-          <p:cNvPr id="253" name="Google Shape;253;g25703cb3a7b_0_39:notes"/>
-          <p:cNvSpPr>
-            <a:spLocks noGrp="1" noRot="1" noChangeAspect="1"/>
-          </p:cNvSpPr>
-          <p:nvPr>
-            <p:ph type="sldImg" idx="2"/>
-          </p:nvPr>
-        </p:nvSpPr>
-        <p:spPr>
-          <a:xfrm>
-            <a:off x="381000" y="685800"/>
-            <a:ext cx="6096000" cy="3429000"/>
-          </a:xfrm>
-          <a:custGeom>
-            <a:avLst/>
-            <a:gdLst/>
-            <a:ahLst/>
-            <a:cxnLst/>
-            <a:rect l="l" t="t" r="r" b="b"/>
-            <a:pathLst>
-              <a:path w="120000" h="120000" extrusionOk="0">
-                <a:moveTo>
-                  <a:pt x="0" y="0"/>
-                </a:moveTo>
-                <a:lnTo>
-                  <a:pt x="120000" y="0"/>
-                </a:lnTo>
-                <a:lnTo>
-                  <a:pt x="120000" y="120000"/>
-                </a:lnTo>
-                <a:lnTo>
-                  <a:pt x="0" y="120000"/>
-                </a:lnTo>
-                <a:close/>
-              </a:path>
-            </a:pathLst>
-          </a:custGeom>
-        </p:spPr>
-      </p:sp>
-      <p:sp>
-        <p:nvSpPr>
-          <p:cNvPr id="254" name="Google Shape;254;g25703cb3a7b_0_39:notes"/>
-          <p:cNvSpPr txBox="1">
-            <a:spLocks noGrp="1"/>
-          </p:cNvSpPr>
-          <p:nvPr>
-            <p:ph type="body" idx="1"/>
-          </p:nvPr>
-        </p:nvSpPr>
-        <p:spPr>
-          <a:xfrm>
-            <a:off x="685800" y="4343400"/>
-            <a:ext cx="5486400" cy="4114800"/>
-          </a:xfrm>
-          <a:prstGeom prst="rect">
-            <a:avLst/>
-          </a:prstGeom>
-        </p:spPr>
-        <p:txBody>
-          <a:bodyPr spcFirstLastPara="1" wrap="square" lIns="91425" tIns="91425" rIns="91425" bIns="91425" anchor="t" anchorCtr="0">
-            <a:noAutofit/>
-          </a:bodyPr>
-          <a:lstStyle/>
-          <a:p>
-            <a:pPr marL="0" lvl="0" indent="0" algn="l" rtl="0">
-              <a:spcBef>
-                <a:spcPts val="0"/>
-              </a:spcBef>
-              <a:spcAft>
-                <a:spcPts val="0"/>
-              </a:spcAft>
-              <a:buNone/>
-            </a:pPr>
-            <a:r>
-              <a:rPr lang="uk-UA" dirty="0"/>
-              <a:t>На відміну від клавіатури девайсу, з якого відбувається взаємодія, у клавіатурах ботів наперед визначені команди, на які повинен реагувати бот. Клавіатури дозволяють надавати користувачу тільки той функціонал, який йому зараз потрібен та моделювати необхідні сценарії взаємодії між ним та системою. Вони знаходяться в нижній частині інтерфейсу</a:t>
-            </a:r>
-          </a:p>
-        </p:txBody>
-      </p:sp>
-    </p:spTree>
-    <p:extLst>
-      <p:ext uri="{BB962C8B-B14F-4D97-AF65-F5344CB8AC3E}">
-        <p14:creationId xmlns:p14="http://schemas.microsoft.com/office/powerpoint/2010/main" val="1907664650"/>
-      </p:ext>
-    </p:extLst>
-  </p:cSld>
-  <p:clrMapOvr>
-    <a:masterClrMapping/>
-  </p:clrMapOvr>
-</p:notes>
-</file>
-
-<file path=ppt/notesSlides/notesSlide17.xml><?xml version="1.0" encoding="utf-8"?>
+<file path=ppt/notesSlides/notesSlide13.xml><?xml version="1.0" encoding="utf-8"?>
 <p:notes xmlns:a="http://schemas.openxmlformats.org/drawingml/2006/main" xmlns:r="http://schemas.openxmlformats.org/officeDocument/2006/relationships" xmlns:p="http://schemas.openxmlformats.org/presentationml/2006/main" showMasterSp="0" showMasterPhAnim="0">
   <p:cSld>
     <p:spTree>
@@ -1795,7 +1310,7 @@
 </p:notes>
 </file>
 
-<file path=ppt/notesSlides/notesSlide18.xml><?xml version="1.0" encoding="utf-8"?>
+<file path=ppt/notesSlides/notesSlide14.xml><?xml version="1.0" encoding="utf-8"?>
 <p:notes xmlns:a="http://schemas.openxmlformats.org/drawingml/2006/main" xmlns:r="http://schemas.openxmlformats.org/officeDocument/2006/relationships" xmlns:p="http://schemas.openxmlformats.org/presentationml/2006/main" showMasterSp="0" showMasterPhAnim="0">
   <p:cSld>
     <p:spTree>
@@ -1894,7 +1409,7 @@
     </p:spTree>
     <p:extLst>
       <p:ext uri="{BB962C8B-B14F-4D97-AF65-F5344CB8AC3E}">
-        <p14:creationId xmlns:p14="http://schemas.microsoft.com/office/powerpoint/2010/main" val="4118722458"/>
+        <p14:creationId xmlns:p14="http://schemas.microsoft.com/office/powerpoint/2010/main" val="95607898"/>
       </p:ext>
     </p:extLst>
   </p:cSld>
@@ -1904,7 +1419,7 @@
 </p:notes>
 </file>
 
-<file path=ppt/notesSlides/notesSlide19.xml><?xml version="1.0" encoding="utf-8"?>
+<file path=ppt/notesSlides/notesSlide15.xml><?xml version="1.0" encoding="utf-8"?>
 <p:notes xmlns:a="http://schemas.openxmlformats.org/drawingml/2006/main" xmlns:r="http://schemas.openxmlformats.org/officeDocument/2006/relationships" xmlns:p="http://schemas.openxmlformats.org/presentationml/2006/main" showMasterSp="0" showMasterPhAnim="0">
   <p:cSld>
     <p:spTree>
@@ -2007,6 +1522,115 @@
     <p:extLst>
       <p:ext uri="{BB962C8B-B14F-4D97-AF65-F5344CB8AC3E}">
         <p14:creationId xmlns:p14="http://schemas.microsoft.com/office/powerpoint/2010/main" val="131943603"/>
+      </p:ext>
+    </p:extLst>
+  </p:cSld>
+  <p:clrMapOvr>
+    <a:masterClrMapping/>
+  </p:clrMapOvr>
+</p:notes>
+</file>
+
+<file path=ppt/notesSlides/notesSlide16.xml><?xml version="1.0" encoding="utf-8"?>
+<p:notes xmlns:a="http://schemas.openxmlformats.org/drawingml/2006/main" xmlns:r="http://schemas.openxmlformats.org/officeDocument/2006/relationships" xmlns:p="http://schemas.openxmlformats.org/presentationml/2006/main" showMasterSp="0" showMasterPhAnim="0">
+  <p:cSld>
+    <p:spTree>
+      <p:nvGrpSpPr>
+        <p:cNvPr id="1" name="Shape 374"/>
+        <p:cNvGrpSpPr/>
+        <p:nvPr/>
+      </p:nvGrpSpPr>
+      <p:grpSpPr>
+        <a:xfrm>
+          <a:off x="0" y="0"/>
+          <a:ext cx="0" cy="0"/>
+          <a:chOff x="0" y="0"/>
+          <a:chExt cx="0" cy="0"/>
+        </a:xfrm>
+      </p:grpSpPr>
+      <p:sp>
+        <p:nvSpPr>
+          <p:cNvPr id="375" name="Google Shape;375;g2572bee519d_0_205:notes"/>
+          <p:cNvSpPr>
+            <a:spLocks noGrp="1" noRot="1" noChangeAspect="1"/>
+          </p:cNvSpPr>
+          <p:nvPr>
+            <p:ph type="sldImg" idx="2"/>
+          </p:nvPr>
+        </p:nvSpPr>
+        <p:spPr>
+          <a:xfrm>
+            <a:off x="381000" y="685800"/>
+            <a:ext cx="6096000" cy="3429000"/>
+          </a:xfrm>
+          <a:custGeom>
+            <a:avLst/>
+            <a:gdLst/>
+            <a:ahLst/>
+            <a:cxnLst/>
+            <a:rect l="l" t="t" r="r" b="b"/>
+            <a:pathLst>
+              <a:path w="120000" h="120000" extrusionOk="0">
+                <a:moveTo>
+                  <a:pt x="0" y="0"/>
+                </a:moveTo>
+                <a:lnTo>
+                  <a:pt x="120000" y="0"/>
+                </a:lnTo>
+                <a:lnTo>
+                  <a:pt x="120000" y="120000"/>
+                </a:lnTo>
+                <a:lnTo>
+                  <a:pt x="0" y="120000"/>
+                </a:lnTo>
+                <a:close/>
+              </a:path>
+            </a:pathLst>
+          </a:custGeom>
+        </p:spPr>
+      </p:sp>
+      <p:sp>
+        <p:nvSpPr>
+          <p:cNvPr id="376" name="Google Shape;376;g2572bee519d_0_205:notes"/>
+          <p:cNvSpPr txBox="1">
+            <a:spLocks noGrp="1"/>
+          </p:cNvSpPr>
+          <p:nvPr>
+            <p:ph type="body" idx="1"/>
+          </p:nvPr>
+        </p:nvSpPr>
+        <p:spPr>
+          <a:xfrm>
+            <a:off x="685800" y="4343400"/>
+            <a:ext cx="5486400" cy="4114800"/>
+          </a:xfrm>
+          <a:prstGeom prst="rect">
+            <a:avLst/>
+          </a:prstGeom>
+        </p:spPr>
+        <p:txBody>
+          <a:bodyPr spcFirstLastPara="1" wrap="square" lIns="91425" tIns="91425" rIns="91425" bIns="91425" anchor="t" anchorCtr="0">
+            <a:noAutofit/>
+          </a:bodyPr>
+          <a:lstStyle/>
+          <a:p>
+            <a:pPr marL="0" lvl="0" indent="0" algn="l" rtl="0">
+              <a:spcBef>
+                <a:spcPts val="0"/>
+              </a:spcBef>
+              <a:spcAft>
+                <a:spcPts val="0"/>
+              </a:spcAft>
+              <a:buNone/>
+            </a:pPr>
+            <a:endParaRPr dirty="0"/>
+          </a:p>
+        </p:txBody>
+      </p:sp>
+    </p:spTree>
+    <p:extLst>
+      <p:ext uri="{BB962C8B-B14F-4D97-AF65-F5344CB8AC3E}">
+        <p14:creationId xmlns:p14="http://schemas.microsoft.com/office/powerpoint/2010/main" val="1259289034"/>
       </p:ext>
     </p:extLst>
   </p:cSld>
@@ -2140,224 +1764,6 @@
         </p:txBody>
       </p:sp>
     </p:spTree>
-  </p:cSld>
-  <p:clrMapOvr>
-    <a:masterClrMapping/>
-  </p:clrMapOvr>
-</p:notes>
-</file>
-
-<file path=ppt/notesSlides/notesSlide20.xml><?xml version="1.0" encoding="utf-8"?>
-<p:notes xmlns:a="http://schemas.openxmlformats.org/drawingml/2006/main" xmlns:r="http://schemas.openxmlformats.org/officeDocument/2006/relationships" xmlns:p="http://schemas.openxmlformats.org/presentationml/2006/main" showMasterSp="0" showMasterPhAnim="0">
-  <p:cSld>
-    <p:spTree>
-      <p:nvGrpSpPr>
-        <p:cNvPr id="1" name="Shape 252"/>
-        <p:cNvGrpSpPr/>
-        <p:nvPr/>
-      </p:nvGrpSpPr>
-      <p:grpSpPr>
-        <a:xfrm>
-          <a:off x="0" y="0"/>
-          <a:ext cx="0" cy="0"/>
-          <a:chOff x="0" y="0"/>
-          <a:chExt cx="0" cy="0"/>
-        </a:xfrm>
-      </p:grpSpPr>
-      <p:sp>
-        <p:nvSpPr>
-          <p:cNvPr id="253" name="Google Shape;253;g25703cb3a7b_0_39:notes"/>
-          <p:cNvSpPr>
-            <a:spLocks noGrp="1" noRot="1" noChangeAspect="1"/>
-          </p:cNvSpPr>
-          <p:nvPr>
-            <p:ph type="sldImg" idx="2"/>
-          </p:nvPr>
-        </p:nvSpPr>
-        <p:spPr>
-          <a:xfrm>
-            <a:off x="381000" y="685800"/>
-            <a:ext cx="6096000" cy="3429000"/>
-          </a:xfrm>
-          <a:custGeom>
-            <a:avLst/>
-            <a:gdLst/>
-            <a:ahLst/>
-            <a:cxnLst/>
-            <a:rect l="l" t="t" r="r" b="b"/>
-            <a:pathLst>
-              <a:path w="120000" h="120000" extrusionOk="0">
-                <a:moveTo>
-                  <a:pt x="0" y="0"/>
-                </a:moveTo>
-                <a:lnTo>
-                  <a:pt x="120000" y="0"/>
-                </a:lnTo>
-                <a:lnTo>
-                  <a:pt x="120000" y="120000"/>
-                </a:lnTo>
-                <a:lnTo>
-                  <a:pt x="0" y="120000"/>
-                </a:lnTo>
-                <a:close/>
-              </a:path>
-            </a:pathLst>
-          </a:custGeom>
-        </p:spPr>
-      </p:sp>
-      <p:sp>
-        <p:nvSpPr>
-          <p:cNvPr id="254" name="Google Shape;254;g25703cb3a7b_0_39:notes"/>
-          <p:cNvSpPr txBox="1">
-            <a:spLocks noGrp="1"/>
-          </p:cNvSpPr>
-          <p:nvPr>
-            <p:ph type="body" idx="1"/>
-          </p:nvPr>
-        </p:nvSpPr>
-        <p:spPr>
-          <a:xfrm>
-            <a:off x="685800" y="4343400"/>
-            <a:ext cx="5486400" cy="4114800"/>
-          </a:xfrm>
-          <a:prstGeom prst="rect">
-            <a:avLst/>
-          </a:prstGeom>
-        </p:spPr>
-        <p:txBody>
-          <a:bodyPr spcFirstLastPara="1" wrap="square" lIns="91425" tIns="91425" rIns="91425" bIns="91425" anchor="t" anchorCtr="0">
-            <a:noAutofit/>
-          </a:bodyPr>
-          <a:lstStyle/>
-          <a:p>
-            <a:pPr marL="0" lvl="0" indent="0" algn="l" rtl="0">
-              <a:spcBef>
-                <a:spcPts val="0"/>
-              </a:spcBef>
-              <a:spcAft>
-                <a:spcPts val="0"/>
-              </a:spcAft>
-              <a:buNone/>
-            </a:pPr>
-            <a:endParaRPr lang="uk-UA" dirty="0"/>
-          </a:p>
-        </p:txBody>
-      </p:sp>
-    </p:spTree>
-    <p:extLst>
-      <p:ext uri="{BB962C8B-B14F-4D97-AF65-F5344CB8AC3E}">
-        <p14:creationId xmlns:p14="http://schemas.microsoft.com/office/powerpoint/2010/main" val="95607898"/>
-      </p:ext>
-    </p:extLst>
-  </p:cSld>
-  <p:clrMapOvr>
-    <a:masterClrMapping/>
-  </p:clrMapOvr>
-</p:notes>
-</file>
-
-<file path=ppt/notesSlides/notesSlide21.xml><?xml version="1.0" encoding="utf-8"?>
-<p:notes xmlns:a="http://schemas.openxmlformats.org/drawingml/2006/main" xmlns:r="http://schemas.openxmlformats.org/officeDocument/2006/relationships" xmlns:p="http://schemas.openxmlformats.org/presentationml/2006/main" showMasterSp="0" showMasterPhAnim="0">
-  <p:cSld>
-    <p:spTree>
-      <p:nvGrpSpPr>
-        <p:cNvPr id="1" name="Shape 374"/>
-        <p:cNvGrpSpPr/>
-        <p:nvPr/>
-      </p:nvGrpSpPr>
-      <p:grpSpPr>
-        <a:xfrm>
-          <a:off x="0" y="0"/>
-          <a:ext cx="0" cy="0"/>
-          <a:chOff x="0" y="0"/>
-          <a:chExt cx="0" cy="0"/>
-        </a:xfrm>
-      </p:grpSpPr>
-      <p:sp>
-        <p:nvSpPr>
-          <p:cNvPr id="375" name="Google Shape;375;g2572bee519d_0_205:notes"/>
-          <p:cNvSpPr>
-            <a:spLocks noGrp="1" noRot="1" noChangeAspect="1"/>
-          </p:cNvSpPr>
-          <p:nvPr>
-            <p:ph type="sldImg" idx="2"/>
-          </p:nvPr>
-        </p:nvSpPr>
-        <p:spPr>
-          <a:xfrm>
-            <a:off x="381000" y="685800"/>
-            <a:ext cx="6096000" cy="3429000"/>
-          </a:xfrm>
-          <a:custGeom>
-            <a:avLst/>
-            <a:gdLst/>
-            <a:ahLst/>
-            <a:cxnLst/>
-            <a:rect l="l" t="t" r="r" b="b"/>
-            <a:pathLst>
-              <a:path w="120000" h="120000" extrusionOk="0">
-                <a:moveTo>
-                  <a:pt x="0" y="0"/>
-                </a:moveTo>
-                <a:lnTo>
-                  <a:pt x="120000" y="0"/>
-                </a:lnTo>
-                <a:lnTo>
-                  <a:pt x="120000" y="120000"/>
-                </a:lnTo>
-                <a:lnTo>
-                  <a:pt x="0" y="120000"/>
-                </a:lnTo>
-                <a:close/>
-              </a:path>
-            </a:pathLst>
-          </a:custGeom>
-        </p:spPr>
-      </p:sp>
-      <p:sp>
-        <p:nvSpPr>
-          <p:cNvPr id="376" name="Google Shape;376;g2572bee519d_0_205:notes"/>
-          <p:cNvSpPr txBox="1">
-            <a:spLocks noGrp="1"/>
-          </p:cNvSpPr>
-          <p:nvPr>
-            <p:ph type="body" idx="1"/>
-          </p:nvPr>
-        </p:nvSpPr>
-        <p:spPr>
-          <a:xfrm>
-            <a:off x="685800" y="4343400"/>
-            <a:ext cx="5486400" cy="4114800"/>
-          </a:xfrm>
-          <a:prstGeom prst="rect">
-            <a:avLst/>
-          </a:prstGeom>
-        </p:spPr>
-        <p:txBody>
-          <a:bodyPr spcFirstLastPara="1" wrap="square" lIns="91425" tIns="91425" rIns="91425" bIns="91425" anchor="t" anchorCtr="0">
-            <a:noAutofit/>
-          </a:bodyPr>
-          <a:lstStyle/>
-          <a:p>
-            <a:pPr marL="0" lvl="0" indent="0" algn="l" rtl="0">
-              <a:spcBef>
-                <a:spcPts val="0"/>
-              </a:spcBef>
-              <a:spcAft>
-                <a:spcPts val="0"/>
-              </a:spcAft>
-              <a:buNone/>
-            </a:pPr>
-            <a:endParaRPr dirty="0"/>
-          </a:p>
-        </p:txBody>
-      </p:sp>
-    </p:spTree>
-    <p:extLst>
-      <p:ext uri="{BB962C8B-B14F-4D97-AF65-F5344CB8AC3E}">
-        <p14:creationId xmlns:p14="http://schemas.microsoft.com/office/powerpoint/2010/main" val="1259289034"/>
-      </p:ext>
-    </p:extLst>
   </p:cSld>
   <p:clrMapOvr>
     <a:masterClrMapping/>
@@ -2983,6 +2389,39 @@
           </a:bodyPr>
           <a:lstStyle/>
           <a:p>
+            <a:pPr marL="0" marR="0" lvl="0" indent="0" algn="l" defTabSz="914400" rtl="0" eaLnBrk="1" fontAlgn="auto" latinLnBrk="0" hangingPunct="1">
+              <a:lnSpc>
+                <a:spcPct val="100000"/>
+              </a:lnSpc>
+              <a:spcBef>
+                <a:spcPts val="0"/>
+              </a:spcBef>
+              <a:spcAft>
+                <a:spcPts val="0"/>
+              </a:spcAft>
+              <a:buClr>
+                <a:srgbClr val="000000"/>
+              </a:buClr>
+              <a:buSzPts val="1100"/>
+              <a:buFont typeface="Arial"/>
+              <a:buNone/>
+              <a:tabLst/>
+              <a:defRPr/>
+            </a:pPr>
+            <a:r>
+              <a:rPr lang="uk-UA" dirty="0"/>
+              <a:t>Це означає, що мережею підчас </a:t>
+            </a:r>
+            <a:r>
+              <a:rPr lang="en-US" dirty="0"/>
+              <a:t>http-</a:t>
+            </a:r>
+            <a:r>
+              <a:rPr lang="uk-UA" dirty="0"/>
+              <a:t>запитів не передаються відкриті критичні дані. Що навіть в разі перехоплення зловмисником цих запитів не дає йому доступ до даних, бо ключі для розшифрування знає тільки сам застосунок, ці ключі ж нікуди не передаються і знаходяться тільки в ізольованому середовищі застосунку</a:t>
+            </a:r>
+          </a:p>
+          <a:p>
             <a:pPr marL="0" lvl="0" indent="0" algn="l" rtl="0">
               <a:spcBef>
                 <a:spcPts val="0"/>
@@ -2992,7 +2431,7 @@
               </a:spcAft>
               <a:buNone/>
             </a:pPr>
-            <a:endParaRPr/>
+            <a:endParaRPr dirty="0"/>
           </a:p>
         </p:txBody>
       </p:sp>
@@ -3014,7 +2453,7 @@
   <p:cSld>
     <p:spTree>
       <p:nvGrpSpPr>
-        <p:cNvPr id="1" name="Shape 245"/>
+        <p:cNvPr id="1" name="Shape 374"/>
         <p:cNvGrpSpPr/>
         <p:nvPr/>
       </p:nvGrpSpPr>
@@ -3028,7 +2467,7 @@
       </p:grpSpPr>
       <p:sp>
         <p:nvSpPr>
-          <p:cNvPr id="246" name="Google Shape;246;g2558abb5fb3_0_46:notes"/>
+          <p:cNvPr id="375" name="Google Shape;375;g2572bee519d_0_205:notes"/>
           <p:cNvSpPr>
             <a:spLocks noGrp="1" noRot="1" noChangeAspect="1"/>
           </p:cNvSpPr>
@@ -3069,7 +2508,7 @@
       </p:sp>
       <p:sp>
         <p:nvSpPr>
-          <p:cNvPr id="247" name="Google Shape;247;g2558abb5fb3_0_46:notes"/>
+          <p:cNvPr id="376" name="Google Shape;376;g2572bee519d_0_205:notes"/>
           <p:cNvSpPr txBox="1">
             <a:spLocks noGrp="1"/>
           </p:cNvSpPr>
@@ -3103,15 +2542,7 @@
             </a:pPr>
             <a:r>
               <a:rPr lang="uk-UA" dirty="0"/>
-              <a:t>Це означає, що мережею підчас </a:t>
-            </a:r>
-            <a:r>
-              <a:rPr lang="en-US" dirty="0"/>
-              <a:t>http</a:t>
-            </a:r>
-            <a:r>
-              <a:rPr lang="uk-UA" dirty="0"/>
-              <a:t>-запитів не передаються відкриті критичні дані. Що навіть в разі перехоплення зловмисником цих запитів не дає йому доступ до даних, бо ключі для розшифрування знає тільки сам застосунок, ці ключі ж нікуди не передаються і знаходяться тільки в ізольованому середовищі застосунку</a:t>
+              <a:t>Це дозволяє безпечно та віддалено виконувати на стороні машини та отримувати й інтерпретувати її відповідь на стороні користувача. Що надає змогу деповсам постаратися виправити неполадку, що виникла, не перебуваючи на робочому місці, якщо це сталося не в робочий час</a:t>
             </a:r>
             <a:endParaRPr dirty="0"/>
           </a:p>
@@ -3120,7 +2551,7 @@
     </p:spTree>
     <p:extLst>
       <p:ext uri="{BB962C8B-B14F-4D97-AF65-F5344CB8AC3E}">
-        <p14:creationId xmlns:p14="http://schemas.microsoft.com/office/powerpoint/2010/main" val="1679166142"/>
+        <p14:creationId xmlns:p14="http://schemas.microsoft.com/office/powerpoint/2010/main" val="2344957860"/>
       </p:ext>
     </p:extLst>
   </p:cSld>
@@ -7734,82 +7165,6 @@
   <p:cSld>
     <p:spTree>
       <p:nvGrpSpPr>
-        <p:cNvPr id="1" name="Shape 248"/>
-        <p:cNvGrpSpPr/>
-        <p:nvPr/>
-      </p:nvGrpSpPr>
-      <p:grpSpPr>
-        <a:xfrm>
-          <a:off x="0" y="0"/>
-          <a:ext cx="0" cy="0"/>
-          <a:chOff x="0" y="0"/>
-          <a:chExt cx="0" cy="0"/>
-        </a:xfrm>
-      </p:grpSpPr>
-      <p:sp>
-        <p:nvSpPr>
-          <p:cNvPr id="249" name="Google Shape;249;p41"/>
-          <p:cNvSpPr txBox="1">
-            <a:spLocks noGrp="1"/>
-          </p:cNvSpPr>
-          <p:nvPr>
-            <p:ph type="subTitle" idx="1"/>
-          </p:nvPr>
-        </p:nvSpPr>
-        <p:spPr>
-          <a:xfrm>
-            <a:off x="1251697" y="1150761"/>
-            <a:ext cx="6640605" cy="2841978"/>
-          </a:xfrm>
-          <a:prstGeom prst="rect">
-            <a:avLst/>
-          </a:prstGeom>
-        </p:spPr>
-        <p:txBody>
-          <a:bodyPr spcFirstLastPara="1" wrap="square" lIns="91425" tIns="91425" rIns="91425" bIns="91425" anchor="ctr" anchorCtr="0">
-            <a:noAutofit/>
-          </a:bodyPr>
-          <a:lstStyle/>
-          <a:p>
-            <a:pPr marL="0" lvl="0" indent="0" algn="l" rtl="0">
-              <a:spcBef>
-                <a:spcPts val="0"/>
-              </a:spcBef>
-              <a:spcAft>
-                <a:spcPts val="0"/>
-              </a:spcAft>
-              <a:buNone/>
-            </a:pPr>
-            <a:r>
-              <a:rPr lang="uk-UA" sz="2400" dirty="0">
-                <a:latin typeface="Manrope" pitchFamily="2" charset="0"/>
-              </a:rPr>
-              <a:t>Всі дані, що зберігаються в базі даних захищені, всі паролі зашифровані</a:t>
-            </a:r>
-            <a:endParaRPr sz="2400" dirty="0">
-              <a:latin typeface="Manrope" pitchFamily="2" charset="0"/>
-            </a:endParaRPr>
-          </a:p>
-        </p:txBody>
-      </p:sp>
-    </p:spTree>
-    <p:extLst>
-      <p:ext uri="{BB962C8B-B14F-4D97-AF65-F5344CB8AC3E}">
-        <p14:creationId xmlns:p14="http://schemas.microsoft.com/office/powerpoint/2010/main" val="3502650286"/>
-      </p:ext>
-    </p:extLst>
-  </p:cSld>
-  <p:clrMapOvr>
-    <a:masterClrMapping/>
-  </p:clrMapOvr>
-</p:sld>
-</file>
-
-<file path=ppt/slides/slide11.xml><?xml version="1.0" encoding="utf-8"?>
-<p:sld xmlns:a="http://schemas.openxmlformats.org/drawingml/2006/main" xmlns:r="http://schemas.openxmlformats.org/officeDocument/2006/relationships" xmlns:p="http://schemas.openxmlformats.org/presentationml/2006/main">
-  <p:cSld>
-    <p:spTree>
-      <p:nvGrpSpPr>
         <p:cNvPr id="1" name="Shape 377"/>
         <p:cNvGrpSpPr/>
         <p:nvPr/>
@@ -7834,8 +7189,8 @@
         </p:nvSpPr>
         <p:spPr>
           <a:xfrm>
-            <a:off x="715099" y="1503175"/>
-            <a:ext cx="7239541" cy="2005200"/>
+            <a:off x="715100" y="729101"/>
+            <a:ext cx="7239541" cy="3945930"/>
           </a:xfrm>
           <a:prstGeom prst="rect">
             <a:avLst/>
@@ -7857,12 +7212,80 @@
               <a:buNone/>
             </a:pPr>
             <a:r>
-              <a:rPr lang="uk-UA" dirty="0">
+              <a:rPr lang="uk-UA" sz="2200" dirty="0">
                 <a:latin typeface="Manrope" pitchFamily="2" charset="0"/>
               </a:rPr>
               <a:t>Система вміє створювати ізольований та захищений шлюз взаємодії між клієнтом та віртуальною машиною</a:t>
             </a:r>
-            <a:endParaRPr dirty="0">
+            <a:endParaRPr lang="en-US" sz="2200" dirty="0">
+              <a:latin typeface="Manrope" pitchFamily="2" charset="0"/>
+            </a:endParaRPr>
+          </a:p>
+          <a:p>
+            <a:pPr marL="0" lvl="0" indent="0" algn="l" rtl="0">
+              <a:spcBef>
+                <a:spcPts val="0"/>
+              </a:spcBef>
+              <a:spcAft>
+                <a:spcPts val="0"/>
+              </a:spcAft>
+              <a:buNone/>
+            </a:pPr>
+            <a:endParaRPr lang="en-US" sz="2200" dirty="0">
+              <a:latin typeface="Manrope" pitchFamily="2" charset="0"/>
+            </a:endParaRPr>
+          </a:p>
+          <a:p>
+            <a:pPr marL="0" lvl="0" indent="0" algn="l" rtl="0">
+              <a:spcBef>
+                <a:spcPts val="0"/>
+              </a:spcBef>
+              <a:spcAft>
+                <a:spcPts val="0"/>
+              </a:spcAft>
+              <a:buNone/>
+            </a:pPr>
+            <a:r>
+              <a:rPr lang="uk-UA" sz="2200" dirty="0">
+                <a:latin typeface="Manrope" pitchFamily="2" charset="0"/>
+              </a:rPr>
+              <a:t>Також за допомогою цього шлюзу можна не тільки виконувати команди, а й маніпулювати файловою системою машини</a:t>
+            </a:r>
+          </a:p>
+          <a:p>
+            <a:pPr marL="0" lvl="0" indent="0" algn="l" rtl="0">
+              <a:spcBef>
+                <a:spcPts val="0"/>
+              </a:spcBef>
+              <a:spcAft>
+                <a:spcPts val="0"/>
+              </a:spcAft>
+              <a:buNone/>
+            </a:pPr>
+            <a:endParaRPr lang="en-US" sz="2200" dirty="0">
+              <a:latin typeface="Manrope" pitchFamily="2" charset="0"/>
+            </a:endParaRPr>
+          </a:p>
+          <a:p>
+            <a:pPr marL="0" indent="0"/>
+            <a:r>
+              <a:rPr lang="uk-UA" sz="2200" dirty="0">
+                <a:latin typeface="Manrope" pitchFamily="2" charset="0"/>
+              </a:rPr>
+              <a:t>Система дозволяє користувачам отримувати графіки, які описують картину стану машини</a:t>
+            </a:r>
+          </a:p>
+          <a:p>
+            <a:pPr marL="0" lvl="0" indent="0" algn="l" rtl="0">
+              <a:spcBef>
+                <a:spcPts val="0"/>
+              </a:spcBef>
+              <a:spcAft>
+                <a:spcPts val="0"/>
+              </a:spcAft>
+              <a:buNone/>
+            </a:pPr>
+            <a:endParaRPr lang="uk-UA" sz="2200" dirty="0">
               <a:latin typeface="Manrope" pitchFamily="2" charset="0"/>
             </a:endParaRPr>
           </a:p>
@@ -7909,12 +7332,12 @@
 </p:sld>
 </file>
 
-<file path=ppt/slides/slide12.xml><?xml version="1.0" encoding="utf-8"?>
+<file path=ppt/slides/slide11.xml><?xml version="1.0" encoding="utf-8"?>
 <p:sld xmlns:a="http://schemas.openxmlformats.org/drawingml/2006/main" xmlns:r="http://schemas.openxmlformats.org/officeDocument/2006/relationships" xmlns:p="http://schemas.openxmlformats.org/presentationml/2006/main">
   <p:cSld>
     <p:spTree>
       <p:nvGrpSpPr>
-        <p:cNvPr id="1" name="Shape 248"/>
+        <p:cNvPr id="1" name="Shape 255"/>
         <p:cNvGrpSpPr/>
         <p:nvPr/>
       </p:nvGrpSpPr>
@@ -7928,18 +7351,441 @@
       </p:grpSpPr>
       <p:sp>
         <p:nvSpPr>
-          <p:cNvPr id="249" name="Google Shape;249;p41"/>
+          <p:cNvPr id="257" name="Google Shape;257;p42"/>
           <p:cNvSpPr txBox="1">
             <a:spLocks noGrp="1"/>
           </p:cNvSpPr>
           <p:nvPr>
-            <p:ph type="subTitle" idx="1"/>
+            <p:ph type="body" idx="1"/>
           </p:nvPr>
         </p:nvSpPr>
         <p:spPr>
           <a:xfrm>
-            <a:off x="1251697" y="1150761"/>
-            <a:ext cx="6640605" cy="2841978"/>
+            <a:off x="2373143" y="345317"/>
+            <a:ext cx="3373843" cy="1894800"/>
+          </a:xfrm>
+          <a:prstGeom prst="rect">
+            <a:avLst/>
+          </a:prstGeom>
+        </p:spPr>
+        <p:txBody>
+          <a:bodyPr spcFirstLastPara="1" wrap="square" lIns="91425" tIns="91425" rIns="91425" bIns="91425" anchor="t" anchorCtr="0">
+            <a:noAutofit/>
+          </a:bodyPr>
+          <a:lstStyle/>
+          <a:p>
+            <a:pPr marL="0" lvl="0" indent="0" algn="l" rtl="0">
+              <a:spcBef>
+                <a:spcPts val="0"/>
+              </a:spcBef>
+              <a:spcAft>
+                <a:spcPts val="0"/>
+              </a:spcAft>
+              <a:buNone/>
+            </a:pPr>
+            <a:r>
+              <a:rPr lang="uk-UA" sz="2200" dirty="0">
+                <a:latin typeface="Manrope" pitchFamily="2" charset="0"/>
+              </a:rPr>
+              <a:t>Друга ж частина додатку відповідає за графічний інтерфейс та отримання команд від користувача</a:t>
+            </a:r>
+            <a:endParaRPr sz="2200" dirty="0">
+              <a:latin typeface="Manrope" pitchFamily="2" charset="0"/>
+            </a:endParaRPr>
+          </a:p>
+        </p:txBody>
+      </p:sp>
+      <p:pic>
+        <p:nvPicPr>
+          <p:cNvPr id="4" name="Рисунок 3">
+            <a:extLst>
+              <a:ext uri="{FF2B5EF4-FFF2-40B4-BE49-F238E27FC236}">
+                <a16:creationId xmlns:a16="http://schemas.microsoft.com/office/drawing/2014/main" id="{08828B41-A0A9-4BD8-BA7A-0627C90275A3}"/>
+              </a:ext>
+            </a:extLst>
+          </p:cNvPr>
+          <p:cNvPicPr>
+            <a:picLocks noChangeAspect="1"/>
+          </p:cNvPicPr>
+          <p:nvPr/>
+        </p:nvPicPr>
+        <p:blipFill>
+          <a:blip r:embed="rId3"/>
+          <a:stretch>
+            <a:fillRect/>
+          </a:stretch>
+        </p:blipFill>
+        <p:spPr>
+          <a:xfrm>
+            <a:off x="1" y="-4025"/>
+            <a:ext cx="2314575" cy="5143500"/>
+          </a:xfrm>
+          <a:prstGeom prst="rect">
+            <a:avLst/>
+          </a:prstGeom>
+        </p:spPr>
+      </p:pic>
+      <p:sp>
+        <p:nvSpPr>
+          <p:cNvPr id="5" name="Google Shape;257;p42">
+            <a:extLst>
+              <a:ext uri="{FF2B5EF4-FFF2-40B4-BE49-F238E27FC236}">
+                <a16:creationId xmlns:a16="http://schemas.microsoft.com/office/drawing/2014/main" id="{896905E0-4F53-49D7-B769-0F1FBFAECA83}"/>
+              </a:ext>
+            </a:extLst>
+          </p:cNvPr>
+          <p:cNvSpPr txBox="1">
+            <a:spLocks/>
+          </p:cNvSpPr>
+          <p:nvPr/>
+        </p:nvSpPr>
+        <p:spPr>
+          <a:xfrm>
+            <a:off x="3397015" y="2844621"/>
+            <a:ext cx="3373843" cy="1894800"/>
+          </a:xfrm>
+          <a:prstGeom prst="rect">
+            <a:avLst/>
+          </a:prstGeom>
+          <a:noFill/>
+          <a:ln>
+            <a:noFill/>
+          </a:ln>
+        </p:spPr>
+        <p:txBody>
+          <a:bodyPr spcFirstLastPara="1" wrap="square" lIns="91425" tIns="91425" rIns="91425" bIns="91425" anchor="t" anchorCtr="0">
+            <a:noAutofit/>
+          </a:bodyPr>
+          <a:lstStyle>
+            <a:defPPr marR="0" lvl="0" algn="l" rtl="0">
+              <a:lnSpc>
+                <a:spcPct val="100000"/>
+              </a:lnSpc>
+              <a:spcBef>
+                <a:spcPts val="0"/>
+              </a:spcBef>
+              <a:spcAft>
+                <a:spcPts val="0"/>
+              </a:spcAft>
+            </a:defPPr>
+            <a:lvl1pPr marL="457200" marR="0" lvl="0" indent="-304800" algn="l" rtl="0">
+              <a:lnSpc>
+                <a:spcPct val="100000"/>
+              </a:lnSpc>
+              <a:spcBef>
+                <a:spcPts val="0"/>
+              </a:spcBef>
+              <a:spcAft>
+                <a:spcPts val="0"/>
+              </a:spcAft>
+              <a:buClr>
+                <a:schemeClr val="dk1"/>
+              </a:buClr>
+              <a:buSzPts val="1200"/>
+              <a:buFont typeface="Albert Sans"/>
+              <a:buChar char="●"/>
+              <a:defRPr sz="1200" b="0" i="0" u="none" strike="noStrike" cap="none">
+                <a:solidFill>
+                  <a:schemeClr val="dk1"/>
+                </a:solidFill>
+                <a:latin typeface="Albert Sans"/>
+                <a:ea typeface="Albert Sans"/>
+                <a:cs typeface="Albert Sans"/>
+                <a:sym typeface="Albert Sans"/>
+              </a:defRPr>
+            </a:lvl1pPr>
+            <a:lvl2pPr marL="914400" marR="0" lvl="1" indent="-304800" algn="l" rtl="0">
+              <a:lnSpc>
+                <a:spcPct val="100000"/>
+              </a:lnSpc>
+              <a:spcBef>
+                <a:spcPts val="0"/>
+              </a:spcBef>
+              <a:spcAft>
+                <a:spcPts val="0"/>
+              </a:spcAft>
+              <a:buClr>
+                <a:schemeClr val="dk1"/>
+              </a:buClr>
+              <a:buSzPts val="1200"/>
+              <a:buFont typeface="Albert Sans"/>
+              <a:buChar char="○"/>
+              <a:defRPr sz="1200" b="0" i="0" u="none" strike="noStrike" cap="none">
+                <a:solidFill>
+                  <a:schemeClr val="dk1"/>
+                </a:solidFill>
+                <a:latin typeface="Albert Sans"/>
+                <a:ea typeface="Albert Sans"/>
+                <a:cs typeface="Albert Sans"/>
+                <a:sym typeface="Albert Sans"/>
+              </a:defRPr>
+            </a:lvl2pPr>
+            <a:lvl3pPr marL="1371600" marR="0" lvl="2" indent="-304800" algn="l" rtl="0">
+              <a:lnSpc>
+                <a:spcPct val="100000"/>
+              </a:lnSpc>
+              <a:spcBef>
+                <a:spcPts val="0"/>
+              </a:spcBef>
+              <a:spcAft>
+                <a:spcPts val="0"/>
+              </a:spcAft>
+              <a:buClr>
+                <a:schemeClr val="dk1"/>
+              </a:buClr>
+              <a:buSzPts val="1200"/>
+              <a:buFont typeface="Albert Sans"/>
+              <a:buChar char="■"/>
+              <a:defRPr sz="1200" b="0" i="0" u="none" strike="noStrike" cap="none">
+                <a:solidFill>
+                  <a:schemeClr val="dk1"/>
+                </a:solidFill>
+                <a:latin typeface="Albert Sans"/>
+                <a:ea typeface="Albert Sans"/>
+                <a:cs typeface="Albert Sans"/>
+                <a:sym typeface="Albert Sans"/>
+              </a:defRPr>
+            </a:lvl3pPr>
+            <a:lvl4pPr marL="1828800" marR="0" lvl="3" indent="-304800" algn="l" rtl="0">
+              <a:lnSpc>
+                <a:spcPct val="100000"/>
+              </a:lnSpc>
+              <a:spcBef>
+                <a:spcPts val="0"/>
+              </a:spcBef>
+              <a:spcAft>
+                <a:spcPts val="0"/>
+              </a:spcAft>
+              <a:buClr>
+                <a:schemeClr val="dk1"/>
+              </a:buClr>
+              <a:buSzPts val="1200"/>
+              <a:buFont typeface="Albert Sans"/>
+              <a:buChar char="●"/>
+              <a:defRPr sz="1200" b="0" i="0" u="none" strike="noStrike" cap="none">
+                <a:solidFill>
+                  <a:schemeClr val="dk1"/>
+                </a:solidFill>
+                <a:latin typeface="Albert Sans"/>
+                <a:ea typeface="Albert Sans"/>
+                <a:cs typeface="Albert Sans"/>
+                <a:sym typeface="Albert Sans"/>
+              </a:defRPr>
+            </a:lvl4pPr>
+            <a:lvl5pPr marL="2286000" marR="0" lvl="4" indent="-304800" algn="l" rtl="0">
+              <a:lnSpc>
+                <a:spcPct val="100000"/>
+              </a:lnSpc>
+              <a:spcBef>
+                <a:spcPts val="0"/>
+              </a:spcBef>
+              <a:spcAft>
+                <a:spcPts val="0"/>
+              </a:spcAft>
+              <a:buClr>
+                <a:schemeClr val="dk1"/>
+              </a:buClr>
+              <a:buSzPts val="1200"/>
+              <a:buFont typeface="Albert Sans"/>
+              <a:buChar char="○"/>
+              <a:defRPr sz="1200" b="0" i="0" u="none" strike="noStrike" cap="none">
+                <a:solidFill>
+                  <a:schemeClr val="dk1"/>
+                </a:solidFill>
+                <a:latin typeface="Albert Sans"/>
+                <a:ea typeface="Albert Sans"/>
+                <a:cs typeface="Albert Sans"/>
+                <a:sym typeface="Albert Sans"/>
+              </a:defRPr>
+            </a:lvl5pPr>
+            <a:lvl6pPr marL="2743200" marR="0" lvl="5" indent="-304800" algn="l" rtl="0">
+              <a:lnSpc>
+                <a:spcPct val="100000"/>
+              </a:lnSpc>
+              <a:spcBef>
+                <a:spcPts val="0"/>
+              </a:spcBef>
+              <a:spcAft>
+                <a:spcPts val="0"/>
+              </a:spcAft>
+              <a:buClr>
+                <a:schemeClr val="dk1"/>
+              </a:buClr>
+              <a:buSzPts val="1200"/>
+              <a:buFont typeface="Albert Sans"/>
+              <a:buChar char="■"/>
+              <a:defRPr sz="1200" b="0" i="0" u="none" strike="noStrike" cap="none">
+                <a:solidFill>
+                  <a:schemeClr val="dk1"/>
+                </a:solidFill>
+                <a:latin typeface="Albert Sans"/>
+                <a:ea typeface="Albert Sans"/>
+                <a:cs typeface="Albert Sans"/>
+                <a:sym typeface="Albert Sans"/>
+              </a:defRPr>
+            </a:lvl6pPr>
+            <a:lvl7pPr marL="3200400" marR="0" lvl="6" indent="-304800" algn="l" rtl="0">
+              <a:lnSpc>
+                <a:spcPct val="100000"/>
+              </a:lnSpc>
+              <a:spcBef>
+                <a:spcPts val="0"/>
+              </a:spcBef>
+              <a:spcAft>
+                <a:spcPts val="0"/>
+              </a:spcAft>
+              <a:buClr>
+                <a:schemeClr val="dk1"/>
+              </a:buClr>
+              <a:buSzPts val="1200"/>
+              <a:buFont typeface="Albert Sans"/>
+              <a:buChar char="●"/>
+              <a:defRPr sz="1200" b="0" i="0" u="none" strike="noStrike" cap="none">
+                <a:solidFill>
+                  <a:schemeClr val="dk1"/>
+                </a:solidFill>
+                <a:latin typeface="Albert Sans"/>
+                <a:ea typeface="Albert Sans"/>
+                <a:cs typeface="Albert Sans"/>
+                <a:sym typeface="Albert Sans"/>
+              </a:defRPr>
+            </a:lvl7pPr>
+            <a:lvl8pPr marL="3657600" marR="0" lvl="7" indent="-304800" algn="l" rtl="0">
+              <a:lnSpc>
+                <a:spcPct val="100000"/>
+              </a:lnSpc>
+              <a:spcBef>
+                <a:spcPts val="0"/>
+              </a:spcBef>
+              <a:spcAft>
+                <a:spcPts val="0"/>
+              </a:spcAft>
+              <a:buClr>
+                <a:schemeClr val="dk1"/>
+              </a:buClr>
+              <a:buSzPts val="1200"/>
+              <a:buFont typeface="Albert Sans"/>
+              <a:buChar char="○"/>
+              <a:defRPr sz="1200" b="0" i="0" u="none" strike="noStrike" cap="none">
+                <a:solidFill>
+                  <a:schemeClr val="dk1"/>
+                </a:solidFill>
+                <a:latin typeface="Albert Sans"/>
+                <a:ea typeface="Albert Sans"/>
+                <a:cs typeface="Albert Sans"/>
+                <a:sym typeface="Albert Sans"/>
+              </a:defRPr>
+            </a:lvl8pPr>
+            <a:lvl9pPr marL="4114800" marR="0" lvl="8" indent="-304800" algn="l" rtl="0">
+              <a:lnSpc>
+                <a:spcPct val="100000"/>
+              </a:lnSpc>
+              <a:spcBef>
+                <a:spcPts val="0"/>
+              </a:spcBef>
+              <a:spcAft>
+                <a:spcPts val="0"/>
+              </a:spcAft>
+              <a:buClr>
+                <a:schemeClr val="dk1"/>
+              </a:buClr>
+              <a:buSzPts val="1200"/>
+              <a:buFont typeface="Albert Sans"/>
+              <a:buChar char="■"/>
+              <a:defRPr sz="1200" b="0" i="0" u="none" strike="noStrike" cap="none">
+                <a:solidFill>
+                  <a:schemeClr val="dk1"/>
+                </a:solidFill>
+                <a:latin typeface="Albert Sans"/>
+                <a:ea typeface="Albert Sans"/>
+                <a:cs typeface="Albert Sans"/>
+                <a:sym typeface="Albert Sans"/>
+              </a:defRPr>
+            </a:lvl9pPr>
+          </a:lstStyle>
+          <a:p>
+            <a:pPr marL="0" indent="0" algn="r">
+              <a:buFont typeface="Albert Sans"/>
+              <a:buNone/>
+            </a:pPr>
+            <a:r>
+              <a:rPr lang="uk-UA" sz="2200" dirty="0">
+                <a:latin typeface="Manrope" pitchFamily="2" charset="0"/>
+              </a:rPr>
+              <a:t>Спілкування між користувачем та додатком відбувається за допомогою повідомлень</a:t>
+            </a:r>
+          </a:p>
+        </p:txBody>
+      </p:sp>
+      <p:pic>
+        <p:nvPicPr>
+          <p:cNvPr id="3" name="Рисунок 2">
+            <a:extLst>
+              <a:ext uri="{FF2B5EF4-FFF2-40B4-BE49-F238E27FC236}">
+                <a16:creationId xmlns:a16="http://schemas.microsoft.com/office/drawing/2014/main" id="{B3981A18-6AC1-4B7E-914B-793DB9132624}"/>
+              </a:ext>
+            </a:extLst>
+          </p:cNvPr>
+          <p:cNvPicPr>
+            <a:picLocks noChangeAspect="1"/>
+          </p:cNvPicPr>
+          <p:nvPr/>
+        </p:nvPicPr>
+        <p:blipFill>
+          <a:blip r:embed="rId4"/>
+          <a:stretch>
+            <a:fillRect/>
+          </a:stretch>
+        </p:blipFill>
+        <p:spPr>
+          <a:xfrm>
+            <a:off x="6829424" y="0"/>
+            <a:ext cx="2314575" cy="5143500"/>
+          </a:xfrm>
+          <a:prstGeom prst="rect">
+            <a:avLst/>
+          </a:prstGeom>
+        </p:spPr>
+      </p:pic>
+    </p:spTree>
+  </p:cSld>
+  <p:clrMapOvr>
+    <a:masterClrMapping/>
+  </p:clrMapOvr>
+</p:sld>
+</file>
+
+<file path=ppt/slides/slide12.xml><?xml version="1.0" encoding="utf-8"?>
+<p:sld xmlns:a="http://schemas.openxmlformats.org/drawingml/2006/main" xmlns:r="http://schemas.openxmlformats.org/officeDocument/2006/relationships" xmlns:p="http://schemas.openxmlformats.org/presentationml/2006/main">
+  <p:cSld>
+    <p:spTree>
+      <p:nvGrpSpPr>
+        <p:cNvPr id="1" name="Shape 255"/>
+        <p:cNvGrpSpPr/>
+        <p:nvPr/>
+      </p:nvGrpSpPr>
+      <p:grpSpPr>
+        <a:xfrm>
+          <a:off x="0" y="0"/>
+          <a:ext cx="0" cy="0"/>
+          <a:chOff x="0" y="0"/>
+          <a:chExt cx="0" cy="0"/>
+        </a:xfrm>
+      </p:grpSpPr>
+      <p:sp>
+        <p:nvSpPr>
+          <p:cNvPr id="257" name="Google Shape;257;p42"/>
+          <p:cNvSpPr txBox="1">
+            <a:spLocks noGrp="1"/>
+          </p:cNvSpPr>
+          <p:nvPr>
+            <p:ph type="body" idx="1"/>
+          </p:nvPr>
+        </p:nvSpPr>
+        <p:spPr>
+          <a:xfrm>
+            <a:off x="2782159" y="193866"/>
+            <a:ext cx="3856800" cy="1894800"/>
           </a:xfrm>
           <a:prstGeom prst="rect">
             <a:avLst/>
@@ -7951,7 +7797,7 @@
           </a:bodyPr>
           <a:lstStyle/>
           <a:p>
-            <a:pPr marL="0" lvl="0" indent="0" algn="l" rtl="0">
+            <a:pPr marL="0" lvl="0" indent="0" algn="r" rtl="0">
               <a:spcBef>
                 <a:spcPts val="0"/>
               </a:spcBef>
@@ -7961,21 +7807,370 @@
               <a:buNone/>
             </a:pPr>
             <a:r>
-              <a:rPr lang="uk-UA" sz="2400" dirty="0">
+              <a:rPr lang="uk-UA" sz="2200" dirty="0">
                 <a:latin typeface="Manrope" pitchFamily="2" charset="0"/>
               </a:rPr>
-              <a:t>Також за допомогою цього шлюзу можна не тільки виконувати команди, а й маніпулювати файловою системою машини</a:t>
+              <a:t>Система на повну використовує такий функціонал Telegram Bot Api, як клавіатури</a:t>
             </a:r>
-            <a:endParaRPr sz="2400" dirty="0">
-              <a:latin typeface="Manrope" pitchFamily="2" charset="0"/>
-            </a:endParaRPr>
+          </a:p>
+        </p:txBody>
+      </p:sp>
+      <p:pic>
+        <p:nvPicPr>
+          <p:cNvPr id="4" name="Рисунок 3">
+            <a:extLst>
+              <a:ext uri="{FF2B5EF4-FFF2-40B4-BE49-F238E27FC236}">
+                <a16:creationId xmlns:a16="http://schemas.microsoft.com/office/drawing/2014/main" id="{80301FF7-5AC0-4ABA-B4C0-E4D634F721B5}"/>
+              </a:ext>
+            </a:extLst>
+          </p:cNvPr>
+          <p:cNvPicPr>
+            <a:picLocks noChangeAspect="1"/>
+          </p:cNvPicPr>
+          <p:nvPr/>
+        </p:nvPicPr>
+        <p:blipFill>
+          <a:blip r:embed="rId3"/>
+          <a:stretch>
+            <a:fillRect/>
+          </a:stretch>
+        </p:blipFill>
+        <p:spPr>
+          <a:xfrm>
+            <a:off x="6829425" y="0"/>
+            <a:ext cx="2314575" cy="5143500"/>
+          </a:xfrm>
+          <a:prstGeom prst="rect">
+            <a:avLst/>
+          </a:prstGeom>
+        </p:spPr>
+      </p:pic>
+      <p:pic>
+        <p:nvPicPr>
+          <p:cNvPr id="6" name="Рисунок 5">
+            <a:extLst>
+              <a:ext uri="{FF2B5EF4-FFF2-40B4-BE49-F238E27FC236}">
+                <a16:creationId xmlns:a16="http://schemas.microsoft.com/office/drawing/2014/main" id="{203B98D4-5235-4F89-A78B-67B64299B0F4}"/>
+              </a:ext>
+            </a:extLst>
+          </p:cNvPr>
+          <p:cNvPicPr>
+            <a:picLocks noChangeAspect="1"/>
+          </p:cNvPicPr>
+          <p:nvPr/>
+        </p:nvPicPr>
+        <p:blipFill>
+          <a:blip r:embed="rId4"/>
+          <a:stretch>
+            <a:fillRect/>
+          </a:stretch>
+        </p:blipFill>
+        <p:spPr>
+          <a:xfrm>
+            <a:off x="0" y="0"/>
+            <a:ext cx="2314575" cy="5143500"/>
+          </a:xfrm>
+          <a:prstGeom prst="rect">
+            <a:avLst/>
+          </a:prstGeom>
+        </p:spPr>
+      </p:pic>
+      <p:sp>
+        <p:nvSpPr>
+          <p:cNvPr id="7" name="Google Shape;257;p42">
+            <a:extLst>
+              <a:ext uri="{FF2B5EF4-FFF2-40B4-BE49-F238E27FC236}">
+                <a16:creationId xmlns:a16="http://schemas.microsoft.com/office/drawing/2014/main" id="{3B5F339B-0263-43BD-A02D-0A284A23A863}"/>
+              </a:ext>
+            </a:extLst>
+          </p:cNvPr>
+          <p:cNvSpPr txBox="1">
+            <a:spLocks/>
+          </p:cNvSpPr>
+          <p:nvPr/>
+        </p:nvSpPr>
+        <p:spPr>
+          <a:xfrm>
+            <a:off x="2440547" y="2956384"/>
+            <a:ext cx="3856800" cy="1894800"/>
+          </a:xfrm>
+          <a:prstGeom prst="rect">
+            <a:avLst/>
+          </a:prstGeom>
+          <a:noFill/>
+          <a:ln>
+            <a:noFill/>
+          </a:ln>
+        </p:spPr>
+        <p:txBody>
+          <a:bodyPr spcFirstLastPara="1" wrap="square" lIns="91425" tIns="91425" rIns="91425" bIns="91425" anchor="ctr" anchorCtr="0">
+            <a:noAutofit/>
+          </a:bodyPr>
+          <a:lstStyle>
+            <a:defPPr marR="0" lvl="0" algn="l" rtl="0">
+              <a:lnSpc>
+                <a:spcPct val="100000"/>
+              </a:lnSpc>
+              <a:spcBef>
+                <a:spcPts val="0"/>
+              </a:spcBef>
+              <a:spcAft>
+                <a:spcPts val="0"/>
+              </a:spcAft>
+            </a:defPPr>
+            <a:lvl1pPr marL="457200" marR="0" lvl="0" indent="-304800" algn="l" rtl="0">
+              <a:lnSpc>
+                <a:spcPct val="100000"/>
+              </a:lnSpc>
+              <a:spcBef>
+                <a:spcPts val="0"/>
+              </a:spcBef>
+              <a:spcAft>
+                <a:spcPts val="0"/>
+              </a:spcAft>
+              <a:buClr>
+                <a:schemeClr val="dk1"/>
+              </a:buClr>
+              <a:buSzPts val="1200"/>
+              <a:buFont typeface="Albert Sans"/>
+              <a:buChar char="●"/>
+              <a:defRPr sz="1200" b="0" i="0" u="none" strike="noStrike" cap="none">
+                <a:solidFill>
+                  <a:schemeClr val="dk1"/>
+                </a:solidFill>
+                <a:latin typeface="Albert Sans"/>
+                <a:ea typeface="Albert Sans"/>
+                <a:cs typeface="Albert Sans"/>
+                <a:sym typeface="Albert Sans"/>
+              </a:defRPr>
+            </a:lvl1pPr>
+            <a:lvl2pPr marL="914400" marR="0" lvl="1" indent="-304800" algn="l" rtl="0">
+              <a:lnSpc>
+                <a:spcPct val="100000"/>
+              </a:lnSpc>
+              <a:spcBef>
+                <a:spcPts val="0"/>
+              </a:spcBef>
+              <a:spcAft>
+                <a:spcPts val="0"/>
+              </a:spcAft>
+              <a:buClr>
+                <a:schemeClr val="dk1"/>
+              </a:buClr>
+              <a:buSzPts val="1200"/>
+              <a:buFont typeface="Albert Sans"/>
+              <a:buChar char="○"/>
+              <a:defRPr sz="1200" b="0" i="0" u="none" strike="noStrike" cap="none">
+                <a:solidFill>
+                  <a:schemeClr val="dk1"/>
+                </a:solidFill>
+                <a:latin typeface="Albert Sans"/>
+                <a:ea typeface="Albert Sans"/>
+                <a:cs typeface="Albert Sans"/>
+                <a:sym typeface="Albert Sans"/>
+              </a:defRPr>
+            </a:lvl2pPr>
+            <a:lvl3pPr marL="1371600" marR="0" lvl="2" indent="-304800" algn="l" rtl="0">
+              <a:lnSpc>
+                <a:spcPct val="100000"/>
+              </a:lnSpc>
+              <a:spcBef>
+                <a:spcPts val="0"/>
+              </a:spcBef>
+              <a:spcAft>
+                <a:spcPts val="0"/>
+              </a:spcAft>
+              <a:buClr>
+                <a:schemeClr val="dk1"/>
+              </a:buClr>
+              <a:buSzPts val="1200"/>
+              <a:buFont typeface="Albert Sans"/>
+              <a:buChar char="■"/>
+              <a:defRPr sz="1200" b="0" i="0" u="none" strike="noStrike" cap="none">
+                <a:solidFill>
+                  <a:schemeClr val="dk1"/>
+                </a:solidFill>
+                <a:latin typeface="Albert Sans"/>
+                <a:ea typeface="Albert Sans"/>
+                <a:cs typeface="Albert Sans"/>
+                <a:sym typeface="Albert Sans"/>
+              </a:defRPr>
+            </a:lvl3pPr>
+            <a:lvl4pPr marL="1828800" marR="0" lvl="3" indent="-304800" algn="l" rtl="0">
+              <a:lnSpc>
+                <a:spcPct val="100000"/>
+              </a:lnSpc>
+              <a:spcBef>
+                <a:spcPts val="0"/>
+              </a:spcBef>
+              <a:spcAft>
+                <a:spcPts val="0"/>
+              </a:spcAft>
+              <a:buClr>
+                <a:schemeClr val="dk1"/>
+              </a:buClr>
+              <a:buSzPts val="1200"/>
+              <a:buFont typeface="Albert Sans"/>
+              <a:buChar char="●"/>
+              <a:defRPr sz="1200" b="0" i="0" u="none" strike="noStrike" cap="none">
+                <a:solidFill>
+                  <a:schemeClr val="dk1"/>
+                </a:solidFill>
+                <a:latin typeface="Albert Sans"/>
+                <a:ea typeface="Albert Sans"/>
+                <a:cs typeface="Albert Sans"/>
+                <a:sym typeface="Albert Sans"/>
+              </a:defRPr>
+            </a:lvl4pPr>
+            <a:lvl5pPr marL="2286000" marR="0" lvl="4" indent="-304800" algn="l" rtl="0">
+              <a:lnSpc>
+                <a:spcPct val="100000"/>
+              </a:lnSpc>
+              <a:spcBef>
+                <a:spcPts val="0"/>
+              </a:spcBef>
+              <a:spcAft>
+                <a:spcPts val="0"/>
+              </a:spcAft>
+              <a:buClr>
+                <a:schemeClr val="dk1"/>
+              </a:buClr>
+              <a:buSzPts val="1200"/>
+              <a:buFont typeface="Albert Sans"/>
+              <a:buChar char="○"/>
+              <a:defRPr sz="1200" b="0" i="0" u="none" strike="noStrike" cap="none">
+                <a:solidFill>
+                  <a:schemeClr val="dk1"/>
+                </a:solidFill>
+                <a:latin typeface="Albert Sans"/>
+                <a:ea typeface="Albert Sans"/>
+                <a:cs typeface="Albert Sans"/>
+                <a:sym typeface="Albert Sans"/>
+              </a:defRPr>
+            </a:lvl5pPr>
+            <a:lvl6pPr marL="2743200" marR="0" lvl="5" indent="-304800" algn="l" rtl="0">
+              <a:lnSpc>
+                <a:spcPct val="100000"/>
+              </a:lnSpc>
+              <a:spcBef>
+                <a:spcPts val="0"/>
+              </a:spcBef>
+              <a:spcAft>
+                <a:spcPts val="0"/>
+              </a:spcAft>
+              <a:buClr>
+                <a:schemeClr val="dk1"/>
+              </a:buClr>
+              <a:buSzPts val="1200"/>
+              <a:buFont typeface="Albert Sans"/>
+              <a:buChar char="■"/>
+              <a:defRPr sz="1200" b="0" i="0" u="none" strike="noStrike" cap="none">
+                <a:solidFill>
+                  <a:schemeClr val="dk1"/>
+                </a:solidFill>
+                <a:latin typeface="Albert Sans"/>
+                <a:ea typeface="Albert Sans"/>
+                <a:cs typeface="Albert Sans"/>
+                <a:sym typeface="Albert Sans"/>
+              </a:defRPr>
+            </a:lvl6pPr>
+            <a:lvl7pPr marL="3200400" marR="0" lvl="6" indent="-304800" algn="l" rtl="0">
+              <a:lnSpc>
+                <a:spcPct val="100000"/>
+              </a:lnSpc>
+              <a:spcBef>
+                <a:spcPts val="0"/>
+              </a:spcBef>
+              <a:spcAft>
+                <a:spcPts val="0"/>
+              </a:spcAft>
+              <a:buClr>
+                <a:schemeClr val="dk1"/>
+              </a:buClr>
+              <a:buSzPts val="1200"/>
+              <a:buFont typeface="Albert Sans"/>
+              <a:buChar char="●"/>
+              <a:defRPr sz="1200" b="0" i="0" u="none" strike="noStrike" cap="none">
+                <a:solidFill>
+                  <a:schemeClr val="dk1"/>
+                </a:solidFill>
+                <a:latin typeface="Albert Sans"/>
+                <a:ea typeface="Albert Sans"/>
+                <a:cs typeface="Albert Sans"/>
+                <a:sym typeface="Albert Sans"/>
+              </a:defRPr>
+            </a:lvl7pPr>
+            <a:lvl8pPr marL="3657600" marR="0" lvl="7" indent="-304800" algn="l" rtl="0">
+              <a:lnSpc>
+                <a:spcPct val="100000"/>
+              </a:lnSpc>
+              <a:spcBef>
+                <a:spcPts val="0"/>
+              </a:spcBef>
+              <a:spcAft>
+                <a:spcPts val="0"/>
+              </a:spcAft>
+              <a:buClr>
+                <a:schemeClr val="dk1"/>
+              </a:buClr>
+              <a:buSzPts val="1200"/>
+              <a:buFont typeface="Albert Sans"/>
+              <a:buChar char="○"/>
+              <a:defRPr sz="1200" b="0" i="0" u="none" strike="noStrike" cap="none">
+                <a:solidFill>
+                  <a:schemeClr val="dk1"/>
+                </a:solidFill>
+                <a:latin typeface="Albert Sans"/>
+                <a:ea typeface="Albert Sans"/>
+                <a:cs typeface="Albert Sans"/>
+                <a:sym typeface="Albert Sans"/>
+              </a:defRPr>
+            </a:lvl8pPr>
+            <a:lvl9pPr marL="4114800" marR="0" lvl="8" indent="-304800" algn="l" rtl="0">
+              <a:lnSpc>
+                <a:spcPct val="100000"/>
+              </a:lnSpc>
+              <a:spcBef>
+                <a:spcPts val="0"/>
+              </a:spcBef>
+              <a:spcAft>
+                <a:spcPts val="0"/>
+              </a:spcAft>
+              <a:buClr>
+                <a:schemeClr val="dk1"/>
+              </a:buClr>
+              <a:buSzPts val="1200"/>
+              <a:buFont typeface="Albert Sans"/>
+              <a:buChar char="■"/>
+              <a:defRPr sz="1200" b="0" i="0" u="none" strike="noStrike" cap="none">
+                <a:solidFill>
+                  <a:schemeClr val="dk1"/>
+                </a:solidFill>
+                <a:latin typeface="Albert Sans"/>
+                <a:ea typeface="Albert Sans"/>
+                <a:cs typeface="Albert Sans"/>
+                <a:sym typeface="Albert Sans"/>
+              </a:defRPr>
+            </a:lvl9pPr>
+          </a:lstStyle>
+          <a:p>
+            <a:pPr marL="0" indent="0">
+              <a:buFont typeface="Albert Sans"/>
+              <a:buNone/>
+            </a:pPr>
+            <a:r>
+              <a:rPr lang="uk-UA" sz="2200" dirty="0">
+                <a:latin typeface="Manrope" pitchFamily="2" charset="0"/>
+              </a:rPr>
+              <a:t>Вся взаємодія в додатку захищена за допомогою JWT токенів</a:t>
+            </a:r>
           </a:p>
         </p:txBody>
       </p:sp>
     </p:spTree>
     <p:extLst>
       <p:ext uri="{BB962C8B-B14F-4D97-AF65-F5344CB8AC3E}">
-        <p14:creationId xmlns:p14="http://schemas.microsoft.com/office/powerpoint/2010/main" val="3153389612"/>
+        <p14:creationId xmlns:p14="http://schemas.microsoft.com/office/powerpoint/2010/main" val="4146274353"/>
       </p:ext>
     </p:extLst>
   </p:cSld>
@@ -7990,7 +8185,7 @@
   <p:cSld>
     <p:spTree>
       <p:nvGrpSpPr>
-        <p:cNvPr id="1" name="Shape 377"/>
+        <p:cNvPr id="1" name="Shape 255"/>
         <p:cNvGrpSpPr/>
         <p:nvPr/>
       </p:nvGrpSpPr>
@@ -8002,84 +8197,654 @@
           <a:chExt cx="0" cy="0"/>
         </a:xfrm>
       </p:grpSpPr>
+      <p:pic>
+        <p:nvPicPr>
+          <p:cNvPr id="5" name="Рисунок 4">
+            <a:extLst>
+              <a:ext uri="{FF2B5EF4-FFF2-40B4-BE49-F238E27FC236}">
+                <a16:creationId xmlns:a16="http://schemas.microsoft.com/office/drawing/2014/main" id="{15B9F904-58C4-419F-8B9F-6EE613D9FFED}"/>
+              </a:ext>
+            </a:extLst>
+          </p:cNvPr>
+          <p:cNvPicPr>
+            <a:picLocks noChangeAspect="1"/>
+          </p:cNvPicPr>
+          <p:nvPr/>
+        </p:nvPicPr>
+        <p:blipFill>
+          <a:blip r:embed="rId3"/>
+          <a:stretch>
+            <a:fillRect/>
+          </a:stretch>
+        </p:blipFill>
+        <p:spPr>
+          <a:xfrm>
+            <a:off x="6829425" y="0"/>
+            <a:ext cx="2314575" cy="5143500"/>
+          </a:xfrm>
+          <a:prstGeom prst="rect">
+            <a:avLst/>
+          </a:prstGeom>
+        </p:spPr>
+      </p:pic>
       <p:sp>
         <p:nvSpPr>
-          <p:cNvPr id="378" name="Google Shape;378;p50"/>
+          <p:cNvPr id="6" name="Google Shape;257;p42">
+            <a:extLst>
+              <a:ext uri="{FF2B5EF4-FFF2-40B4-BE49-F238E27FC236}">
+                <a16:creationId xmlns:a16="http://schemas.microsoft.com/office/drawing/2014/main" id="{31D35190-3C0F-42EF-93D4-1FF7386FD28A}"/>
+              </a:ext>
+            </a:extLst>
+          </p:cNvPr>
           <p:cNvSpPr txBox="1">
-            <a:spLocks noGrp="1"/>
+            <a:spLocks/>
           </p:cNvSpPr>
-          <p:nvPr>
-            <p:ph type="subTitle" idx="1"/>
-          </p:nvPr>
+          <p:nvPr/>
         </p:nvSpPr>
         <p:spPr>
           <a:xfrm>
-            <a:off x="715099" y="1503175"/>
-            <a:ext cx="7239541" cy="2005200"/>
+            <a:off x="2818079" y="2962824"/>
+            <a:ext cx="3856800" cy="1894800"/>
           </a:xfrm>
           <a:prstGeom prst="rect">
             <a:avLst/>
           </a:prstGeom>
+          <a:noFill/>
+          <a:ln>
+            <a:noFill/>
+          </a:ln>
         </p:spPr>
         <p:txBody>
-          <a:bodyPr spcFirstLastPara="1" wrap="square" lIns="91425" tIns="91425" rIns="91425" bIns="91425" anchor="b" anchorCtr="0">
+          <a:bodyPr spcFirstLastPara="1" wrap="square" lIns="91425" tIns="91425" rIns="91425" bIns="91425" anchor="ctr" anchorCtr="0">
             <a:noAutofit/>
           </a:bodyPr>
-          <a:lstStyle/>
+          <a:lstStyle>
+            <a:defPPr marR="0" lvl="0" algn="l" rtl="0">
+              <a:lnSpc>
+                <a:spcPct val="100000"/>
+              </a:lnSpc>
+              <a:spcBef>
+                <a:spcPts val="0"/>
+              </a:spcBef>
+              <a:spcAft>
+                <a:spcPts val="0"/>
+              </a:spcAft>
+            </a:defPPr>
+            <a:lvl1pPr marL="457200" marR="0" lvl="0" indent="-304800" algn="l" rtl="0">
+              <a:lnSpc>
+                <a:spcPct val="100000"/>
+              </a:lnSpc>
+              <a:spcBef>
+                <a:spcPts val="0"/>
+              </a:spcBef>
+              <a:spcAft>
+                <a:spcPts val="0"/>
+              </a:spcAft>
+              <a:buClr>
+                <a:schemeClr val="dk1"/>
+              </a:buClr>
+              <a:buSzPts val="1200"/>
+              <a:buFont typeface="Albert Sans"/>
+              <a:buChar char="●"/>
+              <a:defRPr sz="1200" b="0" i="0" u="none" strike="noStrike" cap="none">
+                <a:solidFill>
+                  <a:schemeClr val="dk1"/>
+                </a:solidFill>
+                <a:latin typeface="Albert Sans"/>
+                <a:ea typeface="Albert Sans"/>
+                <a:cs typeface="Albert Sans"/>
+                <a:sym typeface="Albert Sans"/>
+              </a:defRPr>
+            </a:lvl1pPr>
+            <a:lvl2pPr marL="914400" marR="0" lvl="1" indent="-304800" algn="l" rtl="0">
+              <a:lnSpc>
+                <a:spcPct val="100000"/>
+              </a:lnSpc>
+              <a:spcBef>
+                <a:spcPts val="0"/>
+              </a:spcBef>
+              <a:spcAft>
+                <a:spcPts val="0"/>
+              </a:spcAft>
+              <a:buClr>
+                <a:schemeClr val="dk1"/>
+              </a:buClr>
+              <a:buSzPts val="1200"/>
+              <a:buFont typeface="Albert Sans"/>
+              <a:buChar char="○"/>
+              <a:defRPr sz="1200" b="0" i="0" u="none" strike="noStrike" cap="none">
+                <a:solidFill>
+                  <a:schemeClr val="dk1"/>
+                </a:solidFill>
+                <a:latin typeface="Albert Sans"/>
+                <a:ea typeface="Albert Sans"/>
+                <a:cs typeface="Albert Sans"/>
+                <a:sym typeface="Albert Sans"/>
+              </a:defRPr>
+            </a:lvl2pPr>
+            <a:lvl3pPr marL="1371600" marR="0" lvl="2" indent="-304800" algn="l" rtl="0">
+              <a:lnSpc>
+                <a:spcPct val="100000"/>
+              </a:lnSpc>
+              <a:spcBef>
+                <a:spcPts val="0"/>
+              </a:spcBef>
+              <a:spcAft>
+                <a:spcPts val="0"/>
+              </a:spcAft>
+              <a:buClr>
+                <a:schemeClr val="dk1"/>
+              </a:buClr>
+              <a:buSzPts val="1200"/>
+              <a:buFont typeface="Albert Sans"/>
+              <a:buChar char="■"/>
+              <a:defRPr sz="1200" b="0" i="0" u="none" strike="noStrike" cap="none">
+                <a:solidFill>
+                  <a:schemeClr val="dk1"/>
+                </a:solidFill>
+                <a:latin typeface="Albert Sans"/>
+                <a:ea typeface="Albert Sans"/>
+                <a:cs typeface="Albert Sans"/>
+                <a:sym typeface="Albert Sans"/>
+              </a:defRPr>
+            </a:lvl3pPr>
+            <a:lvl4pPr marL="1828800" marR="0" lvl="3" indent="-304800" algn="l" rtl="0">
+              <a:lnSpc>
+                <a:spcPct val="100000"/>
+              </a:lnSpc>
+              <a:spcBef>
+                <a:spcPts val="0"/>
+              </a:spcBef>
+              <a:spcAft>
+                <a:spcPts val="0"/>
+              </a:spcAft>
+              <a:buClr>
+                <a:schemeClr val="dk1"/>
+              </a:buClr>
+              <a:buSzPts val="1200"/>
+              <a:buFont typeface="Albert Sans"/>
+              <a:buChar char="●"/>
+              <a:defRPr sz="1200" b="0" i="0" u="none" strike="noStrike" cap="none">
+                <a:solidFill>
+                  <a:schemeClr val="dk1"/>
+                </a:solidFill>
+                <a:latin typeface="Albert Sans"/>
+                <a:ea typeface="Albert Sans"/>
+                <a:cs typeface="Albert Sans"/>
+                <a:sym typeface="Albert Sans"/>
+              </a:defRPr>
+            </a:lvl4pPr>
+            <a:lvl5pPr marL="2286000" marR="0" lvl="4" indent="-304800" algn="l" rtl="0">
+              <a:lnSpc>
+                <a:spcPct val="100000"/>
+              </a:lnSpc>
+              <a:spcBef>
+                <a:spcPts val="0"/>
+              </a:spcBef>
+              <a:spcAft>
+                <a:spcPts val="0"/>
+              </a:spcAft>
+              <a:buClr>
+                <a:schemeClr val="dk1"/>
+              </a:buClr>
+              <a:buSzPts val="1200"/>
+              <a:buFont typeface="Albert Sans"/>
+              <a:buChar char="○"/>
+              <a:defRPr sz="1200" b="0" i="0" u="none" strike="noStrike" cap="none">
+                <a:solidFill>
+                  <a:schemeClr val="dk1"/>
+                </a:solidFill>
+                <a:latin typeface="Albert Sans"/>
+                <a:ea typeface="Albert Sans"/>
+                <a:cs typeface="Albert Sans"/>
+                <a:sym typeface="Albert Sans"/>
+              </a:defRPr>
+            </a:lvl5pPr>
+            <a:lvl6pPr marL="2743200" marR="0" lvl="5" indent="-304800" algn="l" rtl="0">
+              <a:lnSpc>
+                <a:spcPct val="100000"/>
+              </a:lnSpc>
+              <a:spcBef>
+                <a:spcPts val="0"/>
+              </a:spcBef>
+              <a:spcAft>
+                <a:spcPts val="0"/>
+              </a:spcAft>
+              <a:buClr>
+                <a:schemeClr val="dk1"/>
+              </a:buClr>
+              <a:buSzPts val="1200"/>
+              <a:buFont typeface="Albert Sans"/>
+              <a:buChar char="■"/>
+              <a:defRPr sz="1200" b="0" i="0" u="none" strike="noStrike" cap="none">
+                <a:solidFill>
+                  <a:schemeClr val="dk1"/>
+                </a:solidFill>
+                <a:latin typeface="Albert Sans"/>
+                <a:ea typeface="Albert Sans"/>
+                <a:cs typeface="Albert Sans"/>
+                <a:sym typeface="Albert Sans"/>
+              </a:defRPr>
+            </a:lvl6pPr>
+            <a:lvl7pPr marL="3200400" marR="0" lvl="6" indent="-304800" algn="l" rtl="0">
+              <a:lnSpc>
+                <a:spcPct val="100000"/>
+              </a:lnSpc>
+              <a:spcBef>
+                <a:spcPts val="0"/>
+              </a:spcBef>
+              <a:spcAft>
+                <a:spcPts val="0"/>
+              </a:spcAft>
+              <a:buClr>
+                <a:schemeClr val="dk1"/>
+              </a:buClr>
+              <a:buSzPts val="1200"/>
+              <a:buFont typeface="Albert Sans"/>
+              <a:buChar char="●"/>
+              <a:defRPr sz="1200" b="0" i="0" u="none" strike="noStrike" cap="none">
+                <a:solidFill>
+                  <a:schemeClr val="dk1"/>
+                </a:solidFill>
+                <a:latin typeface="Albert Sans"/>
+                <a:ea typeface="Albert Sans"/>
+                <a:cs typeface="Albert Sans"/>
+                <a:sym typeface="Albert Sans"/>
+              </a:defRPr>
+            </a:lvl7pPr>
+            <a:lvl8pPr marL="3657600" marR="0" lvl="7" indent="-304800" algn="l" rtl="0">
+              <a:lnSpc>
+                <a:spcPct val="100000"/>
+              </a:lnSpc>
+              <a:spcBef>
+                <a:spcPts val="0"/>
+              </a:spcBef>
+              <a:spcAft>
+                <a:spcPts val="0"/>
+              </a:spcAft>
+              <a:buClr>
+                <a:schemeClr val="dk1"/>
+              </a:buClr>
+              <a:buSzPts val="1200"/>
+              <a:buFont typeface="Albert Sans"/>
+              <a:buChar char="○"/>
+              <a:defRPr sz="1200" b="0" i="0" u="none" strike="noStrike" cap="none">
+                <a:solidFill>
+                  <a:schemeClr val="dk1"/>
+                </a:solidFill>
+                <a:latin typeface="Albert Sans"/>
+                <a:ea typeface="Albert Sans"/>
+                <a:cs typeface="Albert Sans"/>
+                <a:sym typeface="Albert Sans"/>
+              </a:defRPr>
+            </a:lvl8pPr>
+            <a:lvl9pPr marL="4114800" marR="0" lvl="8" indent="-304800" algn="l" rtl="0">
+              <a:lnSpc>
+                <a:spcPct val="100000"/>
+              </a:lnSpc>
+              <a:spcBef>
+                <a:spcPts val="0"/>
+              </a:spcBef>
+              <a:spcAft>
+                <a:spcPts val="0"/>
+              </a:spcAft>
+              <a:buClr>
+                <a:schemeClr val="dk1"/>
+              </a:buClr>
+              <a:buSzPts val="1200"/>
+              <a:buFont typeface="Albert Sans"/>
+              <a:buChar char="■"/>
+              <a:defRPr sz="1200" b="0" i="0" u="none" strike="noStrike" cap="none">
+                <a:solidFill>
+                  <a:schemeClr val="dk1"/>
+                </a:solidFill>
+                <a:latin typeface="Albert Sans"/>
+                <a:ea typeface="Albert Sans"/>
+                <a:cs typeface="Albert Sans"/>
+                <a:sym typeface="Albert Sans"/>
+              </a:defRPr>
+            </a:lvl9pPr>
+          </a:lstStyle>
           <a:p>
-            <a:pPr marL="0" lvl="0" indent="0" algn="l" rtl="0">
-              <a:spcBef>
-                <a:spcPts val="0"/>
-              </a:spcBef>
-              <a:spcAft>
-                <a:spcPts val="0"/>
-              </a:spcAft>
+            <a:pPr marL="0" indent="0" algn="r">
+              <a:buFont typeface="Albert Sans"/>
               <a:buNone/>
             </a:pPr>
             <a:r>
-              <a:rPr lang="uk-UA" dirty="0">
+              <a:rPr lang="uk-UA" sz="2200" dirty="0">
                 <a:latin typeface="Manrope" pitchFamily="2" charset="0"/>
               </a:rPr>
-              <a:t>Система дозволяє користувачам отримувати графіки, які описують картину стану машини</a:t>
+              <a:t>Зручний вивід відповіді від віртуальної машини</a:t>
             </a:r>
-            <a:endParaRPr dirty="0">
-              <a:latin typeface="Manrope" pitchFamily="2" charset="0"/>
-            </a:endParaRPr>
           </a:p>
         </p:txBody>
       </p:sp>
-      <p:cxnSp>
-        <p:nvCxnSpPr>
-          <p:cNvPr id="380" name="Google Shape;380;p50">
-            <a:hlinkClick r:id="" action="ppaction://hlinkshowjump?jump=nextslide"/>
+      <p:pic>
+        <p:nvPicPr>
+          <p:cNvPr id="8" name="Рисунок 7">
+            <a:extLst>
+              <a:ext uri="{FF2B5EF4-FFF2-40B4-BE49-F238E27FC236}">
+                <a16:creationId xmlns:a16="http://schemas.microsoft.com/office/drawing/2014/main" id="{D8C897D3-98B4-499E-B8E9-86788712E7F5}"/>
+              </a:ext>
+            </a:extLst>
           </p:cNvPr>
-          <p:cNvCxnSpPr/>
+          <p:cNvPicPr>
+            <a:picLocks noChangeAspect="1"/>
+          </p:cNvPicPr>
           <p:nvPr/>
-        </p:nvCxnSpPr>
+        </p:nvPicPr>
+        <p:blipFill>
+          <a:blip r:embed="rId4"/>
+          <a:stretch>
+            <a:fillRect/>
+          </a:stretch>
+        </p:blipFill>
         <p:spPr>
           <a:xfrm>
-            <a:off x="715100" y="729100"/>
-            <a:ext cx="483300" cy="0"/>
-          </a:xfrm>
-          <a:prstGeom prst="straightConnector1">
+            <a:off x="0" y="0"/>
+            <a:ext cx="2314575" cy="5143500"/>
+          </a:xfrm>
+          <a:prstGeom prst="rect">
+            <a:avLst/>
+          </a:prstGeom>
+        </p:spPr>
+      </p:pic>
+      <p:sp>
+        <p:nvSpPr>
+          <p:cNvPr id="10" name="Google Shape;257;p42">
+            <a:extLst>
+              <a:ext uri="{FF2B5EF4-FFF2-40B4-BE49-F238E27FC236}">
+                <a16:creationId xmlns:a16="http://schemas.microsoft.com/office/drawing/2014/main" id="{442637B3-4E95-4509-A55C-EB26E1597E7F}"/>
+              </a:ext>
+            </a:extLst>
+          </p:cNvPr>
+          <p:cNvSpPr txBox="1">
+            <a:spLocks/>
+          </p:cNvSpPr>
+          <p:nvPr/>
+        </p:nvSpPr>
+        <p:spPr>
+          <a:xfrm>
+            <a:off x="2469121" y="95127"/>
+            <a:ext cx="3856800" cy="1894800"/>
+          </a:xfrm>
+          <a:prstGeom prst="rect">
             <a:avLst/>
           </a:prstGeom>
           <a:noFill/>
-          <a:ln w="9525" cap="flat" cmpd="sng">
-            <a:solidFill>
-              <a:schemeClr val="dk1"/>
-            </a:solidFill>
-            <a:prstDash val="solid"/>
-            <a:round/>
-            <a:headEnd type="none" w="med" len="med"/>
-            <a:tailEnd type="triangle" w="med" len="med"/>
+          <a:ln>
+            <a:noFill/>
           </a:ln>
         </p:spPr>
-      </p:cxnSp>
+        <p:txBody>
+          <a:bodyPr spcFirstLastPara="1" wrap="square" lIns="91425" tIns="91425" rIns="91425" bIns="91425" anchor="ctr" anchorCtr="0">
+            <a:noAutofit/>
+          </a:bodyPr>
+          <a:lstStyle>
+            <a:defPPr marR="0" lvl="0" algn="l" rtl="0">
+              <a:lnSpc>
+                <a:spcPct val="100000"/>
+              </a:lnSpc>
+              <a:spcBef>
+                <a:spcPts val="0"/>
+              </a:spcBef>
+              <a:spcAft>
+                <a:spcPts val="0"/>
+              </a:spcAft>
+            </a:defPPr>
+            <a:lvl1pPr marL="457200" marR="0" lvl="0" indent="-304800" algn="l" rtl="0">
+              <a:lnSpc>
+                <a:spcPct val="100000"/>
+              </a:lnSpc>
+              <a:spcBef>
+                <a:spcPts val="0"/>
+              </a:spcBef>
+              <a:spcAft>
+                <a:spcPts val="0"/>
+              </a:spcAft>
+              <a:buClr>
+                <a:schemeClr val="dk1"/>
+              </a:buClr>
+              <a:buSzPts val="1200"/>
+              <a:buFont typeface="Albert Sans"/>
+              <a:buChar char="●"/>
+              <a:defRPr sz="1200" b="0" i="0" u="none" strike="noStrike" cap="none">
+                <a:solidFill>
+                  <a:schemeClr val="dk1"/>
+                </a:solidFill>
+                <a:latin typeface="Albert Sans"/>
+                <a:ea typeface="Albert Sans"/>
+                <a:cs typeface="Albert Sans"/>
+                <a:sym typeface="Albert Sans"/>
+              </a:defRPr>
+            </a:lvl1pPr>
+            <a:lvl2pPr marL="914400" marR="0" lvl="1" indent="-304800" algn="l" rtl="0">
+              <a:lnSpc>
+                <a:spcPct val="100000"/>
+              </a:lnSpc>
+              <a:spcBef>
+                <a:spcPts val="0"/>
+              </a:spcBef>
+              <a:spcAft>
+                <a:spcPts val="0"/>
+              </a:spcAft>
+              <a:buClr>
+                <a:schemeClr val="dk1"/>
+              </a:buClr>
+              <a:buSzPts val="1200"/>
+              <a:buFont typeface="Albert Sans"/>
+              <a:buChar char="○"/>
+              <a:defRPr sz="1200" b="0" i="0" u="none" strike="noStrike" cap="none">
+                <a:solidFill>
+                  <a:schemeClr val="dk1"/>
+                </a:solidFill>
+                <a:latin typeface="Albert Sans"/>
+                <a:ea typeface="Albert Sans"/>
+                <a:cs typeface="Albert Sans"/>
+                <a:sym typeface="Albert Sans"/>
+              </a:defRPr>
+            </a:lvl2pPr>
+            <a:lvl3pPr marL="1371600" marR="0" lvl="2" indent="-304800" algn="l" rtl="0">
+              <a:lnSpc>
+                <a:spcPct val="100000"/>
+              </a:lnSpc>
+              <a:spcBef>
+                <a:spcPts val="0"/>
+              </a:spcBef>
+              <a:spcAft>
+                <a:spcPts val="0"/>
+              </a:spcAft>
+              <a:buClr>
+                <a:schemeClr val="dk1"/>
+              </a:buClr>
+              <a:buSzPts val="1200"/>
+              <a:buFont typeface="Albert Sans"/>
+              <a:buChar char="■"/>
+              <a:defRPr sz="1200" b="0" i="0" u="none" strike="noStrike" cap="none">
+                <a:solidFill>
+                  <a:schemeClr val="dk1"/>
+                </a:solidFill>
+                <a:latin typeface="Albert Sans"/>
+                <a:ea typeface="Albert Sans"/>
+                <a:cs typeface="Albert Sans"/>
+                <a:sym typeface="Albert Sans"/>
+              </a:defRPr>
+            </a:lvl3pPr>
+            <a:lvl4pPr marL="1828800" marR="0" lvl="3" indent="-304800" algn="l" rtl="0">
+              <a:lnSpc>
+                <a:spcPct val="100000"/>
+              </a:lnSpc>
+              <a:spcBef>
+                <a:spcPts val="0"/>
+              </a:spcBef>
+              <a:spcAft>
+                <a:spcPts val="0"/>
+              </a:spcAft>
+              <a:buClr>
+                <a:schemeClr val="dk1"/>
+              </a:buClr>
+              <a:buSzPts val="1200"/>
+              <a:buFont typeface="Albert Sans"/>
+              <a:buChar char="●"/>
+              <a:defRPr sz="1200" b="0" i="0" u="none" strike="noStrike" cap="none">
+                <a:solidFill>
+                  <a:schemeClr val="dk1"/>
+                </a:solidFill>
+                <a:latin typeface="Albert Sans"/>
+                <a:ea typeface="Albert Sans"/>
+                <a:cs typeface="Albert Sans"/>
+                <a:sym typeface="Albert Sans"/>
+              </a:defRPr>
+            </a:lvl4pPr>
+            <a:lvl5pPr marL="2286000" marR="0" lvl="4" indent="-304800" algn="l" rtl="0">
+              <a:lnSpc>
+                <a:spcPct val="100000"/>
+              </a:lnSpc>
+              <a:spcBef>
+                <a:spcPts val="0"/>
+              </a:spcBef>
+              <a:spcAft>
+                <a:spcPts val="0"/>
+              </a:spcAft>
+              <a:buClr>
+                <a:schemeClr val="dk1"/>
+              </a:buClr>
+              <a:buSzPts val="1200"/>
+              <a:buFont typeface="Albert Sans"/>
+              <a:buChar char="○"/>
+              <a:defRPr sz="1200" b="0" i="0" u="none" strike="noStrike" cap="none">
+                <a:solidFill>
+                  <a:schemeClr val="dk1"/>
+                </a:solidFill>
+                <a:latin typeface="Albert Sans"/>
+                <a:ea typeface="Albert Sans"/>
+                <a:cs typeface="Albert Sans"/>
+                <a:sym typeface="Albert Sans"/>
+              </a:defRPr>
+            </a:lvl5pPr>
+            <a:lvl6pPr marL="2743200" marR="0" lvl="5" indent="-304800" algn="l" rtl="0">
+              <a:lnSpc>
+                <a:spcPct val="100000"/>
+              </a:lnSpc>
+              <a:spcBef>
+                <a:spcPts val="0"/>
+              </a:spcBef>
+              <a:spcAft>
+                <a:spcPts val="0"/>
+              </a:spcAft>
+              <a:buClr>
+                <a:schemeClr val="dk1"/>
+              </a:buClr>
+              <a:buSzPts val="1200"/>
+              <a:buFont typeface="Albert Sans"/>
+              <a:buChar char="■"/>
+              <a:defRPr sz="1200" b="0" i="0" u="none" strike="noStrike" cap="none">
+                <a:solidFill>
+                  <a:schemeClr val="dk1"/>
+                </a:solidFill>
+                <a:latin typeface="Albert Sans"/>
+                <a:ea typeface="Albert Sans"/>
+                <a:cs typeface="Albert Sans"/>
+                <a:sym typeface="Albert Sans"/>
+              </a:defRPr>
+            </a:lvl6pPr>
+            <a:lvl7pPr marL="3200400" marR="0" lvl="6" indent="-304800" algn="l" rtl="0">
+              <a:lnSpc>
+                <a:spcPct val="100000"/>
+              </a:lnSpc>
+              <a:spcBef>
+                <a:spcPts val="0"/>
+              </a:spcBef>
+              <a:spcAft>
+                <a:spcPts val="0"/>
+              </a:spcAft>
+              <a:buClr>
+                <a:schemeClr val="dk1"/>
+              </a:buClr>
+              <a:buSzPts val="1200"/>
+              <a:buFont typeface="Albert Sans"/>
+              <a:buChar char="●"/>
+              <a:defRPr sz="1200" b="0" i="0" u="none" strike="noStrike" cap="none">
+                <a:solidFill>
+                  <a:schemeClr val="dk1"/>
+                </a:solidFill>
+                <a:latin typeface="Albert Sans"/>
+                <a:ea typeface="Albert Sans"/>
+                <a:cs typeface="Albert Sans"/>
+                <a:sym typeface="Albert Sans"/>
+              </a:defRPr>
+            </a:lvl7pPr>
+            <a:lvl8pPr marL="3657600" marR="0" lvl="7" indent="-304800" algn="l" rtl="0">
+              <a:lnSpc>
+                <a:spcPct val="100000"/>
+              </a:lnSpc>
+              <a:spcBef>
+                <a:spcPts val="0"/>
+              </a:spcBef>
+              <a:spcAft>
+                <a:spcPts val="0"/>
+              </a:spcAft>
+              <a:buClr>
+                <a:schemeClr val="dk1"/>
+              </a:buClr>
+              <a:buSzPts val="1200"/>
+              <a:buFont typeface="Albert Sans"/>
+              <a:buChar char="○"/>
+              <a:defRPr sz="1200" b="0" i="0" u="none" strike="noStrike" cap="none">
+                <a:solidFill>
+                  <a:schemeClr val="dk1"/>
+                </a:solidFill>
+                <a:latin typeface="Albert Sans"/>
+                <a:ea typeface="Albert Sans"/>
+                <a:cs typeface="Albert Sans"/>
+                <a:sym typeface="Albert Sans"/>
+              </a:defRPr>
+            </a:lvl8pPr>
+            <a:lvl9pPr marL="4114800" marR="0" lvl="8" indent="-304800" algn="l" rtl="0">
+              <a:lnSpc>
+                <a:spcPct val="100000"/>
+              </a:lnSpc>
+              <a:spcBef>
+                <a:spcPts val="0"/>
+              </a:spcBef>
+              <a:spcAft>
+                <a:spcPts val="0"/>
+              </a:spcAft>
+              <a:buClr>
+                <a:schemeClr val="dk1"/>
+              </a:buClr>
+              <a:buSzPts val="1200"/>
+              <a:buFont typeface="Albert Sans"/>
+              <a:buChar char="■"/>
+              <a:defRPr sz="1200" b="0" i="0" u="none" strike="noStrike" cap="none">
+                <a:solidFill>
+                  <a:schemeClr val="dk1"/>
+                </a:solidFill>
+                <a:latin typeface="Albert Sans"/>
+                <a:ea typeface="Albert Sans"/>
+                <a:cs typeface="Albert Sans"/>
+                <a:sym typeface="Albert Sans"/>
+              </a:defRPr>
+            </a:lvl9pPr>
+          </a:lstStyle>
+          <a:p>
+            <a:pPr marL="0" indent="0">
+              <a:buFont typeface="Albert Sans"/>
+              <a:buNone/>
+            </a:pPr>
+            <a:r>
+              <a:rPr lang="uk-UA" sz="2200" dirty="0">
+                <a:latin typeface="Manrope" pitchFamily="2" charset="0"/>
+              </a:rPr>
+              <a:t>Зручний обмін файлами між користувачем та віртуальною машиною</a:t>
+            </a:r>
+          </a:p>
+        </p:txBody>
+      </p:sp>
     </p:spTree>
     <p:extLst>
       <p:ext uri="{BB962C8B-B14F-4D97-AF65-F5344CB8AC3E}">
-        <p14:creationId xmlns:p14="http://schemas.microsoft.com/office/powerpoint/2010/main" val="875301895"/>
+        <p14:creationId xmlns:p14="http://schemas.microsoft.com/office/powerpoint/2010/main" val="885208026"/>
       </p:ext>
     </p:extLst>
   </p:cSld>
@@ -8094,7 +8859,7 @@
   <p:cSld>
     <p:spTree>
       <p:nvGrpSpPr>
-        <p:cNvPr id="1" name="Shape 248"/>
+        <p:cNvPr id="1" name="Shape 255"/>
         <p:cNvGrpSpPr/>
         <p:nvPr/>
       </p:nvGrpSpPr>
@@ -8106,20 +8871,86 @@
           <a:chExt cx="0" cy="0"/>
         </a:xfrm>
       </p:grpSpPr>
+      <p:pic>
+        <p:nvPicPr>
+          <p:cNvPr id="6" name="Рисунок 5">
+            <a:extLst>
+              <a:ext uri="{FF2B5EF4-FFF2-40B4-BE49-F238E27FC236}">
+                <a16:creationId xmlns:a16="http://schemas.microsoft.com/office/drawing/2014/main" id="{D9623228-35C9-4F50-A12B-4CC214AF25B4}"/>
+              </a:ext>
+            </a:extLst>
+          </p:cNvPr>
+          <p:cNvPicPr>
+            <a:picLocks noChangeAspect="1"/>
+          </p:cNvPicPr>
+          <p:nvPr/>
+        </p:nvPicPr>
+        <p:blipFill>
+          <a:blip r:embed="rId3"/>
+          <a:stretch>
+            <a:fillRect/>
+          </a:stretch>
+        </p:blipFill>
+        <p:spPr>
+          <a:xfrm>
+            <a:off x="0" y="0"/>
+            <a:ext cx="2314575" cy="5143500"/>
+          </a:xfrm>
+          <a:prstGeom prst="rect">
+            <a:avLst/>
+          </a:prstGeom>
+        </p:spPr>
+      </p:pic>
+      <p:pic>
+        <p:nvPicPr>
+          <p:cNvPr id="8" name="Рисунок 7">
+            <a:extLst>
+              <a:ext uri="{FF2B5EF4-FFF2-40B4-BE49-F238E27FC236}">
+                <a16:creationId xmlns:a16="http://schemas.microsoft.com/office/drawing/2014/main" id="{EC9C6DD8-EA89-4806-ABBE-98A43AF87679}"/>
+              </a:ext>
+            </a:extLst>
+          </p:cNvPr>
+          <p:cNvPicPr>
+            <a:picLocks noChangeAspect="1"/>
+          </p:cNvPicPr>
+          <p:nvPr/>
+        </p:nvPicPr>
+        <p:blipFill>
+          <a:blip r:embed="rId4"/>
+          <a:stretch>
+            <a:fillRect/>
+          </a:stretch>
+        </p:blipFill>
+        <p:spPr>
+          <a:xfrm>
+            <a:off x="6829425" y="0"/>
+            <a:ext cx="2314575" cy="5143500"/>
+          </a:xfrm>
+          <a:prstGeom prst="rect">
+            <a:avLst/>
+          </a:prstGeom>
+        </p:spPr>
+      </p:pic>
       <p:sp>
         <p:nvSpPr>
-          <p:cNvPr id="249" name="Google Shape;249;p41"/>
+          <p:cNvPr id="10" name="Google Shape;257;p42">
+            <a:extLst>
+              <a:ext uri="{FF2B5EF4-FFF2-40B4-BE49-F238E27FC236}">
+                <a16:creationId xmlns:a16="http://schemas.microsoft.com/office/drawing/2014/main" id="{4474815D-CB4C-4F96-8E4E-DFD60F52A0D6}"/>
+              </a:ext>
+            </a:extLst>
+          </p:cNvPr>
           <p:cNvSpPr txBox="1">
             <a:spLocks noGrp="1"/>
           </p:cNvSpPr>
           <p:nvPr>
-            <p:ph type="subTitle" idx="1"/>
+            <p:ph type="body" idx="1"/>
           </p:nvPr>
         </p:nvSpPr>
         <p:spPr>
           <a:xfrm>
-            <a:off x="1251697" y="1150761"/>
-            <a:ext cx="6640605" cy="2841978"/>
+            <a:off x="2643600" y="1624350"/>
+            <a:ext cx="3856800" cy="1894800"/>
           </a:xfrm>
           <a:prstGeom prst="rect">
             <a:avLst/>
@@ -8131,7 +8962,7 @@
           </a:bodyPr>
           <a:lstStyle/>
           <a:p>
-            <a:pPr marL="0" lvl="0" indent="0" algn="l" rtl="0">
+            <a:pPr marL="0" lvl="0" indent="0" algn="ctr" rtl="0">
               <a:spcBef>
                 <a:spcPts val="0"/>
               </a:spcBef>
@@ -8141,33 +8972,18 @@
               <a:buNone/>
             </a:pPr>
             <a:r>
-              <a:rPr lang="uk-UA" sz="2400" dirty="0">
+              <a:rPr lang="uk-UA" sz="2200" dirty="0">
                 <a:latin typeface="Manrope" pitchFamily="2" charset="0"/>
               </a:rPr>
-              <a:t>У користувача є можливість створювати декілька акаунтів та прив</a:t>
+              <a:t>Користувач має можливість змінювати дані віртуальної машини, та навіть видаляти їх</a:t>
             </a:r>
-            <a:r>
-              <a:rPr lang="en-US" sz="2400" dirty="0">
-                <a:latin typeface="Manrope" pitchFamily="2" charset="0"/>
-              </a:rPr>
-              <a:t>’</a:t>
-            </a:r>
-            <a:r>
-              <a:rPr lang="uk-UA" sz="2400" dirty="0">
-                <a:latin typeface="Manrope" pitchFamily="2" charset="0"/>
-              </a:rPr>
-              <a:t>язувати до них різні віртуальні машини </a:t>
-            </a:r>
-            <a:endParaRPr sz="2400" dirty="0">
-              <a:latin typeface="Manrope" pitchFamily="2" charset="0"/>
-            </a:endParaRPr>
           </a:p>
         </p:txBody>
       </p:sp>
     </p:spTree>
     <p:extLst>
       <p:ext uri="{BB962C8B-B14F-4D97-AF65-F5344CB8AC3E}">
-        <p14:creationId xmlns:p14="http://schemas.microsoft.com/office/powerpoint/2010/main" val="269965813"/>
+        <p14:creationId xmlns:p14="http://schemas.microsoft.com/office/powerpoint/2010/main" val="2611028306"/>
       </p:ext>
     </p:extLst>
   </p:cSld>
@@ -8206,347 +9022,7 @@
         </p:nvSpPr>
         <p:spPr>
           <a:xfrm>
-            <a:off x="2643600" y="1620325"/>
-            <a:ext cx="3856800" cy="1894800"/>
-          </a:xfrm>
-          <a:prstGeom prst="rect">
-            <a:avLst/>
-          </a:prstGeom>
-        </p:spPr>
-        <p:txBody>
-          <a:bodyPr spcFirstLastPara="1" wrap="square" lIns="91425" tIns="91425" rIns="91425" bIns="91425" anchor="t" anchorCtr="0">
-            <a:noAutofit/>
-          </a:bodyPr>
-          <a:lstStyle/>
-          <a:p>
-            <a:pPr marL="0" lvl="0" indent="0" algn="l" rtl="0">
-              <a:spcBef>
-                <a:spcPts val="0"/>
-              </a:spcBef>
-              <a:spcAft>
-                <a:spcPts val="0"/>
-              </a:spcAft>
-              <a:buNone/>
-            </a:pPr>
-            <a:r>
-              <a:rPr lang="uk-UA" sz="2400" dirty="0">
-                <a:latin typeface="Manrope" pitchFamily="2" charset="0"/>
-              </a:rPr>
-              <a:t>Друга ж частина додатку відповідає за графічний інтерфейс та отримання команд від користувача</a:t>
-            </a:r>
-            <a:endParaRPr sz="2400" dirty="0">
-              <a:latin typeface="Manrope" pitchFamily="2" charset="0"/>
-            </a:endParaRPr>
-          </a:p>
-        </p:txBody>
-      </p:sp>
-      <p:pic>
-        <p:nvPicPr>
-          <p:cNvPr id="15" name="Рисунок 14">
-            <a:extLst>
-              <a:ext uri="{FF2B5EF4-FFF2-40B4-BE49-F238E27FC236}">
-                <a16:creationId xmlns:a16="http://schemas.microsoft.com/office/drawing/2014/main" id="{05BC1137-CA95-4716-B4FA-C714B58FF57F}"/>
-              </a:ext>
-            </a:extLst>
-          </p:cNvPr>
-          <p:cNvPicPr>
-            <a:picLocks noChangeAspect="1"/>
-          </p:cNvPicPr>
-          <p:nvPr/>
-        </p:nvPicPr>
-        <p:blipFill>
-          <a:blip r:embed="rId3"/>
-          <a:stretch>
-            <a:fillRect/>
-          </a:stretch>
-        </p:blipFill>
-        <p:spPr>
-          <a:xfrm>
-            <a:off x="6829425" y="-4025"/>
-            <a:ext cx="2314575" cy="5143500"/>
-          </a:xfrm>
-          <a:prstGeom prst="rect">
-            <a:avLst/>
-          </a:prstGeom>
-        </p:spPr>
-      </p:pic>
-      <p:pic>
-        <p:nvPicPr>
-          <p:cNvPr id="4" name="Рисунок 3">
-            <a:extLst>
-              <a:ext uri="{FF2B5EF4-FFF2-40B4-BE49-F238E27FC236}">
-                <a16:creationId xmlns:a16="http://schemas.microsoft.com/office/drawing/2014/main" id="{08828B41-A0A9-4BD8-BA7A-0627C90275A3}"/>
-              </a:ext>
-            </a:extLst>
-          </p:cNvPr>
-          <p:cNvPicPr>
-            <a:picLocks noChangeAspect="1"/>
-          </p:cNvPicPr>
-          <p:nvPr/>
-        </p:nvPicPr>
-        <p:blipFill>
-          <a:blip r:embed="rId3"/>
-          <a:stretch>
-            <a:fillRect/>
-          </a:stretch>
-        </p:blipFill>
-        <p:spPr>
-          <a:xfrm>
-            <a:off x="1" y="-4025"/>
-            <a:ext cx="2314575" cy="5143500"/>
-          </a:xfrm>
-          <a:prstGeom prst="rect">
-            <a:avLst/>
-          </a:prstGeom>
-        </p:spPr>
-      </p:pic>
-    </p:spTree>
-  </p:cSld>
-  <p:clrMapOvr>
-    <a:masterClrMapping/>
-  </p:clrMapOvr>
-</p:sld>
-</file>
-
-<file path=ppt/slides/slide16.xml><?xml version="1.0" encoding="utf-8"?>
-<p:sld xmlns:a="http://schemas.openxmlformats.org/drawingml/2006/main" xmlns:r="http://schemas.openxmlformats.org/officeDocument/2006/relationships" xmlns:p="http://schemas.openxmlformats.org/presentationml/2006/main">
-  <p:cSld>
-    <p:spTree>
-      <p:nvGrpSpPr>
-        <p:cNvPr id="1" name="Shape 255"/>
-        <p:cNvGrpSpPr/>
-        <p:nvPr/>
-      </p:nvGrpSpPr>
-      <p:grpSpPr>
-        <a:xfrm>
-          <a:off x="0" y="0"/>
-          <a:ext cx="0" cy="0"/>
-          <a:chOff x="0" y="0"/>
-          <a:chExt cx="0" cy="0"/>
-        </a:xfrm>
-      </p:grpSpPr>
-      <p:sp>
-        <p:nvSpPr>
-          <p:cNvPr id="257" name="Google Shape;257;p42"/>
-          <p:cNvSpPr txBox="1">
-            <a:spLocks noGrp="1"/>
-          </p:cNvSpPr>
-          <p:nvPr>
-            <p:ph type="body" idx="1"/>
-          </p:nvPr>
-        </p:nvSpPr>
-        <p:spPr>
-          <a:xfrm>
-            <a:off x="4572000" y="1636300"/>
-            <a:ext cx="3856800" cy="1894800"/>
-          </a:xfrm>
-          <a:prstGeom prst="rect">
-            <a:avLst/>
-          </a:prstGeom>
-        </p:spPr>
-        <p:txBody>
-          <a:bodyPr spcFirstLastPara="1" wrap="square" lIns="91425" tIns="91425" rIns="91425" bIns="91425" anchor="t" anchorCtr="0">
-            <a:noAutofit/>
-          </a:bodyPr>
-          <a:lstStyle/>
-          <a:p>
-            <a:pPr marL="0" lvl="0" indent="0" algn="l" rtl="0">
-              <a:spcBef>
-                <a:spcPts val="0"/>
-              </a:spcBef>
-              <a:spcAft>
-                <a:spcPts val="0"/>
-              </a:spcAft>
-              <a:buNone/>
-            </a:pPr>
-            <a:r>
-              <a:rPr lang="uk-UA" sz="2400" dirty="0">
-                <a:latin typeface="Manrope" pitchFamily="2" charset="0"/>
-              </a:rPr>
-              <a:t>Спілкування між користувачем та додатком відбувається за допомогою повідомлень</a:t>
-            </a:r>
-            <a:endParaRPr sz="2400" dirty="0">
-              <a:latin typeface="Manrope" pitchFamily="2" charset="0"/>
-            </a:endParaRPr>
-          </a:p>
-        </p:txBody>
-      </p:sp>
-      <p:pic>
-        <p:nvPicPr>
-          <p:cNvPr id="5" name="Рисунок 4">
-            <a:extLst>
-              <a:ext uri="{FF2B5EF4-FFF2-40B4-BE49-F238E27FC236}">
-                <a16:creationId xmlns:a16="http://schemas.microsoft.com/office/drawing/2014/main" id="{AC6DF357-74A9-4198-81D8-9D8E58D09347}"/>
-              </a:ext>
-            </a:extLst>
-          </p:cNvPr>
-          <p:cNvPicPr>
-            <a:picLocks noChangeAspect="1"/>
-          </p:cNvPicPr>
-          <p:nvPr/>
-        </p:nvPicPr>
-        <p:blipFill>
-          <a:blip r:embed="rId3"/>
-          <a:stretch>
-            <a:fillRect/>
-          </a:stretch>
-        </p:blipFill>
-        <p:spPr>
-          <a:xfrm>
-            <a:off x="0" y="0"/>
-            <a:ext cx="2314575" cy="5143500"/>
-          </a:xfrm>
-          <a:prstGeom prst="rect">
-            <a:avLst/>
-          </a:prstGeom>
-        </p:spPr>
-      </p:pic>
-    </p:spTree>
-    <p:extLst>
-      <p:ext uri="{BB962C8B-B14F-4D97-AF65-F5344CB8AC3E}">
-        <p14:creationId xmlns:p14="http://schemas.microsoft.com/office/powerpoint/2010/main" val="691132016"/>
-      </p:ext>
-    </p:extLst>
-  </p:cSld>
-  <p:clrMapOvr>
-    <a:masterClrMapping/>
-  </p:clrMapOvr>
-</p:sld>
-</file>
-
-<file path=ppt/slides/slide17.xml><?xml version="1.0" encoding="utf-8"?>
-<p:sld xmlns:a="http://schemas.openxmlformats.org/drawingml/2006/main" xmlns:r="http://schemas.openxmlformats.org/officeDocument/2006/relationships" xmlns:p="http://schemas.openxmlformats.org/presentationml/2006/main">
-  <p:cSld>
-    <p:spTree>
-      <p:nvGrpSpPr>
-        <p:cNvPr id="1" name="Shape 255"/>
-        <p:cNvGrpSpPr/>
-        <p:nvPr/>
-      </p:nvGrpSpPr>
-      <p:grpSpPr>
-        <a:xfrm>
-          <a:off x="0" y="0"/>
-          <a:ext cx="0" cy="0"/>
-          <a:chOff x="0" y="0"/>
-          <a:chExt cx="0" cy="0"/>
-        </a:xfrm>
-      </p:grpSpPr>
-      <p:sp>
-        <p:nvSpPr>
-          <p:cNvPr id="257" name="Google Shape;257;p42"/>
-          <p:cNvSpPr txBox="1">
-            <a:spLocks noGrp="1"/>
-          </p:cNvSpPr>
-          <p:nvPr>
-            <p:ph type="body" idx="1"/>
-          </p:nvPr>
-        </p:nvSpPr>
-        <p:spPr>
-          <a:xfrm>
-            <a:off x="715100" y="1636300"/>
-            <a:ext cx="3856800" cy="1894800"/>
-          </a:xfrm>
-          <a:prstGeom prst="rect">
-            <a:avLst/>
-          </a:prstGeom>
-        </p:spPr>
-        <p:txBody>
-          <a:bodyPr spcFirstLastPara="1" wrap="square" lIns="91425" tIns="91425" rIns="91425" bIns="91425" anchor="t" anchorCtr="0">
-            <a:noAutofit/>
-          </a:bodyPr>
-          <a:lstStyle/>
-          <a:p>
-            <a:pPr marL="0" lvl="0" indent="0" algn="l" rtl="0">
-              <a:spcBef>
-                <a:spcPts val="0"/>
-              </a:spcBef>
-              <a:spcAft>
-                <a:spcPts val="0"/>
-              </a:spcAft>
-              <a:buNone/>
-            </a:pPr>
-            <a:r>
-              <a:rPr lang="uk-UA" sz="2400" dirty="0">
-                <a:latin typeface="Manrope" pitchFamily="2" charset="0"/>
-              </a:rPr>
-              <a:t>Система на повну використовує такий функціонал Telegram Bot Api, як клавіатури</a:t>
-            </a:r>
-          </a:p>
-        </p:txBody>
-      </p:sp>
-      <p:pic>
-        <p:nvPicPr>
-          <p:cNvPr id="3" name="Рисунок 2">
-            <a:extLst>
-              <a:ext uri="{FF2B5EF4-FFF2-40B4-BE49-F238E27FC236}">
-                <a16:creationId xmlns:a16="http://schemas.microsoft.com/office/drawing/2014/main" id="{32DC8C39-8603-4680-A164-859B59234645}"/>
-              </a:ext>
-            </a:extLst>
-          </p:cNvPr>
-          <p:cNvPicPr>
-            <a:picLocks noChangeAspect="1"/>
-          </p:cNvPicPr>
-          <p:nvPr/>
-        </p:nvPicPr>
-        <p:blipFill>
-          <a:blip r:embed="rId3"/>
-          <a:stretch>
-            <a:fillRect/>
-          </a:stretch>
-        </p:blipFill>
-        <p:spPr>
-          <a:xfrm>
-            <a:off x="6829425" y="0"/>
-            <a:ext cx="2314575" cy="5143500"/>
-          </a:xfrm>
-          <a:prstGeom prst="rect">
-            <a:avLst/>
-          </a:prstGeom>
-        </p:spPr>
-      </p:pic>
-    </p:spTree>
-    <p:extLst>
-      <p:ext uri="{BB962C8B-B14F-4D97-AF65-F5344CB8AC3E}">
-        <p14:creationId xmlns:p14="http://schemas.microsoft.com/office/powerpoint/2010/main" val="4146274353"/>
-      </p:ext>
-    </p:extLst>
-  </p:cSld>
-  <p:clrMapOvr>
-    <a:masterClrMapping/>
-  </p:clrMapOvr>
-</p:sld>
-</file>
-
-<file path=ppt/slides/slide18.xml><?xml version="1.0" encoding="utf-8"?>
-<p:sld xmlns:a="http://schemas.openxmlformats.org/drawingml/2006/main" xmlns:r="http://schemas.openxmlformats.org/officeDocument/2006/relationships" xmlns:p="http://schemas.openxmlformats.org/presentationml/2006/main">
-  <p:cSld>
-    <p:spTree>
-      <p:nvGrpSpPr>
-        <p:cNvPr id="1" name="Shape 255"/>
-        <p:cNvGrpSpPr/>
-        <p:nvPr/>
-      </p:nvGrpSpPr>
-      <p:grpSpPr>
-        <a:xfrm>
-          <a:off x="0" y="0"/>
-          <a:ext cx="0" cy="0"/>
-          <a:chOff x="0" y="0"/>
-          <a:chExt cx="0" cy="0"/>
-        </a:xfrm>
-      </p:grpSpPr>
-      <p:sp>
-        <p:nvSpPr>
-          <p:cNvPr id="257" name="Google Shape;257;p42"/>
-          <p:cNvSpPr txBox="1">
-            <a:spLocks noGrp="1"/>
-          </p:cNvSpPr>
-          <p:nvPr>
-            <p:ph type="body" idx="1"/>
-          </p:nvPr>
-        </p:nvSpPr>
-        <p:spPr>
-          <a:xfrm>
-            <a:off x="4572000" y="1636300"/>
+            <a:off x="2737084" y="200306"/>
             <a:ext cx="3856800" cy="1894800"/>
           </a:xfrm>
           <a:prstGeom prst="rect">
@@ -8559,481 +9035,7 @@
           </a:bodyPr>
           <a:lstStyle/>
           <a:p>
-            <a:pPr marL="0" lvl="0" indent="0" algn="l" rtl="0">
-              <a:spcBef>
-                <a:spcPts val="0"/>
-              </a:spcBef>
-              <a:spcAft>
-                <a:spcPts val="0"/>
-              </a:spcAft>
-              <a:buNone/>
-            </a:pPr>
-            <a:r>
-              <a:rPr lang="uk-UA" sz="2400" dirty="0">
-                <a:latin typeface="Manrope" pitchFamily="2" charset="0"/>
-              </a:rPr>
-              <a:t>Вся взаємодія в додатку захищена за допомогою </a:t>
-            </a:r>
-            <a:r>
-              <a:rPr lang="en-US" sz="2400" dirty="0">
-                <a:latin typeface="Manrope" pitchFamily="2" charset="0"/>
-              </a:rPr>
-              <a:t>JWT </a:t>
-            </a:r>
-            <a:r>
-              <a:rPr lang="uk-UA" sz="2400" dirty="0">
-                <a:latin typeface="Manrope" pitchFamily="2" charset="0"/>
-              </a:rPr>
-              <a:t>токенів</a:t>
-            </a:r>
-            <a:endParaRPr sz="2400" dirty="0">
-              <a:latin typeface="Manrope" pitchFamily="2" charset="0"/>
-            </a:endParaRPr>
-          </a:p>
-        </p:txBody>
-      </p:sp>
-      <p:pic>
-        <p:nvPicPr>
-          <p:cNvPr id="3" name="Рисунок 2">
-            <a:extLst>
-              <a:ext uri="{FF2B5EF4-FFF2-40B4-BE49-F238E27FC236}">
-                <a16:creationId xmlns:a16="http://schemas.microsoft.com/office/drawing/2014/main" id="{E68BDEDA-0027-4BCD-8E85-DBDA3452431F}"/>
-              </a:ext>
-            </a:extLst>
-          </p:cNvPr>
-          <p:cNvPicPr>
-            <a:picLocks noChangeAspect="1"/>
-          </p:cNvPicPr>
-          <p:nvPr/>
-        </p:nvPicPr>
-        <p:blipFill>
-          <a:blip r:embed="rId3"/>
-          <a:stretch>
-            <a:fillRect/>
-          </a:stretch>
-        </p:blipFill>
-        <p:spPr>
-          <a:xfrm>
-            <a:off x="0" y="0"/>
-            <a:ext cx="2314575" cy="5143500"/>
-          </a:xfrm>
-          <a:prstGeom prst="rect">
-            <a:avLst/>
-          </a:prstGeom>
-        </p:spPr>
-      </p:pic>
-    </p:spTree>
-    <p:extLst>
-      <p:ext uri="{BB962C8B-B14F-4D97-AF65-F5344CB8AC3E}">
-        <p14:creationId xmlns:p14="http://schemas.microsoft.com/office/powerpoint/2010/main" val="2611028306"/>
-      </p:ext>
-    </p:extLst>
-  </p:cSld>
-  <p:clrMapOvr>
-    <a:masterClrMapping/>
-  </p:clrMapOvr>
-</p:sld>
-</file>
-
-<file path=ppt/slides/slide19.xml><?xml version="1.0" encoding="utf-8"?>
-<p:sld xmlns:a="http://schemas.openxmlformats.org/drawingml/2006/main" xmlns:r="http://schemas.openxmlformats.org/officeDocument/2006/relationships" xmlns:p="http://schemas.openxmlformats.org/presentationml/2006/main">
-  <p:cSld>
-    <p:spTree>
-      <p:nvGrpSpPr>
-        <p:cNvPr id="1" name="Shape 255"/>
-        <p:cNvGrpSpPr/>
-        <p:nvPr/>
-      </p:nvGrpSpPr>
-      <p:grpSpPr>
-        <a:xfrm>
-          <a:off x="0" y="0"/>
-          <a:ext cx="0" cy="0"/>
-          <a:chOff x="0" y="0"/>
-          <a:chExt cx="0" cy="0"/>
-        </a:xfrm>
-      </p:grpSpPr>
-      <p:sp>
-        <p:nvSpPr>
-          <p:cNvPr id="257" name="Google Shape;257;p42"/>
-          <p:cNvSpPr txBox="1">
-            <a:spLocks noGrp="1"/>
-          </p:cNvSpPr>
-          <p:nvPr>
-            <p:ph type="body" idx="1"/>
-          </p:nvPr>
-        </p:nvSpPr>
-        <p:spPr>
-          <a:xfrm>
-            <a:off x="715100" y="1636300"/>
-            <a:ext cx="3856800" cy="1894800"/>
-          </a:xfrm>
-          <a:prstGeom prst="rect">
-            <a:avLst/>
-          </a:prstGeom>
-        </p:spPr>
-        <p:txBody>
-          <a:bodyPr spcFirstLastPara="1" wrap="square" lIns="91425" tIns="91425" rIns="91425" bIns="91425" anchor="t" anchorCtr="0">
-            <a:noAutofit/>
-          </a:bodyPr>
-          <a:lstStyle/>
-          <a:p>
-            <a:pPr marL="0" lvl="0" indent="0" algn="l" rtl="0">
-              <a:spcBef>
-                <a:spcPts val="0"/>
-              </a:spcBef>
-              <a:spcAft>
-                <a:spcPts val="0"/>
-              </a:spcAft>
-              <a:buNone/>
-            </a:pPr>
-            <a:r>
-              <a:rPr lang="uk-UA" sz="2400" dirty="0">
-                <a:latin typeface="Manrope" pitchFamily="2" charset="0"/>
-              </a:rPr>
-              <a:t>Користувач може користуватися системою тією мовою, якою зручно</a:t>
-            </a:r>
-          </a:p>
-        </p:txBody>
-      </p:sp>
-      <p:pic>
-        <p:nvPicPr>
-          <p:cNvPr id="4" name="Рисунок 3">
-            <a:extLst>
-              <a:ext uri="{FF2B5EF4-FFF2-40B4-BE49-F238E27FC236}">
-                <a16:creationId xmlns:a16="http://schemas.microsoft.com/office/drawing/2014/main" id="{4F7DE798-C247-42B5-A3D2-C9A4445534FC}"/>
-              </a:ext>
-            </a:extLst>
-          </p:cNvPr>
-          <p:cNvPicPr>
-            <a:picLocks noChangeAspect="1"/>
-          </p:cNvPicPr>
-          <p:nvPr/>
-        </p:nvPicPr>
-        <p:blipFill>
-          <a:blip r:embed="rId3"/>
-          <a:stretch>
-            <a:fillRect/>
-          </a:stretch>
-        </p:blipFill>
-        <p:spPr>
-          <a:xfrm>
-            <a:off x="6829425" y="0"/>
-            <a:ext cx="2314575" cy="5143500"/>
-          </a:xfrm>
-          <a:prstGeom prst="rect">
-            <a:avLst/>
-          </a:prstGeom>
-        </p:spPr>
-      </p:pic>
-    </p:spTree>
-    <p:extLst>
-      <p:ext uri="{BB962C8B-B14F-4D97-AF65-F5344CB8AC3E}">
-        <p14:creationId xmlns:p14="http://schemas.microsoft.com/office/powerpoint/2010/main" val="885208026"/>
-      </p:ext>
-    </p:extLst>
-  </p:cSld>
-  <p:clrMapOvr>
-    <a:masterClrMapping/>
-  </p:clrMapOvr>
-</p:sld>
-</file>
-
-<file path=ppt/slides/slide2.xml><?xml version="1.0" encoding="utf-8"?>
-<p:sld xmlns:a="http://schemas.openxmlformats.org/drawingml/2006/main" xmlns:r="http://schemas.openxmlformats.org/officeDocument/2006/relationships" xmlns:p="http://schemas.openxmlformats.org/presentationml/2006/main">
-  <p:cSld>
-    <p:spTree>
-      <p:nvGrpSpPr>
-        <p:cNvPr id="1" name="Shape 241"/>
-        <p:cNvGrpSpPr/>
-        <p:nvPr/>
-      </p:nvGrpSpPr>
-      <p:grpSpPr>
-        <a:xfrm>
-          <a:off x="0" y="0"/>
-          <a:ext cx="0" cy="0"/>
-          <a:chOff x="0" y="0"/>
-          <a:chExt cx="0" cy="0"/>
-        </a:xfrm>
-      </p:grpSpPr>
-      <p:sp>
-        <p:nvSpPr>
-          <p:cNvPr id="242" name="Google Shape;242;p40"/>
-          <p:cNvSpPr txBox="1">
-            <a:spLocks noGrp="1"/>
-          </p:cNvSpPr>
-          <p:nvPr>
-            <p:ph type="title"/>
-          </p:nvPr>
-        </p:nvSpPr>
-        <p:spPr>
-          <a:xfrm>
-            <a:off x="720000" y="535000"/>
-            <a:ext cx="5925300" cy="1250400"/>
-          </a:xfrm>
-          <a:prstGeom prst="rect">
-            <a:avLst/>
-          </a:prstGeom>
-        </p:spPr>
-        <p:txBody>
-          <a:bodyPr spcFirstLastPara="1" wrap="square" lIns="91425" tIns="91425" rIns="91425" bIns="91425" anchor="t" anchorCtr="0">
-            <a:noAutofit/>
-          </a:bodyPr>
-          <a:lstStyle/>
-          <a:p>
-            <a:pPr marL="0" lvl="0" indent="0" algn="l" rtl="0">
-              <a:spcBef>
-                <a:spcPts val="0"/>
-              </a:spcBef>
-              <a:spcAft>
-                <a:spcPts val="0"/>
-              </a:spcAft>
-              <a:buNone/>
-            </a:pPr>
-            <a:r>
-              <a:rPr lang="uk-UA" sz="6600" dirty="0">
-                <a:latin typeface="Roboto" panose="02000000000000000000" pitchFamily="2" charset="0"/>
-                <a:ea typeface="Roboto" panose="02000000000000000000" pitchFamily="2" charset="0"/>
-              </a:rPr>
-              <a:t>Актуальність</a:t>
-            </a:r>
-            <a:endParaRPr sz="6600" dirty="0">
-              <a:latin typeface="Roboto" panose="02000000000000000000" pitchFamily="2" charset="0"/>
-              <a:ea typeface="Roboto" panose="02000000000000000000" pitchFamily="2" charset="0"/>
-            </a:endParaRPr>
-          </a:p>
-        </p:txBody>
-      </p:sp>
-      <p:sp>
-        <p:nvSpPr>
-          <p:cNvPr id="243" name="Google Shape;243;p40"/>
-          <p:cNvSpPr txBox="1">
-            <a:spLocks noGrp="1"/>
-          </p:cNvSpPr>
-          <p:nvPr>
-            <p:ph type="subTitle" idx="1"/>
-          </p:nvPr>
-        </p:nvSpPr>
-        <p:spPr>
-          <a:xfrm>
-            <a:off x="4211392" y="2891308"/>
-            <a:ext cx="4217408" cy="1717192"/>
-          </a:xfrm>
-          <a:prstGeom prst="rect">
-            <a:avLst/>
-          </a:prstGeom>
-        </p:spPr>
-        <p:txBody>
-          <a:bodyPr spcFirstLastPara="1" wrap="square" lIns="91425" tIns="91425" rIns="91425" bIns="91425" anchor="t" anchorCtr="0">
-            <a:noAutofit/>
-          </a:bodyPr>
-          <a:lstStyle/>
-          <a:p>
-            <a:pPr marL="0" lvl="0" indent="0" algn="l" rtl="0">
-              <a:spcBef>
-                <a:spcPts val="0"/>
-              </a:spcBef>
-              <a:spcAft>
-                <a:spcPts val="0"/>
-              </a:spcAft>
-              <a:buNone/>
-            </a:pPr>
-            <a:r>
-              <a:rPr lang="uk-UA" sz="1600" dirty="0">
-                <a:latin typeface="Manrope" pitchFamily="2" charset="0"/>
-              </a:rPr>
-              <a:t>Багато девопсів стикаються з тим, що проекти, над якими вони працюють, потребують прямого втручання, проте люди не можуть постійно перебувати на робочому місці</a:t>
-            </a:r>
-            <a:endParaRPr sz="1600" dirty="0">
-              <a:latin typeface="Manrope" pitchFamily="2" charset="0"/>
-            </a:endParaRPr>
-          </a:p>
-        </p:txBody>
-      </p:sp>
-      <p:cxnSp>
-        <p:nvCxnSpPr>
-          <p:cNvPr id="244" name="Google Shape;244;p40">
-            <a:hlinkClick r:id="" action="ppaction://hlinkshowjump?jump=nextslide"/>
-          </p:cNvPr>
-          <p:cNvCxnSpPr/>
-          <p:nvPr/>
-        </p:nvCxnSpPr>
-        <p:spPr>
-          <a:xfrm>
-            <a:off x="715100" y="4414400"/>
-            <a:ext cx="483300" cy="0"/>
-          </a:xfrm>
-          <a:prstGeom prst="straightConnector1">
-            <a:avLst/>
-          </a:prstGeom>
-          <a:noFill/>
-          <a:ln w="9525" cap="flat" cmpd="sng">
-            <a:solidFill>
-              <a:schemeClr val="dk1"/>
-            </a:solidFill>
-            <a:prstDash val="solid"/>
-            <a:round/>
-            <a:headEnd type="none" w="med" len="med"/>
-            <a:tailEnd type="triangle" w="med" len="med"/>
-          </a:ln>
-        </p:spPr>
-      </p:cxnSp>
-    </p:spTree>
-  </p:cSld>
-  <p:clrMapOvr>
-    <a:masterClrMapping/>
-  </p:clrMapOvr>
-</p:sld>
-</file>
-
-<file path=ppt/slides/slide20.xml><?xml version="1.0" encoding="utf-8"?>
-<p:sld xmlns:a="http://schemas.openxmlformats.org/drawingml/2006/main" xmlns:r="http://schemas.openxmlformats.org/officeDocument/2006/relationships" xmlns:p="http://schemas.openxmlformats.org/presentationml/2006/main">
-  <p:cSld>
-    <p:spTree>
-      <p:nvGrpSpPr>
-        <p:cNvPr id="1" name="Shape 255"/>
-        <p:cNvGrpSpPr/>
-        <p:nvPr/>
-      </p:nvGrpSpPr>
-      <p:grpSpPr>
-        <a:xfrm>
-          <a:off x="0" y="0"/>
-          <a:ext cx="0" cy="0"/>
-          <a:chOff x="0" y="0"/>
-          <a:chExt cx="0" cy="0"/>
-        </a:xfrm>
-      </p:grpSpPr>
-      <p:sp>
-        <p:nvSpPr>
-          <p:cNvPr id="257" name="Google Shape;257;p42"/>
-          <p:cNvSpPr txBox="1">
-            <a:spLocks noGrp="1"/>
-          </p:cNvSpPr>
-          <p:nvPr>
-            <p:ph type="body" idx="1"/>
-          </p:nvPr>
-        </p:nvSpPr>
-        <p:spPr>
-          <a:xfrm>
-            <a:off x="4572000" y="1636300"/>
-            <a:ext cx="3856800" cy="1894800"/>
-          </a:xfrm>
-          <a:prstGeom prst="rect">
-            <a:avLst/>
-          </a:prstGeom>
-        </p:spPr>
-        <p:txBody>
-          <a:bodyPr spcFirstLastPara="1" wrap="square" lIns="91425" tIns="91425" rIns="91425" bIns="91425" anchor="ctr" anchorCtr="0">
-            <a:noAutofit/>
-          </a:bodyPr>
-          <a:lstStyle/>
-          <a:p>
-            <a:pPr marL="0" lvl="0" indent="0" algn="l" rtl="0">
-              <a:spcBef>
-                <a:spcPts val="0"/>
-              </a:spcBef>
-              <a:spcAft>
-                <a:spcPts val="0"/>
-              </a:spcAft>
-              <a:buNone/>
-            </a:pPr>
-            <a:r>
-              <a:rPr lang="uk-UA" sz="2400" dirty="0">
-                <a:latin typeface="Manrope" pitchFamily="2" charset="0"/>
-              </a:rPr>
-              <a:t>Зручний вивід відповіді від віртуальної машини</a:t>
-            </a:r>
-            <a:endParaRPr sz="2400" dirty="0">
-              <a:latin typeface="Manrope" pitchFamily="2" charset="0"/>
-            </a:endParaRPr>
-          </a:p>
-        </p:txBody>
-      </p:sp>
-      <p:pic>
-        <p:nvPicPr>
-          <p:cNvPr id="4" name="Рисунок 3">
-            <a:extLst>
-              <a:ext uri="{FF2B5EF4-FFF2-40B4-BE49-F238E27FC236}">
-                <a16:creationId xmlns:a16="http://schemas.microsoft.com/office/drawing/2014/main" id="{6D4A99E0-7882-4817-9ACE-DE9DAD163752}"/>
-              </a:ext>
-            </a:extLst>
-          </p:cNvPr>
-          <p:cNvPicPr>
-            <a:picLocks noChangeAspect="1"/>
-          </p:cNvPicPr>
-          <p:nvPr/>
-        </p:nvPicPr>
-        <p:blipFill>
-          <a:blip r:embed="rId3"/>
-          <a:stretch>
-            <a:fillRect/>
-          </a:stretch>
-        </p:blipFill>
-        <p:spPr>
-          <a:xfrm>
-            <a:off x="0" y="0"/>
-            <a:ext cx="2314575" cy="5143500"/>
-          </a:xfrm>
-          <a:prstGeom prst="rect">
-            <a:avLst/>
-          </a:prstGeom>
-        </p:spPr>
-      </p:pic>
-    </p:spTree>
-    <p:extLst>
-      <p:ext uri="{BB962C8B-B14F-4D97-AF65-F5344CB8AC3E}">
-        <p14:creationId xmlns:p14="http://schemas.microsoft.com/office/powerpoint/2010/main" val="3708141919"/>
-      </p:ext>
-    </p:extLst>
-  </p:cSld>
-  <p:clrMapOvr>
-    <a:masterClrMapping/>
-  </p:clrMapOvr>
-</p:sld>
-</file>
-
-<file path=ppt/slides/slide21.xml><?xml version="1.0" encoding="utf-8"?>
-<p:sld xmlns:a="http://schemas.openxmlformats.org/drawingml/2006/main" xmlns:r="http://schemas.openxmlformats.org/officeDocument/2006/relationships" xmlns:p="http://schemas.openxmlformats.org/presentationml/2006/main">
-  <p:cSld>
-    <p:spTree>
-      <p:nvGrpSpPr>
-        <p:cNvPr id="1" name="Shape 255"/>
-        <p:cNvGrpSpPr/>
-        <p:nvPr/>
-      </p:nvGrpSpPr>
-      <p:grpSpPr>
-        <a:xfrm>
-          <a:off x="0" y="0"/>
-          <a:ext cx="0" cy="0"/>
-          <a:chOff x="0" y="0"/>
-          <a:chExt cx="0" cy="0"/>
-        </a:xfrm>
-      </p:grpSpPr>
-      <p:sp>
-        <p:nvSpPr>
-          <p:cNvPr id="257" name="Google Shape;257;p42"/>
-          <p:cNvSpPr txBox="1">
-            <a:spLocks noGrp="1"/>
-          </p:cNvSpPr>
-          <p:nvPr>
-            <p:ph type="body" idx="1"/>
-          </p:nvPr>
-        </p:nvSpPr>
-        <p:spPr>
-          <a:xfrm>
-            <a:off x="715100" y="1636300"/>
-            <a:ext cx="3856800" cy="1894800"/>
-          </a:xfrm>
-          <a:prstGeom prst="rect">
-            <a:avLst/>
-          </a:prstGeom>
-        </p:spPr>
-        <p:txBody>
-          <a:bodyPr spcFirstLastPara="1" wrap="square" lIns="91425" tIns="91425" rIns="91425" bIns="91425" anchor="ctr" anchorCtr="0">
-            <a:noAutofit/>
-          </a:bodyPr>
-          <a:lstStyle/>
-          <a:p>
-            <a:pPr marL="0" lvl="0" indent="0" algn="l" rtl="0">
+            <a:pPr marL="0" lvl="0" indent="0" algn="r" rtl="0">
               <a:spcBef>
                 <a:spcPts val="0"/>
               </a:spcBef>
@@ -9090,6 +9092,328 @@
           </a:prstGeom>
         </p:spPr>
       </p:pic>
+      <p:pic>
+        <p:nvPicPr>
+          <p:cNvPr id="4" name="Рисунок 3">
+            <a:extLst>
+              <a:ext uri="{FF2B5EF4-FFF2-40B4-BE49-F238E27FC236}">
+                <a16:creationId xmlns:a16="http://schemas.microsoft.com/office/drawing/2014/main" id="{B86A3202-EC66-41DC-A4F8-2F2D51A5AE20}"/>
+              </a:ext>
+            </a:extLst>
+          </p:cNvPr>
+          <p:cNvPicPr>
+            <a:picLocks noChangeAspect="1"/>
+          </p:cNvPicPr>
+          <p:nvPr/>
+        </p:nvPicPr>
+        <p:blipFill>
+          <a:blip r:embed="rId4"/>
+          <a:stretch>
+            <a:fillRect/>
+          </a:stretch>
+        </p:blipFill>
+        <p:spPr>
+          <a:xfrm>
+            <a:off x="0" y="0"/>
+            <a:ext cx="2314575" cy="5143500"/>
+          </a:xfrm>
+          <a:prstGeom prst="rect">
+            <a:avLst/>
+          </a:prstGeom>
+        </p:spPr>
+      </p:pic>
+      <p:sp>
+        <p:nvSpPr>
+          <p:cNvPr id="5" name="Google Shape;257;p42">
+            <a:extLst>
+              <a:ext uri="{FF2B5EF4-FFF2-40B4-BE49-F238E27FC236}">
+                <a16:creationId xmlns:a16="http://schemas.microsoft.com/office/drawing/2014/main" id="{C53BC370-AFF9-4660-B775-6B4AD4898B3D}"/>
+              </a:ext>
+            </a:extLst>
+          </p:cNvPr>
+          <p:cNvSpPr txBox="1">
+            <a:spLocks/>
+          </p:cNvSpPr>
+          <p:nvPr/>
+        </p:nvSpPr>
+        <p:spPr>
+          <a:xfrm>
+            <a:off x="2550116" y="3123809"/>
+            <a:ext cx="3856800" cy="1894800"/>
+          </a:xfrm>
+          <a:prstGeom prst="rect">
+            <a:avLst/>
+          </a:prstGeom>
+          <a:noFill/>
+          <a:ln>
+            <a:noFill/>
+          </a:ln>
+        </p:spPr>
+        <p:txBody>
+          <a:bodyPr spcFirstLastPara="1" wrap="square" lIns="91425" tIns="91425" rIns="91425" bIns="91425" anchor="ctr" anchorCtr="0">
+            <a:noAutofit/>
+          </a:bodyPr>
+          <a:lstStyle>
+            <a:defPPr marR="0" lvl="0" algn="l" rtl="0">
+              <a:lnSpc>
+                <a:spcPct val="100000"/>
+              </a:lnSpc>
+              <a:spcBef>
+                <a:spcPts val="0"/>
+              </a:spcBef>
+              <a:spcAft>
+                <a:spcPts val="0"/>
+              </a:spcAft>
+            </a:defPPr>
+            <a:lvl1pPr marL="457200" marR="0" lvl="0" indent="-304800" algn="l" rtl="0">
+              <a:lnSpc>
+                <a:spcPct val="100000"/>
+              </a:lnSpc>
+              <a:spcBef>
+                <a:spcPts val="0"/>
+              </a:spcBef>
+              <a:spcAft>
+                <a:spcPts val="0"/>
+              </a:spcAft>
+              <a:buClr>
+                <a:schemeClr val="dk1"/>
+              </a:buClr>
+              <a:buSzPts val="1200"/>
+              <a:buFont typeface="Albert Sans"/>
+              <a:buChar char="●"/>
+              <a:defRPr sz="1200" b="0" i="0" u="none" strike="noStrike" cap="none">
+                <a:solidFill>
+                  <a:schemeClr val="dk1"/>
+                </a:solidFill>
+                <a:latin typeface="Albert Sans"/>
+                <a:ea typeface="Albert Sans"/>
+                <a:cs typeface="Albert Sans"/>
+                <a:sym typeface="Albert Sans"/>
+              </a:defRPr>
+            </a:lvl1pPr>
+            <a:lvl2pPr marL="914400" marR="0" lvl="1" indent="-304800" algn="l" rtl="0">
+              <a:lnSpc>
+                <a:spcPct val="100000"/>
+              </a:lnSpc>
+              <a:spcBef>
+                <a:spcPts val="0"/>
+              </a:spcBef>
+              <a:spcAft>
+                <a:spcPts val="0"/>
+              </a:spcAft>
+              <a:buClr>
+                <a:schemeClr val="dk1"/>
+              </a:buClr>
+              <a:buSzPts val="1200"/>
+              <a:buFont typeface="Albert Sans"/>
+              <a:buChar char="○"/>
+              <a:defRPr sz="1200" b="0" i="0" u="none" strike="noStrike" cap="none">
+                <a:solidFill>
+                  <a:schemeClr val="dk1"/>
+                </a:solidFill>
+                <a:latin typeface="Albert Sans"/>
+                <a:ea typeface="Albert Sans"/>
+                <a:cs typeface="Albert Sans"/>
+                <a:sym typeface="Albert Sans"/>
+              </a:defRPr>
+            </a:lvl2pPr>
+            <a:lvl3pPr marL="1371600" marR="0" lvl="2" indent="-304800" algn="l" rtl="0">
+              <a:lnSpc>
+                <a:spcPct val="100000"/>
+              </a:lnSpc>
+              <a:spcBef>
+                <a:spcPts val="0"/>
+              </a:spcBef>
+              <a:spcAft>
+                <a:spcPts val="0"/>
+              </a:spcAft>
+              <a:buClr>
+                <a:schemeClr val="dk1"/>
+              </a:buClr>
+              <a:buSzPts val="1200"/>
+              <a:buFont typeface="Albert Sans"/>
+              <a:buChar char="■"/>
+              <a:defRPr sz="1200" b="0" i="0" u="none" strike="noStrike" cap="none">
+                <a:solidFill>
+                  <a:schemeClr val="dk1"/>
+                </a:solidFill>
+                <a:latin typeface="Albert Sans"/>
+                <a:ea typeface="Albert Sans"/>
+                <a:cs typeface="Albert Sans"/>
+                <a:sym typeface="Albert Sans"/>
+              </a:defRPr>
+            </a:lvl3pPr>
+            <a:lvl4pPr marL="1828800" marR="0" lvl="3" indent="-304800" algn="l" rtl="0">
+              <a:lnSpc>
+                <a:spcPct val="100000"/>
+              </a:lnSpc>
+              <a:spcBef>
+                <a:spcPts val="0"/>
+              </a:spcBef>
+              <a:spcAft>
+                <a:spcPts val="0"/>
+              </a:spcAft>
+              <a:buClr>
+                <a:schemeClr val="dk1"/>
+              </a:buClr>
+              <a:buSzPts val="1200"/>
+              <a:buFont typeface="Albert Sans"/>
+              <a:buChar char="●"/>
+              <a:defRPr sz="1200" b="0" i="0" u="none" strike="noStrike" cap="none">
+                <a:solidFill>
+                  <a:schemeClr val="dk1"/>
+                </a:solidFill>
+                <a:latin typeface="Albert Sans"/>
+                <a:ea typeface="Albert Sans"/>
+                <a:cs typeface="Albert Sans"/>
+                <a:sym typeface="Albert Sans"/>
+              </a:defRPr>
+            </a:lvl4pPr>
+            <a:lvl5pPr marL="2286000" marR="0" lvl="4" indent="-304800" algn="l" rtl="0">
+              <a:lnSpc>
+                <a:spcPct val="100000"/>
+              </a:lnSpc>
+              <a:spcBef>
+                <a:spcPts val="0"/>
+              </a:spcBef>
+              <a:spcAft>
+                <a:spcPts val="0"/>
+              </a:spcAft>
+              <a:buClr>
+                <a:schemeClr val="dk1"/>
+              </a:buClr>
+              <a:buSzPts val="1200"/>
+              <a:buFont typeface="Albert Sans"/>
+              <a:buChar char="○"/>
+              <a:defRPr sz="1200" b="0" i="0" u="none" strike="noStrike" cap="none">
+                <a:solidFill>
+                  <a:schemeClr val="dk1"/>
+                </a:solidFill>
+                <a:latin typeface="Albert Sans"/>
+                <a:ea typeface="Albert Sans"/>
+                <a:cs typeface="Albert Sans"/>
+                <a:sym typeface="Albert Sans"/>
+              </a:defRPr>
+            </a:lvl5pPr>
+            <a:lvl6pPr marL="2743200" marR="0" lvl="5" indent="-304800" algn="l" rtl="0">
+              <a:lnSpc>
+                <a:spcPct val="100000"/>
+              </a:lnSpc>
+              <a:spcBef>
+                <a:spcPts val="0"/>
+              </a:spcBef>
+              <a:spcAft>
+                <a:spcPts val="0"/>
+              </a:spcAft>
+              <a:buClr>
+                <a:schemeClr val="dk1"/>
+              </a:buClr>
+              <a:buSzPts val="1200"/>
+              <a:buFont typeface="Albert Sans"/>
+              <a:buChar char="■"/>
+              <a:defRPr sz="1200" b="0" i="0" u="none" strike="noStrike" cap="none">
+                <a:solidFill>
+                  <a:schemeClr val="dk1"/>
+                </a:solidFill>
+                <a:latin typeface="Albert Sans"/>
+                <a:ea typeface="Albert Sans"/>
+                <a:cs typeface="Albert Sans"/>
+                <a:sym typeface="Albert Sans"/>
+              </a:defRPr>
+            </a:lvl6pPr>
+            <a:lvl7pPr marL="3200400" marR="0" lvl="6" indent="-304800" algn="l" rtl="0">
+              <a:lnSpc>
+                <a:spcPct val="100000"/>
+              </a:lnSpc>
+              <a:spcBef>
+                <a:spcPts val="0"/>
+              </a:spcBef>
+              <a:spcAft>
+                <a:spcPts val="0"/>
+              </a:spcAft>
+              <a:buClr>
+                <a:schemeClr val="dk1"/>
+              </a:buClr>
+              <a:buSzPts val="1200"/>
+              <a:buFont typeface="Albert Sans"/>
+              <a:buChar char="●"/>
+              <a:defRPr sz="1200" b="0" i="0" u="none" strike="noStrike" cap="none">
+                <a:solidFill>
+                  <a:schemeClr val="dk1"/>
+                </a:solidFill>
+                <a:latin typeface="Albert Sans"/>
+                <a:ea typeface="Albert Sans"/>
+                <a:cs typeface="Albert Sans"/>
+                <a:sym typeface="Albert Sans"/>
+              </a:defRPr>
+            </a:lvl7pPr>
+            <a:lvl8pPr marL="3657600" marR="0" lvl="7" indent="-304800" algn="l" rtl="0">
+              <a:lnSpc>
+                <a:spcPct val="100000"/>
+              </a:lnSpc>
+              <a:spcBef>
+                <a:spcPts val="0"/>
+              </a:spcBef>
+              <a:spcAft>
+                <a:spcPts val="0"/>
+              </a:spcAft>
+              <a:buClr>
+                <a:schemeClr val="dk1"/>
+              </a:buClr>
+              <a:buSzPts val="1200"/>
+              <a:buFont typeface="Albert Sans"/>
+              <a:buChar char="○"/>
+              <a:defRPr sz="1200" b="0" i="0" u="none" strike="noStrike" cap="none">
+                <a:solidFill>
+                  <a:schemeClr val="dk1"/>
+                </a:solidFill>
+                <a:latin typeface="Albert Sans"/>
+                <a:ea typeface="Albert Sans"/>
+                <a:cs typeface="Albert Sans"/>
+                <a:sym typeface="Albert Sans"/>
+              </a:defRPr>
+            </a:lvl8pPr>
+            <a:lvl9pPr marL="4114800" marR="0" lvl="8" indent="-304800" algn="l" rtl="0">
+              <a:lnSpc>
+                <a:spcPct val="100000"/>
+              </a:lnSpc>
+              <a:spcBef>
+                <a:spcPts val="0"/>
+              </a:spcBef>
+              <a:spcAft>
+                <a:spcPts val="0"/>
+              </a:spcAft>
+              <a:buClr>
+                <a:schemeClr val="dk1"/>
+              </a:buClr>
+              <a:buSzPts val="1200"/>
+              <a:buFont typeface="Albert Sans"/>
+              <a:buChar char="■"/>
+              <a:defRPr sz="1200" b="0" i="0" u="none" strike="noStrike" cap="none">
+                <a:solidFill>
+                  <a:schemeClr val="dk1"/>
+                </a:solidFill>
+                <a:latin typeface="Albert Sans"/>
+                <a:ea typeface="Albert Sans"/>
+                <a:cs typeface="Albert Sans"/>
+                <a:sym typeface="Albert Sans"/>
+              </a:defRPr>
+            </a:lvl9pPr>
+          </a:lstStyle>
+          <a:p>
+            <a:pPr marL="0" indent="0">
+              <a:buFont typeface="Albert Sans"/>
+              <a:buNone/>
+            </a:pPr>
+            <a:r>
+              <a:rPr lang="uk-UA" sz="2200" dirty="0">
+                <a:latin typeface="Manrope" pitchFamily="2" charset="0"/>
+              </a:rPr>
+              <a:t>Користувач може користуватися системою тією мовою, якою зручно</a:t>
+            </a:r>
+          </a:p>
+        </p:txBody>
+      </p:sp>
     </p:spTree>
     <p:extLst>
       <p:ext uri="{BB962C8B-B14F-4D97-AF65-F5344CB8AC3E}">
@@ -9103,7 +9427,151 @@
 </p:sld>
 </file>
 
-<file path=ppt/slides/slide22.xml><?xml version="1.0" encoding="utf-8"?>
+<file path=ppt/slides/slide16.xml><?xml version="1.0" encoding="utf-8"?>
+<p:sld xmlns:a="http://schemas.openxmlformats.org/drawingml/2006/main" xmlns:r="http://schemas.openxmlformats.org/officeDocument/2006/relationships" xmlns:p="http://schemas.openxmlformats.org/presentationml/2006/main">
+  <p:cSld>
+    <p:spTree>
+      <p:nvGrpSpPr>
+        <p:cNvPr id="1" name="Shape 255"/>
+        <p:cNvGrpSpPr/>
+        <p:nvPr/>
+      </p:nvGrpSpPr>
+      <p:grpSpPr>
+        <a:xfrm>
+          <a:off x="0" y="0"/>
+          <a:ext cx="0" cy="0"/>
+          <a:chOff x="0" y="0"/>
+          <a:chExt cx="0" cy="0"/>
+        </a:xfrm>
+      </p:grpSpPr>
+      <p:sp>
+        <p:nvSpPr>
+          <p:cNvPr id="6" name="Google Shape;242;p40">
+            <a:extLst>
+              <a:ext uri="{FF2B5EF4-FFF2-40B4-BE49-F238E27FC236}">
+                <a16:creationId xmlns:a16="http://schemas.microsoft.com/office/drawing/2014/main" id="{D4877F57-3B67-4486-A82F-E1BDDAA81BFF}"/>
+              </a:ext>
+            </a:extLst>
+          </p:cNvPr>
+          <p:cNvSpPr txBox="1">
+            <a:spLocks noGrp="1"/>
+          </p:cNvSpPr>
+          <p:nvPr>
+            <p:ph type="title"/>
+          </p:nvPr>
+        </p:nvSpPr>
+        <p:spPr>
+          <a:xfrm>
+            <a:off x="2864332" y="232346"/>
+            <a:ext cx="5925300" cy="1250400"/>
+          </a:xfrm>
+          <a:prstGeom prst="rect">
+            <a:avLst/>
+          </a:prstGeom>
+        </p:spPr>
+        <p:txBody>
+          <a:bodyPr spcFirstLastPara="1" wrap="square" lIns="91425" tIns="91425" rIns="91425" bIns="91425" anchor="t" anchorCtr="0">
+            <a:noAutofit/>
+          </a:bodyPr>
+          <a:lstStyle/>
+          <a:p>
+            <a:pPr marL="0" lvl="0" indent="0" algn="r" rtl="0">
+              <a:spcBef>
+                <a:spcPts val="0"/>
+              </a:spcBef>
+              <a:spcAft>
+                <a:spcPts val="0"/>
+              </a:spcAft>
+              <a:buNone/>
+            </a:pPr>
+            <a:r>
+              <a:rPr lang="uk-UA" sz="4000" dirty="0">
+                <a:latin typeface="Roboto" panose="02000000000000000000" pitchFamily="2" charset="0"/>
+                <a:ea typeface="Roboto" panose="02000000000000000000" pitchFamily="2" charset="0"/>
+              </a:rPr>
+              <a:t>Метрики</a:t>
+            </a:r>
+            <a:endParaRPr sz="4000" dirty="0">
+              <a:latin typeface="Roboto" panose="02000000000000000000" pitchFamily="2" charset="0"/>
+              <a:ea typeface="Roboto" panose="02000000000000000000" pitchFamily="2" charset="0"/>
+            </a:endParaRPr>
+          </a:p>
+        </p:txBody>
+      </p:sp>
+      <p:pic>
+        <p:nvPicPr>
+          <p:cNvPr id="7" name="Рисунок 6">
+            <a:extLst>
+              <a:ext uri="{FF2B5EF4-FFF2-40B4-BE49-F238E27FC236}">
+                <a16:creationId xmlns:a16="http://schemas.microsoft.com/office/drawing/2014/main" id="{6577CF43-934E-4D9C-98DE-C98BD00B9D5D}"/>
+              </a:ext>
+            </a:extLst>
+          </p:cNvPr>
+          <p:cNvPicPr>
+            <a:picLocks noChangeAspect="1"/>
+          </p:cNvPicPr>
+          <p:nvPr/>
+        </p:nvPicPr>
+        <p:blipFill>
+          <a:blip r:embed="rId3"/>
+          <a:stretch>
+            <a:fillRect/>
+          </a:stretch>
+        </p:blipFill>
+        <p:spPr>
+          <a:xfrm>
+            <a:off x="278201" y="483483"/>
+            <a:ext cx="4037527" cy="2691685"/>
+          </a:xfrm>
+          <a:prstGeom prst="rect">
+            <a:avLst/>
+          </a:prstGeom>
+        </p:spPr>
+      </p:pic>
+      <p:pic>
+        <p:nvPicPr>
+          <p:cNvPr id="9" name="Рисунок 8">
+            <a:extLst>
+              <a:ext uri="{FF2B5EF4-FFF2-40B4-BE49-F238E27FC236}">
+                <a16:creationId xmlns:a16="http://schemas.microsoft.com/office/drawing/2014/main" id="{00FAE92C-DC16-4188-81AA-6A999D56B919}"/>
+              </a:ext>
+            </a:extLst>
+          </p:cNvPr>
+          <p:cNvPicPr>
+            <a:picLocks noChangeAspect="1"/>
+          </p:cNvPicPr>
+          <p:nvPr/>
+        </p:nvPicPr>
+        <p:blipFill>
+          <a:blip r:embed="rId4"/>
+          <a:stretch>
+            <a:fillRect/>
+          </a:stretch>
+        </p:blipFill>
+        <p:spPr>
+          <a:xfrm>
+            <a:off x="4520498" y="1924135"/>
+            <a:ext cx="4480529" cy="2987019"/>
+          </a:xfrm>
+          <a:prstGeom prst="rect">
+            <a:avLst/>
+          </a:prstGeom>
+        </p:spPr>
+      </p:pic>
+    </p:spTree>
+    <p:extLst>
+      <p:ext uri="{BB962C8B-B14F-4D97-AF65-F5344CB8AC3E}">
+        <p14:creationId xmlns:p14="http://schemas.microsoft.com/office/powerpoint/2010/main" val="3708141919"/>
+      </p:ext>
+    </p:extLst>
+  </p:cSld>
+  <p:clrMapOvr>
+    <a:masterClrMapping/>
+  </p:clrMapOvr>
+</p:sld>
+</file>
+
+<file path=ppt/slides/slide17.xml><?xml version="1.0" encoding="utf-8"?>
 <p:sld xmlns:a="http://schemas.openxmlformats.org/drawingml/2006/main" xmlns:r="http://schemas.openxmlformats.org/officeDocument/2006/relationships" xmlns:p="http://schemas.openxmlformats.org/presentationml/2006/main">
   <p:cSld>
     <p:spTree>
@@ -9138,7 +9606,7 @@
         </p:nvSpPr>
         <p:spPr>
           <a:xfrm>
-            <a:off x="3657606" y="1358740"/>
+            <a:off x="218942" y="195616"/>
             <a:ext cx="5074269" cy="548700"/>
           </a:xfrm>
         </p:spPr>
@@ -9146,9 +9614,8 @@
           <a:bodyPr/>
           <a:lstStyle/>
           <a:p>
-            <a:pPr algn="r"/>
             <a:r>
-              <a:rPr lang="uk-UA" sz="6600" dirty="0">
+              <a:rPr lang="uk-UA" sz="4000" dirty="0">
                 <a:latin typeface="Roboto" panose="02000000000000000000" pitchFamily="2" charset="0"/>
                 <a:ea typeface="Roboto" panose="02000000000000000000" pitchFamily="2" charset="0"/>
               </a:rPr>
@@ -9175,8 +9642,8 @@
         </p:nvSpPr>
         <p:spPr>
           <a:xfrm>
-            <a:off x="714778" y="1929172"/>
-            <a:ext cx="7437550" cy="2662145"/>
+            <a:off x="173865" y="744316"/>
+            <a:ext cx="8751193" cy="4399184"/>
           </a:xfrm>
         </p:spPr>
         <p:txBody>
@@ -9188,7 +9655,7 @@
               <a:buAutoNum type="arabicPeriod"/>
             </a:pPr>
             <a:r>
-              <a:rPr lang="uk-UA" sz="1400" dirty="0">
+              <a:rPr lang="uk-UA" sz="2000" dirty="0">
                 <a:latin typeface="Manrope" pitchFamily="2" charset="0"/>
               </a:rPr>
               <a:t>Було сформульовано проблему та визначено необхідний функціонал</a:t>
@@ -9200,40 +9667,52 @@
               <a:buAutoNum type="arabicPeriod"/>
             </a:pPr>
             <a:r>
-              <a:rPr lang="uk-UA" sz="1400" dirty="0">
+              <a:rPr lang="uk-UA" sz="2000" dirty="0">
                 <a:latin typeface="Manrope" pitchFamily="2" charset="0"/>
               </a:rPr>
               <a:t>Використано технології</a:t>
             </a:r>
             <a:r>
-              <a:rPr lang="en-US" sz="1400" dirty="0">
+              <a:rPr lang="en-US" sz="2000" dirty="0">
                 <a:latin typeface="Manrope" pitchFamily="2" charset="0"/>
               </a:rPr>
               <a:t>: </a:t>
             </a:r>
             <a:r>
-              <a:rPr lang="uk-UA" sz="1400" dirty="0">
+              <a:rPr lang="uk-UA" sz="2000" dirty="0">
                 <a:latin typeface="Manrope" pitchFamily="2" charset="0"/>
               </a:rPr>
               <a:t> </a:t>
             </a:r>
             <a:r>
-              <a:rPr lang="en-US" sz="1400" dirty="0">
+              <a:rPr lang="en-US" sz="2000" dirty="0">
                 <a:latin typeface="Manrope" pitchFamily="2" charset="0"/>
               </a:rPr>
-              <a:t>C#, Python, MS SQL Server, Redis, Entity Framework Core </a:t>
+              <a:t>C#, Python, MS SQL Server, Redis, Entity Framework Core</a:t>
             </a:r>
             <a:r>
-              <a:rPr lang="uk-UA" sz="1400" dirty="0">
+              <a:rPr lang="uk-UA" sz="2000" dirty="0">
                 <a:latin typeface="Manrope" pitchFamily="2" charset="0"/>
               </a:rPr>
-              <a:t>та </a:t>
+              <a:t>, </a:t>
             </a:r>
             <a:r>
-              <a:rPr lang="en-US" sz="1400" dirty="0">
+              <a:rPr lang="en-US" sz="2000" dirty="0">
                 <a:latin typeface="Manrope" pitchFamily="2" charset="0"/>
               </a:rPr>
               <a:t>SSH.NET</a:t>
+            </a:r>
+            <a:r>
+              <a:rPr lang="uk-UA" sz="2000" dirty="0">
+                <a:latin typeface="Manrope" pitchFamily="2" charset="0"/>
+              </a:rPr>
+              <a:t> та </a:t>
+            </a:r>
+            <a:r>
+              <a:rPr lang="en-US" sz="2000" dirty="0">
+                <a:latin typeface="Manrope" pitchFamily="2" charset="0"/>
+              </a:rPr>
+              <a:t>Telegram.Bot.</a:t>
             </a:r>
           </a:p>
           <a:p>
@@ -9242,10 +9721,10 @@
               <a:buAutoNum type="arabicPeriod"/>
             </a:pPr>
             <a:r>
-              <a:rPr lang="uk-UA" sz="1400" dirty="0">
+              <a:rPr lang="uk-UA" sz="2000" dirty="0">
                 <a:latin typeface="Manrope" pitchFamily="2" charset="0"/>
               </a:rPr>
-              <a:t>Було спроектовано додаток</a:t>
+              <a:t>Було розроблено серверну частину, яка повністю виконує всі поставленні завдання</a:t>
             </a:r>
           </a:p>
           <a:p>
@@ -9254,10 +9733,22 @@
               <a:buAutoNum type="arabicPeriod"/>
             </a:pPr>
             <a:r>
-              <a:rPr lang="uk-UA" sz="1400" dirty="0">
+              <a:rPr lang="uk-UA" sz="2000" dirty="0">
                 <a:latin typeface="Manrope" pitchFamily="2" charset="0"/>
               </a:rPr>
-              <a:t>Розроблено алгоритми функціонування системи, визначено порядок взаємодії класів під час виконання програмного коду та реалізовано додаток</a:t>
+              <a:t>В проект було інтегровано </a:t>
+            </a:r>
+            <a:r>
+              <a:rPr lang="en-US" sz="2000" dirty="0">
+                <a:latin typeface="Manrope" pitchFamily="2" charset="0"/>
+              </a:rPr>
+              <a:t>Telegram Bot Api</a:t>
+            </a:r>
+            <a:r>
+              <a:rPr lang="uk-UA" sz="2000" dirty="0">
+                <a:latin typeface="Manrope" pitchFamily="2" charset="0"/>
+              </a:rPr>
+              <a:t>, що дозволило створити зручний інтерфейс для будь-якого пристрою</a:t>
             </a:r>
           </a:p>
           <a:p>
@@ -9266,17 +9757,17 @@
               <a:buAutoNum type="arabicPeriod"/>
             </a:pPr>
             <a:r>
-              <a:rPr lang="uk-UA" sz="1400" dirty="0">
+              <a:rPr lang="uk-UA" sz="2000" dirty="0">
                 <a:latin typeface="Manrope" pitchFamily="2" charset="0"/>
               </a:rPr>
-              <a:t>Проведено тестування додатку </a:t>
+              <a:t>Систему було протестовано. Всі знайдені баги були виправлені</a:t>
             </a:r>
             <a:br>
-              <a:rPr lang="uk-UA" sz="1400" dirty="0">
+              <a:rPr lang="uk-UA" sz="2000" dirty="0">
                 <a:latin typeface="Manrope" pitchFamily="2" charset="0"/>
               </a:rPr>
             </a:br>
-            <a:endParaRPr lang="uk-UA" sz="1600" dirty="0">
+            <a:endParaRPr lang="uk-UA" sz="2000" dirty="0">
               <a:latin typeface="Manrope" pitchFamily="2" charset="0"/>
             </a:endParaRPr>
           </a:p>
@@ -9285,7 +9776,7 @@
               <a:buNone/>
             </a:pPr>
             <a:r>
-              <a:rPr lang="uk-UA" sz="1600" dirty="0">
+              <a:rPr lang="uk-UA" sz="2000" dirty="0">
                 <a:latin typeface="Manrope" pitchFamily="2" charset="0"/>
               </a:rPr>
               <a:t>Реалізований проект, складається з 2 частин. В поєднанні вони створюють зручний кишеньковий додаток, який вирішує поставлену проблему</a:t>
@@ -9306,7 +9797,7 @@
 </p:sld>
 </file>
 
-<file path=ppt/slides/slide23.xml><?xml version="1.0" encoding="utf-8"?>
+<file path=ppt/slides/slide18.xml><?xml version="1.0" encoding="utf-8"?>
 <p:sld xmlns:a="http://schemas.openxmlformats.org/drawingml/2006/main" xmlns:r="http://schemas.openxmlformats.org/officeDocument/2006/relationships" xmlns:p="http://schemas.openxmlformats.org/presentationml/2006/main">
   <p:cSld>
     <p:spTree>
@@ -9405,6 +9896,153 @@
         <p14:creationId xmlns:p14="http://schemas.microsoft.com/office/powerpoint/2010/main" val="2551569830"/>
       </p:ext>
     </p:extLst>
+  </p:cSld>
+  <p:clrMapOvr>
+    <a:masterClrMapping/>
+  </p:clrMapOvr>
+</p:sld>
+</file>
+
+<file path=ppt/slides/slide2.xml><?xml version="1.0" encoding="utf-8"?>
+<p:sld xmlns:a="http://schemas.openxmlformats.org/drawingml/2006/main" xmlns:r="http://schemas.openxmlformats.org/officeDocument/2006/relationships" xmlns:p="http://schemas.openxmlformats.org/presentationml/2006/main">
+  <p:cSld>
+    <p:spTree>
+      <p:nvGrpSpPr>
+        <p:cNvPr id="1" name="Shape 241"/>
+        <p:cNvGrpSpPr/>
+        <p:nvPr/>
+      </p:nvGrpSpPr>
+      <p:grpSpPr>
+        <a:xfrm>
+          <a:off x="0" y="0"/>
+          <a:ext cx="0" cy="0"/>
+          <a:chOff x="0" y="0"/>
+          <a:chExt cx="0" cy="0"/>
+        </a:xfrm>
+      </p:grpSpPr>
+      <p:sp>
+        <p:nvSpPr>
+          <p:cNvPr id="242" name="Google Shape;242;p40"/>
+          <p:cNvSpPr txBox="1">
+            <a:spLocks noGrp="1"/>
+          </p:cNvSpPr>
+          <p:nvPr>
+            <p:ph type="title"/>
+          </p:nvPr>
+        </p:nvSpPr>
+        <p:spPr>
+          <a:xfrm>
+            <a:off x="720000" y="535000"/>
+            <a:ext cx="5925300" cy="1250400"/>
+          </a:xfrm>
+          <a:prstGeom prst="rect">
+            <a:avLst/>
+          </a:prstGeom>
+        </p:spPr>
+        <p:txBody>
+          <a:bodyPr spcFirstLastPara="1" wrap="square" lIns="91425" tIns="91425" rIns="91425" bIns="91425" anchor="t" anchorCtr="0">
+            <a:noAutofit/>
+          </a:bodyPr>
+          <a:lstStyle/>
+          <a:p>
+            <a:pPr marL="0" lvl="0" indent="0" algn="l" rtl="0">
+              <a:spcBef>
+                <a:spcPts val="0"/>
+              </a:spcBef>
+              <a:spcAft>
+                <a:spcPts val="0"/>
+              </a:spcAft>
+              <a:buNone/>
+            </a:pPr>
+            <a:r>
+              <a:rPr lang="uk-UA" sz="4000" dirty="0">
+                <a:latin typeface="Roboto" panose="02000000000000000000" pitchFamily="2" charset="0"/>
+                <a:ea typeface="Roboto" panose="02000000000000000000" pitchFamily="2" charset="0"/>
+              </a:rPr>
+              <a:t>Актуальність</a:t>
+            </a:r>
+            <a:endParaRPr sz="4000" dirty="0">
+              <a:latin typeface="Roboto" panose="02000000000000000000" pitchFamily="2" charset="0"/>
+              <a:ea typeface="Roboto" panose="02000000000000000000" pitchFamily="2" charset="0"/>
+            </a:endParaRPr>
+          </a:p>
+        </p:txBody>
+      </p:sp>
+      <p:sp>
+        <p:nvSpPr>
+          <p:cNvPr id="243" name="Google Shape;243;p40"/>
+          <p:cNvSpPr txBox="1">
+            <a:spLocks noGrp="1"/>
+          </p:cNvSpPr>
+          <p:nvPr>
+            <p:ph type="subTitle" idx="1"/>
+          </p:nvPr>
+        </p:nvSpPr>
+        <p:spPr>
+          <a:xfrm>
+            <a:off x="3503054" y="2414797"/>
+            <a:ext cx="4925746" cy="2193703"/>
+          </a:xfrm>
+          <a:prstGeom prst="rect">
+            <a:avLst/>
+          </a:prstGeom>
+        </p:spPr>
+        <p:txBody>
+          <a:bodyPr spcFirstLastPara="1" wrap="square" lIns="91425" tIns="91425" rIns="91425" bIns="91425" anchor="t" anchorCtr="0">
+            <a:noAutofit/>
+          </a:bodyPr>
+          <a:lstStyle/>
+          <a:p>
+            <a:pPr marL="0" lvl="0" indent="0" algn="l" rtl="0">
+              <a:spcBef>
+                <a:spcPts val="0"/>
+              </a:spcBef>
+              <a:spcAft>
+                <a:spcPts val="0"/>
+              </a:spcAft>
+              <a:buNone/>
+            </a:pPr>
+            <a:r>
+              <a:rPr lang="uk-UA" sz="2200" dirty="0">
+                <a:latin typeface="Manrope" pitchFamily="2" charset="0"/>
+              </a:rPr>
+              <a:t>Багато девопсів стикаються з тим, що проекти, над якими вони працюють, потребують прямого втручання, проте люди не можуть постійно перебувати на робочому місці</a:t>
+            </a:r>
+            <a:endParaRPr sz="2200" dirty="0">
+              <a:latin typeface="Manrope" pitchFamily="2" charset="0"/>
+            </a:endParaRPr>
+          </a:p>
+        </p:txBody>
+      </p:sp>
+      <p:cxnSp>
+        <p:nvCxnSpPr>
+          <p:cNvPr id="244" name="Google Shape;244;p40">
+            <a:hlinkClick r:id="" action="ppaction://hlinkshowjump?jump=nextslide"/>
+          </p:cNvPr>
+          <p:cNvCxnSpPr/>
+          <p:nvPr/>
+        </p:nvCxnSpPr>
+        <p:spPr>
+          <a:xfrm>
+            <a:off x="715100" y="4414400"/>
+            <a:ext cx="483300" cy="0"/>
+          </a:xfrm>
+          <a:prstGeom prst="straightConnector1">
+            <a:avLst/>
+          </a:prstGeom>
+          <a:noFill/>
+          <a:ln w="9525" cap="flat" cmpd="sng">
+            <a:solidFill>
+              <a:schemeClr val="dk1"/>
+            </a:solidFill>
+            <a:prstDash val="solid"/>
+            <a:round/>
+            <a:headEnd type="none" w="med" len="med"/>
+            <a:tailEnd type="triangle" w="med" len="med"/>
+          </a:ln>
+        </p:spPr>
+      </p:cxnSp>
+    </p:spTree>
   </p:cSld>
   <p:clrMapOvr>
     <a:masterClrMapping/>
@@ -9464,24 +10102,24 @@
               <a:buNone/>
             </a:pPr>
             <a:r>
-              <a:rPr lang="uk-UA" sz="2400" dirty="0">
+              <a:rPr lang="uk-UA" sz="2200" dirty="0">
                 <a:latin typeface="Manrope" pitchFamily="2" charset="0"/>
               </a:rPr>
               <a:t>Метою розроблюваного застосунку є надання можливості девопсам віддалено, з будь-якої точки</a:t>
             </a:r>
             <a:r>
-              <a:rPr lang="en-US" sz="2400" dirty="0">
+              <a:rPr lang="en-US" sz="2200" dirty="0">
                 <a:latin typeface="Manrope" pitchFamily="2" charset="0"/>
               </a:rPr>
               <a:t> </a:t>
             </a:r>
             <a:r>
-              <a:rPr lang="uk-UA" sz="2400" dirty="0">
+              <a:rPr lang="uk-UA" sz="2200" dirty="0">
                 <a:latin typeface="Manrope" pitchFamily="2" charset="0"/>
               </a:rPr>
               <a:t>світу, виправляти проблеми, що виникають або просто слідкувати за станом їх віртуальних машин</a:t>
             </a:r>
-            <a:endParaRPr sz="2400" dirty="0">
+            <a:endParaRPr sz="2200" dirty="0">
               <a:latin typeface="Manrope" pitchFamily="2" charset="0"/>
             </a:endParaRPr>
           </a:p>
@@ -9505,7 +10143,7 @@
         </p:nvSpPr>
         <p:spPr>
           <a:xfrm>
-            <a:off x="3303437" y="257597"/>
+            <a:off x="2878434" y="399265"/>
             <a:ext cx="5074269" cy="548700"/>
           </a:xfrm>
         </p:spPr>
@@ -9515,7 +10153,7 @@
           <a:p>
             <a:pPr algn="r"/>
             <a:r>
-              <a:rPr lang="uk-UA" sz="6600" dirty="0">
+              <a:rPr lang="uk-UA" sz="4000" dirty="0">
                 <a:latin typeface="Roboto" panose="02000000000000000000" pitchFamily="2" charset="0"/>
                 <a:ea typeface="Roboto" panose="02000000000000000000" pitchFamily="2" charset="0"/>
               </a:rPr>
@@ -9561,8 +10199,8 @@
         </p:nvSpPr>
         <p:spPr>
           <a:xfrm>
-            <a:off x="715100" y="1546140"/>
-            <a:ext cx="3412579" cy="2676020"/>
+            <a:off x="592428" y="1233740"/>
+            <a:ext cx="4044799" cy="3402651"/>
           </a:xfrm>
           <a:prstGeom prst="rect">
             <a:avLst/>
@@ -9585,7 +10223,7 @@
               <a:buChar char="–"/>
             </a:pPr>
             <a:r>
-              <a:rPr lang="uk-UA" sz="1800" dirty="0">
+              <a:rPr lang="uk-UA" sz="2200" dirty="0">
                 <a:latin typeface="Manrope" pitchFamily="2" charset="0"/>
               </a:rPr>
               <a:t>Розробити можливість авторизації та реєстрації</a:t>
@@ -9603,19 +10241,19 @@
               <a:buChar char="–"/>
             </a:pPr>
             <a:r>
-              <a:rPr lang="uk-UA" sz="1800" dirty="0">
+              <a:rPr lang="uk-UA" sz="2200" dirty="0">
                 <a:latin typeface="Manrope" pitchFamily="2" charset="0"/>
               </a:rPr>
               <a:t>Розробити  клієнт </a:t>
             </a:r>
             <a:r>
-              <a:rPr lang="en-US" sz="1800" dirty="0">
+              <a:rPr lang="en-US" sz="2200" dirty="0">
                 <a:latin typeface="Manrope" pitchFamily="2" charset="0"/>
               </a:rPr>
               <a:t>SSH-</a:t>
             </a:r>
             <a:r>
-              <a:rPr lang="uk-UA" sz="1800" dirty="0">
+              <a:rPr lang="uk-UA" sz="2200" dirty="0">
                 <a:latin typeface="Manrope" pitchFamily="2" charset="0"/>
               </a:rPr>
               <a:t>підключення</a:t>
@@ -9633,19 +10271,19 @@
               <a:buChar char="–"/>
             </a:pPr>
             <a:r>
-              <a:rPr lang="uk-UA" sz="1800" dirty="0">
+              <a:rPr lang="uk-UA" sz="2200" dirty="0">
                 <a:latin typeface="Manrope" pitchFamily="2" charset="0"/>
               </a:rPr>
               <a:t>Розробити клієнт </a:t>
             </a:r>
             <a:r>
-              <a:rPr lang="en-US" sz="1800" dirty="0">
+              <a:rPr lang="en-US" sz="2200" dirty="0">
                 <a:latin typeface="Manrope" pitchFamily="2" charset="0"/>
               </a:rPr>
               <a:t>SFTP-</a:t>
             </a:r>
             <a:r>
-              <a:rPr lang="uk-UA" sz="1800" dirty="0">
+              <a:rPr lang="uk-UA" sz="2200" dirty="0">
                 <a:latin typeface="Manrope" pitchFamily="2" charset="0"/>
               </a:rPr>
               <a:t>підключення</a:t>
@@ -9663,12 +10301,36 @@
               <a:buChar char="–"/>
             </a:pPr>
             <a:r>
-              <a:rPr lang="uk-UA" sz="1800" dirty="0">
+              <a:rPr lang="uk-UA" sz="2200" dirty="0">
                 <a:latin typeface="Manrope" pitchFamily="2" charset="0"/>
               </a:rPr>
               <a:t>Розробити клієнт збору метрик</a:t>
             </a:r>
-            <a:endParaRPr sz="1800" dirty="0">
+          </a:p>
+          <a:p>
+            <a:pPr marL="342900" indent="-342900">
+              <a:buFont typeface="Manrope" pitchFamily="2" charset="0"/>
+              <a:buChar char="–"/>
+            </a:pPr>
+            <a:r>
+              <a:rPr lang="uk-UA" sz="2200" dirty="0">
+                <a:latin typeface="Manrope" pitchFamily="2" charset="0"/>
+              </a:rPr>
+              <a:t>Локалізувати систему</a:t>
+            </a:r>
+          </a:p>
+          <a:p>
+            <a:pPr marL="342900" lvl="0" indent="-342900" algn="l" rtl="0">
+              <a:spcBef>
+                <a:spcPts val="0"/>
+              </a:spcBef>
+              <a:spcAft>
+                <a:spcPts val="0"/>
+              </a:spcAft>
+              <a:buFont typeface="Manrope" pitchFamily="2" charset="0"/>
+              <a:buChar char="–"/>
+            </a:pPr>
+            <a:endParaRPr sz="2200" dirty="0">
               <a:latin typeface="Manrope" pitchFamily="2" charset="0"/>
             </a:endParaRPr>
           </a:p>
@@ -9718,7 +10380,7 @@
         </p:nvSpPr>
         <p:spPr>
           <a:xfrm>
-            <a:off x="1358721" y="285042"/>
+            <a:off x="1448873" y="362315"/>
             <a:ext cx="7560409" cy="1250400"/>
           </a:xfrm>
           <a:prstGeom prst="rect">
@@ -9960,7 +10622,7 @@
           </a:lstStyle>
           <a:p>
             <a:r>
-              <a:rPr lang="uk-UA" sz="6600" dirty="0">
+              <a:rPr lang="uk-UA" sz="4000" dirty="0">
                 <a:latin typeface="Roboto" panose="02000000000000000000" pitchFamily="2" charset="0"/>
                 <a:ea typeface="Roboto" panose="02000000000000000000" pitchFamily="2" charset="0"/>
               </a:rPr>
@@ -9985,8 +10647,8 @@
         </p:nvSpPr>
         <p:spPr>
           <a:xfrm>
-            <a:off x="4572000" y="1535442"/>
-            <a:ext cx="3412579" cy="2676020"/>
+            <a:off x="4758744" y="1233740"/>
+            <a:ext cx="3792828" cy="3402651"/>
           </a:xfrm>
           <a:prstGeom prst="rect">
             <a:avLst/>
@@ -10253,7 +10915,7 @@
               <a:buChar char="–"/>
             </a:pPr>
             <a:r>
-              <a:rPr lang="uk-UA" sz="1800" dirty="0">
+              <a:rPr lang="uk-UA" sz="2200" dirty="0">
                 <a:latin typeface="Manrope" pitchFamily="2" charset="0"/>
               </a:rPr>
               <a:t>Реалізувати можливість додання віртуальних машин</a:t>
@@ -10265,13 +10927,25 @@
               <a:buChar char="–"/>
             </a:pPr>
             <a:r>
-              <a:rPr lang="uk-UA" sz="1800" dirty="0">
+              <a:rPr lang="uk-UA" sz="2200" dirty="0">
+                <a:latin typeface="Manrope" pitchFamily="2" charset="0"/>
+              </a:rPr>
+              <a:t>Розробити модуль маніпуляції акаунтами та машинами</a:t>
+            </a:r>
+          </a:p>
+          <a:p>
+            <a:pPr marL="342900" indent="-342900">
+              <a:buFont typeface="Manrope" pitchFamily="2" charset="0"/>
+              <a:buChar char="–"/>
+            </a:pPr>
+            <a:r>
+              <a:rPr lang="uk-UA" sz="2200" dirty="0">
                 <a:latin typeface="Manrope" pitchFamily="2" charset="0"/>
               </a:rPr>
               <a:t>Розробити захищений </a:t>
             </a:r>
             <a:r>
-              <a:rPr lang="en-US" sz="1800" dirty="0">
+              <a:rPr lang="en-US" sz="2200" dirty="0">
                 <a:latin typeface="Manrope" pitchFamily="2" charset="0"/>
               </a:rPr>
               <a:t>API</a:t>
@@ -10283,30 +10957,18 @@
               <a:buChar char="–"/>
             </a:pPr>
             <a:r>
-              <a:rPr lang="uk-UA" sz="1800" dirty="0">
-                <a:latin typeface="Manrope" pitchFamily="2" charset="0"/>
-              </a:rPr>
-              <a:t>Локалізувати систему</a:t>
-            </a:r>
-          </a:p>
-          <a:p>
-            <a:pPr marL="342900" indent="-342900">
-              <a:buFont typeface="Manrope" pitchFamily="2" charset="0"/>
-              <a:buChar char="–"/>
-            </a:pPr>
-            <a:r>
-              <a:rPr lang="uk-UA" sz="1800" dirty="0">
+              <a:rPr lang="uk-UA" sz="2200" dirty="0">
                 <a:latin typeface="Manrope" pitchFamily="2" charset="0"/>
               </a:rPr>
               <a:t>Інтегрувати в проект </a:t>
             </a:r>
             <a:r>
-              <a:rPr lang="en-US" sz="1800" dirty="0">
+              <a:rPr lang="en-US" sz="2200" dirty="0">
                 <a:latin typeface="Manrope" pitchFamily="2" charset="0"/>
               </a:rPr>
               <a:t>Telegram Bot Api</a:t>
             </a:r>
-            <a:endParaRPr lang="uk-UA" sz="1800" dirty="0">
+            <a:endParaRPr lang="uk-UA" sz="2200" dirty="0">
               <a:latin typeface="Manrope" pitchFamily="2" charset="0"/>
             </a:endParaRPr>
           </a:p>
@@ -10354,7 +11016,7 @@
         </p:nvSpPr>
         <p:spPr>
           <a:xfrm>
-            <a:off x="715100" y="316059"/>
+            <a:off x="715100" y="580076"/>
             <a:ext cx="5925300" cy="1250400"/>
           </a:xfrm>
           <a:prstGeom prst="rect">
@@ -10377,27 +11039,27 @@
               <a:buNone/>
             </a:pPr>
             <a:r>
-              <a:rPr lang="uk-UA" sz="6600" dirty="0">
+              <a:rPr lang="uk-UA" sz="4000" dirty="0">
                 <a:latin typeface="Roboto" panose="02000000000000000000" pitchFamily="2" charset="0"/>
                 <a:ea typeface="Roboto" panose="02000000000000000000" pitchFamily="2" charset="0"/>
               </a:rPr>
               <a:t>Об</a:t>
             </a:r>
             <a:r>
-              <a:rPr lang="en-US" sz="6600" dirty="0">
+              <a:rPr lang="en-US" sz="4000" dirty="0">
                 <a:latin typeface="Roboto" panose="02000000000000000000" pitchFamily="2" charset="0"/>
                 <a:ea typeface="Roboto" panose="02000000000000000000" pitchFamily="2" charset="0"/>
               </a:rPr>
               <a:t>’</a:t>
             </a:r>
             <a:r>
-              <a:rPr lang="uk-UA" sz="6600" dirty="0">
+              <a:rPr lang="uk-UA" sz="4000" dirty="0">
                 <a:latin typeface="Roboto" panose="02000000000000000000" pitchFamily="2" charset="0"/>
                 <a:ea typeface="Roboto" panose="02000000000000000000" pitchFamily="2" charset="0"/>
               </a:rPr>
               <a:t>єкт дослідження</a:t>
             </a:r>
-            <a:endParaRPr sz="6600" dirty="0">
+            <a:endParaRPr sz="4000" dirty="0">
               <a:latin typeface="Roboto" panose="02000000000000000000" pitchFamily="2" charset="0"/>
               <a:ea typeface="Roboto" panose="02000000000000000000" pitchFamily="2" charset="0"/>
             </a:endParaRPr>
@@ -10439,12 +11101,12 @@
               <a:buNone/>
             </a:pPr>
             <a:r>
-              <a:rPr lang="uk-UA" sz="2400" dirty="0">
+              <a:rPr lang="uk-UA" sz="2200" dirty="0">
                 <a:latin typeface="Manrope" pitchFamily="2" charset="0"/>
               </a:rPr>
               <a:t>Реалізація системи віддаленої взаємодії із віртуальними машинами</a:t>
             </a:r>
-            <a:endParaRPr sz="2400" dirty="0">
+            <a:endParaRPr sz="2200" dirty="0">
               <a:latin typeface="Manrope" pitchFamily="2" charset="0"/>
             </a:endParaRPr>
           </a:p>
@@ -10520,7 +11182,7 @@
         </p:nvSpPr>
         <p:spPr>
           <a:xfrm>
-            <a:off x="715048" y="294448"/>
+            <a:off x="715049" y="273175"/>
             <a:ext cx="7713900" cy="548700"/>
           </a:xfrm>
           <a:prstGeom prst="rect">
@@ -10546,13 +11208,13 @@
               <a:buNone/>
             </a:pPr>
             <a:r>
-              <a:rPr lang="uk-UA" sz="3600" dirty="0">
+              <a:rPr lang="uk-UA" sz="4000" dirty="0">
                 <a:latin typeface="Roboto" panose="02000000000000000000" pitchFamily="2" charset="0"/>
                 <a:ea typeface="Roboto" panose="02000000000000000000" pitchFamily="2" charset="0"/>
               </a:rPr>
               <a:t>Використаний стек технологій</a:t>
             </a:r>
-            <a:endParaRPr sz="3600" dirty="0">
+            <a:endParaRPr sz="4000" dirty="0">
               <a:latin typeface="Roboto" panose="02000000000000000000" pitchFamily="2" charset="0"/>
               <a:ea typeface="Roboto" panose="02000000000000000000" pitchFamily="2" charset="0"/>
             </a:endParaRPr>
@@ -10687,7 +11349,7 @@
         </p:nvSpPr>
         <p:spPr>
           <a:xfrm>
-            <a:off x="4511596" y="4322290"/>
+            <a:off x="3775444" y="4322290"/>
             <a:ext cx="120900" cy="120900"/>
           </a:xfrm>
           <a:prstGeom prst="rect">
@@ -10869,7 +11531,7 @@
         <p:spPr>
           <a:xfrm>
             <a:off x="2061196" y="4382740"/>
-            <a:ext cx="2450400" cy="0"/>
+            <a:ext cx="1714248" cy="0"/>
           </a:xfrm>
           <a:prstGeom prst="straightConnector1">
             <a:avLst/>
@@ -10897,8 +11559,8 @@
         </p:nvCxnSpPr>
         <p:spPr>
           <a:xfrm>
-            <a:off x="4632496" y="4382740"/>
-            <a:ext cx="2450400" cy="0"/>
+            <a:off x="3896344" y="4382740"/>
+            <a:ext cx="3186552" cy="0"/>
           </a:xfrm>
           <a:prstGeom prst="straightConnector1">
             <a:avLst/>
@@ -11165,7 +11827,7 @@
         </p:blipFill>
         <p:spPr bwMode="auto">
           <a:xfrm>
-            <a:off x="4062065" y="3155757"/>
+            <a:off x="3362708" y="3155757"/>
             <a:ext cx="1019867" cy="1019867"/>
           </a:xfrm>
           <a:prstGeom prst="rect">
@@ -11214,6 +11876,99 @@
           <a:xfrm>
             <a:off x="6633318" y="3155757"/>
             <a:ext cx="1019867" cy="1019867"/>
+          </a:xfrm>
+          <a:prstGeom prst="rect">
+            <a:avLst/>
+          </a:prstGeom>
+          <a:noFill/>
+          <a:extLst>
+            <a:ext uri="{909E8E84-426E-40DD-AFC4-6F175D3DCCD1}">
+              <a14:hiddenFill xmlns:a14="http://schemas.microsoft.com/office/drawing/2010/main">
+                <a:solidFill>
+                  <a:srgbClr val="FFFFFF"/>
+                </a:solidFill>
+              </a14:hiddenFill>
+            </a:ext>
+          </a:extLst>
+        </p:spPr>
+      </p:pic>
+      <p:sp>
+        <p:nvSpPr>
+          <p:cNvPr id="33" name="Google Shape;586;p65">
+            <a:extLst>
+              <a:ext uri="{FF2B5EF4-FFF2-40B4-BE49-F238E27FC236}">
+                <a16:creationId xmlns:a16="http://schemas.microsoft.com/office/drawing/2014/main" id="{C5B5174F-9D17-4E46-BF64-7FD20E73D7B0}"/>
+              </a:ext>
+            </a:extLst>
+          </p:cNvPr>
+          <p:cNvSpPr/>
+          <p:nvPr/>
+        </p:nvSpPr>
+        <p:spPr>
+          <a:xfrm>
+            <a:off x="5429169" y="4347481"/>
+            <a:ext cx="120900" cy="120900"/>
+          </a:xfrm>
+          <a:prstGeom prst="rect">
+            <a:avLst/>
+          </a:prstGeom>
+          <a:solidFill>
+            <a:schemeClr val="lt2"/>
+          </a:solidFill>
+          <a:ln>
+            <a:noFill/>
+          </a:ln>
+        </p:spPr>
+        <p:txBody>
+          <a:bodyPr spcFirstLastPara="1" wrap="square" lIns="91425" tIns="91425" rIns="91425" bIns="91425" anchor="ctr" anchorCtr="0">
+            <a:noAutofit/>
+          </a:bodyPr>
+          <a:lstStyle/>
+          <a:p>
+            <a:pPr marL="0" lvl="0" indent="0" algn="l" rtl="0">
+              <a:spcBef>
+                <a:spcPts val="0"/>
+              </a:spcBef>
+              <a:spcAft>
+                <a:spcPts val="0"/>
+              </a:spcAft>
+              <a:buNone/>
+            </a:pPr>
+            <a:endParaRPr/>
+          </a:p>
+        </p:txBody>
+      </p:sp>
+      <p:pic>
+        <p:nvPicPr>
+          <p:cNvPr id="1028" name="Picture 4" descr="Group Chat">
+            <a:extLst>
+              <a:ext uri="{FF2B5EF4-FFF2-40B4-BE49-F238E27FC236}">
+                <a16:creationId xmlns:a16="http://schemas.microsoft.com/office/drawing/2014/main" id="{68AABF1D-F3A4-4CB3-8CB6-8DC517AF610B}"/>
+              </a:ext>
+            </a:extLst>
+          </p:cNvPr>
+          <p:cNvPicPr>
+            <a:picLocks noChangeAspect="1" noChangeArrowheads="1"/>
+          </p:cNvPicPr>
+          <p:nvPr/>
+        </p:nvPicPr>
+        <p:blipFill>
+          <a:blip r:embed="rId9">
+            <a:extLst>
+              <a:ext uri="{28A0092B-C50C-407E-A947-70E740481C1C}">
+                <a14:useLocalDpi xmlns:a14="http://schemas.microsoft.com/office/drawing/2010/main" val="0"/>
+              </a:ext>
+            </a:extLst>
+          </a:blip>
+          <a:srcRect/>
+          <a:stretch>
+            <a:fillRect/>
+          </a:stretch>
+        </p:blipFill>
+        <p:spPr bwMode="auto">
+          <a:xfrm>
+            <a:off x="4979686" y="3155758"/>
+            <a:ext cx="1019866" cy="1019866"/>
           </a:xfrm>
           <a:prstGeom prst="rect">
             <a:avLst/>
@@ -11273,7 +12028,7 @@
         </p:nvSpPr>
         <p:spPr>
           <a:xfrm>
-            <a:off x="3657606" y="1358740"/>
+            <a:off x="3425786" y="405704"/>
             <a:ext cx="5074269" cy="548700"/>
           </a:xfrm>
         </p:spPr>
@@ -11283,7 +12038,7 @@
           <a:p>
             <a:pPr algn="r"/>
             <a:r>
-              <a:rPr lang="uk-UA" sz="6600" dirty="0">
+              <a:rPr lang="uk-UA" sz="4000" dirty="0">
                 <a:latin typeface="Roboto" panose="02000000000000000000" pitchFamily="2" charset="0"/>
                 <a:ea typeface="Roboto" panose="02000000000000000000" pitchFamily="2" charset="0"/>
               </a:rPr>
@@ -11292,88 +12047,45 @@
           </a:p>
         </p:txBody>
       </p:sp>
-      <p:sp>
-        <p:nvSpPr>
-          <p:cNvPr id="4" name="Місце для тексту 3">
+      <p:pic>
+        <p:nvPicPr>
+          <p:cNvPr id="5" name="Рисунок 4">
             <a:extLst>
               <a:ext uri="{FF2B5EF4-FFF2-40B4-BE49-F238E27FC236}">
-                <a16:creationId xmlns:a16="http://schemas.microsoft.com/office/drawing/2014/main" id="{3E6B4C5D-ACB7-4170-908C-7A385EA894D1}"/>
+                <a16:creationId xmlns:a16="http://schemas.microsoft.com/office/drawing/2014/main" id="{A9AC2266-B7CD-4E86-99D1-700B895DB65F}"/>
               </a:ext>
             </a:extLst>
           </p:cNvPr>
-          <p:cNvSpPr>
-            <a:spLocks noGrp="1"/>
-          </p:cNvSpPr>
-          <p:nvPr>
-            <p:ph type="body" idx="1"/>
-          </p:nvPr>
-        </p:nvSpPr>
-        <p:spPr>
+          <p:cNvPicPr/>
+          <p:nvPr/>
+        </p:nvPicPr>
+        <p:blipFill>
+          <a:blip r:embed="rId2">
+            <a:extLst>
+              <a:ext uri="{28A0092B-C50C-407E-A947-70E740481C1C}">
+                <a14:useLocalDpi xmlns:a14="http://schemas.microsoft.com/office/drawing/2010/main" val="0"/>
+              </a:ext>
+            </a:extLst>
+          </a:blip>
+          <a:srcRect/>
+          <a:stretch>
+            <a:fillRect/>
+          </a:stretch>
+        </p:blipFill>
+        <p:spPr bwMode="auto">
           <a:xfrm>
-            <a:off x="714778" y="2571750"/>
-            <a:ext cx="7437550" cy="731100"/>
-          </a:xfrm>
-        </p:spPr>
-        <p:txBody>
-          <a:bodyPr/>
-          <a:lstStyle/>
-          <a:p>
-            <a:pPr marL="152400" indent="0">
-              <a:buNone/>
-            </a:pPr>
-            <a:r>
-              <a:rPr lang="uk-UA" sz="2000" dirty="0">
-                <a:latin typeface="Manrope" pitchFamily="2" charset="0"/>
-              </a:rPr>
-              <a:t>Архітектурою додатка була обрана </a:t>
-            </a:r>
-            <a:r>
-              <a:rPr lang="en-US" sz="2000" dirty="0">
-                <a:latin typeface="Manrope" pitchFamily="2" charset="0"/>
-              </a:rPr>
-              <a:t>N-tier </a:t>
-            </a:r>
-            <a:r>
-              <a:rPr lang="uk-UA" sz="2000" dirty="0">
-                <a:latin typeface="Manrope" pitchFamily="2" charset="0"/>
-              </a:rPr>
-              <a:t>архітектура</a:t>
-            </a:r>
-          </a:p>
-          <a:p>
-            <a:pPr marL="152400" indent="0">
-              <a:buNone/>
-            </a:pPr>
-            <a:r>
-              <a:rPr lang="uk-UA" sz="2000" dirty="0">
-                <a:latin typeface="Manrope" pitchFamily="2" charset="0"/>
-              </a:rPr>
-              <a:t>Для </a:t>
-            </a:r>
-            <a:r>
-              <a:rPr lang="en-US" sz="2000" dirty="0">
-                <a:latin typeface="Manrope" pitchFamily="2" charset="0"/>
-              </a:rPr>
-              <a:t>Api </a:t>
-            </a:r>
-            <a:r>
-              <a:rPr lang="uk-UA" sz="2000" dirty="0">
-                <a:latin typeface="Manrope" pitchFamily="2" charset="0"/>
-              </a:rPr>
-              <a:t>ж була використана архітектура </a:t>
-            </a:r>
-            <a:r>
-              <a:rPr lang="en-US" sz="2000" dirty="0">
-                <a:latin typeface="Manrope" pitchFamily="2" charset="0"/>
-              </a:rPr>
-              <a:t>REST Api</a:t>
-            </a:r>
-            <a:endParaRPr lang="uk-UA" sz="2000" dirty="0">
-              <a:latin typeface="Manrope" pitchFamily="2" charset="0"/>
-            </a:endParaRPr>
-          </a:p>
-        </p:txBody>
-      </p:sp>
+            <a:off x="929844" y="1005920"/>
+            <a:ext cx="7284312" cy="3859080"/>
+          </a:xfrm>
+          <a:prstGeom prst="rect">
+            <a:avLst/>
+          </a:prstGeom>
+          <a:noFill/>
+          <a:ln>
+            <a:noFill/>
+          </a:ln>
+        </p:spPr>
+      </p:pic>
     </p:spTree>
     <p:extLst>
       <p:ext uri="{BB962C8B-B14F-4D97-AF65-F5344CB8AC3E}">
@@ -11439,13 +12151,13 @@
               <a:buNone/>
             </a:pPr>
             <a:r>
-              <a:rPr lang="uk-UA" sz="6600" dirty="0">
+              <a:rPr lang="uk-UA" sz="4000" dirty="0">
                 <a:latin typeface="Roboto" panose="02000000000000000000" pitchFamily="2" charset="0"/>
                 <a:ea typeface="Roboto" panose="02000000000000000000" pitchFamily="2" charset="0"/>
               </a:rPr>
               <a:t>Реалізація</a:t>
             </a:r>
-            <a:endParaRPr sz="6600" dirty="0">
+            <a:endParaRPr sz="4000" dirty="0">
               <a:latin typeface="Roboto" panose="02000000000000000000" pitchFamily="2" charset="0"/>
               <a:ea typeface="Roboto" panose="02000000000000000000" pitchFamily="2" charset="0"/>
             </a:endParaRPr>
@@ -11464,8 +12176,8 @@
         </p:nvSpPr>
         <p:spPr>
           <a:xfrm>
-            <a:off x="4572000" y="3358100"/>
-            <a:ext cx="3856800" cy="1250400"/>
+            <a:off x="4005330" y="2736765"/>
+            <a:ext cx="4423470" cy="1871736"/>
           </a:xfrm>
           <a:prstGeom prst="rect">
             <a:avLst/>
@@ -11487,12 +12199,12 @@
               <a:buNone/>
             </a:pPr>
             <a:r>
-              <a:rPr lang="uk-UA" sz="2000" dirty="0">
+              <a:rPr lang="uk-UA" sz="2200" dirty="0">
                 <a:latin typeface="Manrope" pitchFamily="2" charset="0"/>
               </a:rPr>
               <a:t>Кінцевий застосунок було розроблено у вигляді 2 окремих частин</a:t>
             </a:r>
-            <a:endParaRPr sz="2000" dirty="0">
+            <a:endParaRPr sz="2200" dirty="0">
               <a:latin typeface="Manrope" pitchFamily="2" charset="0"/>
             </a:endParaRPr>
           </a:p>
@@ -11568,8 +12280,8 @@
         </p:nvSpPr>
         <p:spPr>
           <a:xfrm>
-            <a:off x="715099" y="1503175"/>
-            <a:ext cx="7239541" cy="2005200"/>
+            <a:off x="715100" y="729100"/>
+            <a:ext cx="7239541" cy="4023201"/>
           </a:xfrm>
           <a:prstGeom prst="rect">
             <a:avLst/>
@@ -11591,12 +12303,59 @@
               <a:buNone/>
             </a:pPr>
             <a:r>
-              <a:rPr lang="uk-UA" dirty="0">
+              <a:rPr lang="uk-UA" sz="2200" dirty="0">
                 <a:latin typeface="Manrope" pitchFamily="2" charset="0"/>
               </a:rPr>
               <a:t>Перша частина проекту відповідає за облік даних у базі даних та створення каналу взаємодії між користувачем та машиною</a:t>
             </a:r>
-            <a:endParaRPr dirty="0">
+            <a:endParaRPr lang="en-US" sz="2200" dirty="0">
+              <a:latin typeface="Manrope" pitchFamily="2" charset="0"/>
+            </a:endParaRPr>
+          </a:p>
+          <a:p>
+            <a:pPr marL="0" lvl="0" indent="0" algn="l" rtl="0">
+              <a:spcBef>
+                <a:spcPts val="0"/>
+              </a:spcBef>
+              <a:spcAft>
+                <a:spcPts val="0"/>
+              </a:spcAft>
+              <a:buNone/>
+            </a:pPr>
+            <a:endParaRPr lang="en-US" sz="2200" dirty="0">
+              <a:latin typeface="Manrope" pitchFamily="2" charset="0"/>
+            </a:endParaRPr>
+          </a:p>
+          <a:p>
+            <a:pPr marL="0" indent="0"/>
+            <a:r>
+              <a:rPr lang="uk-UA" sz="2200" dirty="0">
+                <a:latin typeface="Manrope" pitchFamily="2" charset="0"/>
+              </a:rPr>
+              <a:t>Всі дані, що зберігаються в базі даних захищені, всі паролі зашифровані</a:t>
+            </a:r>
+            <a:endParaRPr lang="en-US" sz="2200" dirty="0">
+              <a:latin typeface="Manrope" pitchFamily="2" charset="0"/>
+            </a:endParaRPr>
+          </a:p>
+          <a:p>
+            <a:pPr marL="0" indent="0"/>
+            <a:endParaRPr lang="en-US" sz="2200" dirty="0">
+              <a:latin typeface="Manrope" pitchFamily="2" charset="0"/>
+            </a:endParaRPr>
+          </a:p>
+          <a:p>
+            <a:pPr marL="0" indent="0"/>
+            <a:r>
+              <a:rPr lang="uk-UA" sz="2200" dirty="0">
+                <a:latin typeface="Manrope" pitchFamily="2" charset="0"/>
+              </a:rPr>
+              <a:t>У користувача є можливість створювати декілька акаунтів та прив’язувати до них різні віртуальні машини</a:t>
+            </a:r>
+          </a:p>
+          <a:p>
+            <a:pPr marL="0" indent="0"/>
+            <a:endParaRPr lang="uk-UA" sz="2200" dirty="0">
               <a:latin typeface="Manrope" pitchFamily="2" charset="0"/>
             </a:endParaRPr>
           </a:p>
